--- a/TheVisionTeam--OOP-Remind-me--project-09072018.pptx
+++ b/TheVisionTeam--OOP-Remind-me--project-09072018.pptx
@@ -4,14 +4,19 @@
   <p:sldMasterIdLst>
     <p:sldMasterId id="2147483660" r:id="rId1"/>
   </p:sldMasterIdLst>
+  <p:notesMasterIdLst>
+    <p:notesMasterId r:id="rId11"/>
+  </p:notesMasterIdLst>
   <p:sldIdLst>
     <p:sldId id="256" r:id="rId2"/>
     <p:sldId id="257" r:id="rId3"/>
     <p:sldId id="264" r:id="rId4"/>
-    <p:sldId id="263" r:id="rId5"/>
-    <p:sldId id="260" r:id="rId6"/>
-    <p:sldId id="261" r:id="rId7"/>
-    <p:sldId id="266" r:id="rId8"/>
+    <p:sldId id="267" r:id="rId5"/>
+    <p:sldId id="269" r:id="rId6"/>
+    <p:sldId id="263" r:id="rId7"/>
+    <p:sldId id="268" r:id="rId8"/>
+    <p:sldId id="261" r:id="rId9"/>
+    <p:sldId id="266" r:id="rId10"/>
   </p:sldIdLst>
   <p:sldSz cx="9144000" cy="6858000" type="screen4x3"/>
   <p:notesSz cx="6858000" cy="9144000"/>
@@ -111,6 +116,440 @@
     </a:lvl9pPr>
   </p:defaultTextStyle>
 </p:presentation>
+</file>
+
+<file path=ppt/notesMasters/notesMaster1.xml><?xml version="1.0" encoding="utf-8"?>
+<p:notesMaster xmlns:a="http://schemas.openxmlformats.org/drawingml/2006/main" xmlns:r="http://schemas.openxmlformats.org/officeDocument/2006/relationships" xmlns:p="http://schemas.openxmlformats.org/presentationml/2006/main">
+  <p:cSld>
+    <p:bg>
+      <p:bgRef idx="1001">
+        <a:schemeClr val="bg1"/>
+      </p:bgRef>
+    </p:bg>
+    <p:spTree>
+      <p:nvGrpSpPr>
+        <p:cNvPr id="1" name=""/>
+        <p:cNvGrpSpPr/>
+        <p:nvPr/>
+      </p:nvGrpSpPr>
+      <p:grpSpPr>
+        <a:xfrm>
+          <a:off x="0" y="0"/>
+          <a:ext cx="0" cy="0"/>
+          <a:chOff x="0" y="0"/>
+          <a:chExt cx="0" cy="0"/>
+        </a:xfrm>
+      </p:grpSpPr>
+      <p:sp>
+        <p:nvSpPr>
+          <p:cNvPr id="2" name="Header Placeholder 1"/>
+          <p:cNvSpPr>
+            <a:spLocks noGrp="1"/>
+          </p:cNvSpPr>
+          <p:nvPr>
+            <p:ph type="hdr" sz="quarter"/>
+          </p:nvPr>
+        </p:nvSpPr>
+        <p:spPr>
+          <a:xfrm>
+            <a:off x="0" y="0"/>
+            <a:ext cx="2971800" cy="457200"/>
+          </a:xfrm>
+          <a:prstGeom prst="rect">
+            <a:avLst/>
+          </a:prstGeom>
+        </p:spPr>
+        <p:txBody>
+          <a:bodyPr vert="horz" lIns="91440" tIns="45720" rIns="91440" bIns="45720" rtlCol="0"/>
+          <a:lstStyle>
+            <a:lvl1pPr algn="l">
+              <a:defRPr sz="1200"/>
+            </a:lvl1pPr>
+          </a:lstStyle>
+          <a:p>
+            <a:endParaRPr lang="en-US"/>
+          </a:p>
+        </p:txBody>
+      </p:sp>
+      <p:sp>
+        <p:nvSpPr>
+          <p:cNvPr id="3" name="Date Placeholder 2"/>
+          <p:cNvSpPr>
+            <a:spLocks noGrp="1"/>
+          </p:cNvSpPr>
+          <p:nvPr>
+            <p:ph type="dt" idx="1"/>
+          </p:nvPr>
+        </p:nvSpPr>
+        <p:spPr>
+          <a:xfrm>
+            <a:off x="3884613" y="0"/>
+            <a:ext cx="2971800" cy="457200"/>
+          </a:xfrm>
+          <a:prstGeom prst="rect">
+            <a:avLst/>
+          </a:prstGeom>
+        </p:spPr>
+        <p:txBody>
+          <a:bodyPr vert="horz" lIns="91440" tIns="45720" rIns="91440" bIns="45720" rtlCol="0"/>
+          <a:lstStyle>
+            <a:lvl1pPr algn="r">
+              <a:defRPr sz="1200"/>
+            </a:lvl1pPr>
+          </a:lstStyle>
+          <a:p>
+            <a:fld id="{A6E4C5C8-B8B7-485A-83DE-785992654CE0}" type="datetimeFigureOut">
+              <a:rPr lang="en-US" smtClean="0"/>
+              <a:t>7/9/2018</a:t>
+            </a:fld>
+            <a:endParaRPr lang="en-US"/>
+          </a:p>
+        </p:txBody>
+      </p:sp>
+      <p:sp>
+        <p:nvSpPr>
+          <p:cNvPr id="4" name="Slide Image Placeholder 3"/>
+          <p:cNvSpPr>
+            <a:spLocks noGrp="1" noRot="1" noChangeAspect="1"/>
+          </p:cNvSpPr>
+          <p:nvPr>
+            <p:ph type="sldImg" idx="2"/>
+          </p:nvPr>
+        </p:nvSpPr>
+        <p:spPr>
+          <a:xfrm>
+            <a:off x="1143000" y="685800"/>
+            <a:ext cx="4572000" cy="3429000"/>
+          </a:xfrm>
+          <a:prstGeom prst="rect">
+            <a:avLst/>
+          </a:prstGeom>
+          <a:noFill/>
+          <a:ln w="12700">
+            <a:solidFill>
+              <a:prstClr val="black"/>
+            </a:solidFill>
+          </a:ln>
+        </p:spPr>
+        <p:txBody>
+          <a:bodyPr vert="horz" lIns="91440" tIns="45720" rIns="91440" bIns="45720" rtlCol="0" anchor="ctr"/>
+          <a:lstStyle/>
+          <a:p>
+            <a:endParaRPr lang="en-US"/>
+          </a:p>
+        </p:txBody>
+      </p:sp>
+      <p:sp>
+        <p:nvSpPr>
+          <p:cNvPr id="5" name="Notes Placeholder 4"/>
+          <p:cNvSpPr>
+            <a:spLocks noGrp="1"/>
+          </p:cNvSpPr>
+          <p:nvPr>
+            <p:ph type="body" sz="quarter" idx="3"/>
+          </p:nvPr>
+        </p:nvSpPr>
+        <p:spPr>
+          <a:xfrm>
+            <a:off x="685800" y="4343400"/>
+            <a:ext cx="5486400" cy="4114800"/>
+          </a:xfrm>
+          <a:prstGeom prst="rect">
+            <a:avLst/>
+          </a:prstGeom>
+        </p:spPr>
+        <p:txBody>
+          <a:bodyPr vert="horz" lIns="91440" tIns="45720" rIns="91440" bIns="45720" rtlCol="0"/>
+          <a:lstStyle/>
+          <a:p>
+            <a:pPr lvl="0"/>
+            <a:r>
+              <a:rPr lang="en-US" smtClean="0"/>
+              <a:t>Click to edit Master text styles</a:t>
+            </a:r>
+          </a:p>
+          <a:p>
+            <a:pPr lvl="1"/>
+            <a:r>
+              <a:rPr lang="en-US" smtClean="0"/>
+              <a:t>Second level</a:t>
+            </a:r>
+          </a:p>
+          <a:p>
+            <a:pPr lvl="2"/>
+            <a:r>
+              <a:rPr lang="en-US" smtClean="0"/>
+              <a:t>Third level</a:t>
+            </a:r>
+          </a:p>
+          <a:p>
+            <a:pPr lvl="3"/>
+            <a:r>
+              <a:rPr lang="en-US" smtClean="0"/>
+              <a:t>Fourth level</a:t>
+            </a:r>
+          </a:p>
+          <a:p>
+            <a:pPr lvl="4"/>
+            <a:r>
+              <a:rPr lang="en-US" smtClean="0"/>
+              <a:t>Fifth level</a:t>
+            </a:r>
+            <a:endParaRPr lang="en-US"/>
+          </a:p>
+        </p:txBody>
+      </p:sp>
+      <p:sp>
+        <p:nvSpPr>
+          <p:cNvPr id="6" name="Footer Placeholder 5"/>
+          <p:cNvSpPr>
+            <a:spLocks noGrp="1"/>
+          </p:cNvSpPr>
+          <p:nvPr>
+            <p:ph type="ftr" sz="quarter" idx="4"/>
+          </p:nvPr>
+        </p:nvSpPr>
+        <p:spPr>
+          <a:xfrm>
+            <a:off x="0" y="8685213"/>
+            <a:ext cx="2971800" cy="457200"/>
+          </a:xfrm>
+          <a:prstGeom prst="rect">
+            <a:avLst/>
+          </a:prstGeom>
+        </p:spPr>
+        <p:txBody>
+          <a:bodyPr vert="horz" lIns="91440" tIns="45720" rIns="91440" bIns="45720" rtlCol="0" anchor="b"/>
+          <a:lstStyle>
+            <a:lvl1pPr algn="l">
+              <a:defRPr sz="1200"/>
+            </a:lvl1pPr>
+          </a:lstStyle>
+          <a:p>
+            <a:endParaRPr lang="en-US"/>
+          </a:p>
+        </p:txBody>
+      </p:sp>
+      <p:sp>
+        <p:nvSpPr>
+          <p:cNvPr id="7" name="Slide Number Placeholder 6"/>
+          <p:cNvSpPr>
+            <a:spLocks noGrp="1"/>
+          </p:cNvSpPr>
+          <p:nvPr>
+            <p:ph type="sldNum" sz="quarter" idx="5"/>
+          </p:nvPr>
+        </p:nvSpPr>
+        <p:spPr>
+          <a:xfrm>
+            <a:off x="3884613" y="8685213"/>
+            <a:ext cx="2971800" cy="457200"/>
+          </a:xfrm>
+          <a:prstGeom prst="rect">
+            <a:avLst/>
+          </a:prstGeom>
+        </p:spPr>
+        <p:txBody>
+          <a:bodyPr vert="horz" lIns="91440" tIns="45720" rIns="91440" bIns="45720" rtlCol="0" anchor="b"/>
+          <a:lstStyle>
+            <a:lvl1pPr algn="r">
+              <a:defRPr sz="1200"/>
+            </a:lvl1pPr>
+          </a:lstStyle>
+          <a:p>
+            <a:fld id="{104FF3CA-955F-41C2-BC1E-7E2DED3D413C}" type="slidenum">
+              <a:rPr lang="en-US" smtClean="0"/>
+              <a:t>‹#›</a:t>
+            </a:fld>
+            <a:endParaRPr lang="en-US"/>
+          </a:p>
+        </p:txBody>
+      </p:sp>
+    </p:spTree>
+    <p:extLst>
+      <p:ext uri="{BB962C8B-B14F-4D97-AF65-F5344CB8AC3E}">
+        <p14:creationId xmlns:p14="http://schemas.microsoft.com/office/powerpoint/2010/main" val="665260737"/>
+      </p:ext>
+    </p:extLst>
+  </p:cSld>
+  <p:clrMap bg1="lt1" tx1="dk1" bg2="lt2" tx2="dk2" accent1="accent1" accent2="accent2" accent3="accent3" accent4="accent4" accent5="accent5" accent6="accent6" hlink="hlink" folHlink="folHlink"/>
+  <p:notesStyle>
+    <a:lvl1pPr marL="0" algn="l" defTabSz="914400" rtl="0" eaLnBrk="1" latinLnBrk="0" hangingPunct="1">
+      <a:defRPr sz="1200" kern="1200">
+        <a:solidFill>
+          <a:schemeClr val="tx1"/>
+        </a:solidFill>
+        <a:latin typeface="+mn-lt"/>
+        <a:ea typeface="+mn-ea"/>
+        <a:cs typeface="+mn-cs"/>
+      </a:defRPr>
+    </a:lvl1pPr>
+    <a:lvl2pPr marL="457200" algn="l" defTabSz="914400" rtl="0" eaLnBrk="1" latinLnBrk="0" hangingPunct="1">
+      <a:defRPr sz="1200" kern="1200">
+        <a:solidFill>
+          <a:schemeClr val="tx1"/>
+        </a:solidFill>
+        <a:latin typeface="+mn-lt"/>
+        <a:ea typeface="+mn-ea"/>
+        <a:cs typeface="+mn-cs"/>
+      </a:defRPr>
+    </a:lvl2pPr>
+    <a:lvl3pPr marL="914400" algn="l" defTabSz="914400" rtl="0" eaLnBrk="1" latinLnBrk="0" hangingPunct="1">
+      <a:defRPr sz="1200" kern="1200">
+        <a:solidFill>
+          <a:schemeClr val="tx1"/>
+        </a:solidFill>
+        <a:latin typeface="+mn-lt"/>
+        <a:ea typeface="+mn-ea"/>
+        <a:cs typeface="+mn-cs"/>
+      </a:defRPr>
+    </a:lvl3pPr>
+    <a:lvl4pPr marL="1371600" algn="l" defTabSz="914400" rtl="0" eaLnBrk="1" latinLnBrk="0" hangingPunct="1">
+      <a:defRPr sz="1200" kern="1200">
+        <a:solidFill>
+          <a:schemeClr val="tx1"/>
+        </a:solidFill>
+        <a:latin typeface="+mn-lt"/>
+        <a:ea typeface="+mn-ea"/>
+        <a:cs typeface="+mn-cs"/>
+      </a:defRPr>
+    </a:lvl4pPr>
+    <a:lvl5pPr marL="1828800" algn="l" defTabSz="914400" rtl="0" eaLnBrk="1" latinLnBrk="0" hangingPunct="1">
+      <a:defRPr sz="1200" kern="1200">
+        <a:solidFill>
+          <a:schemeClr val="tx1"/>
+        </a:solidFill>
+        <a:latin typeface="+mn-lt"/>
+        <a:ea typeface="+mn-ea"/>
+        <a:cs typeface="+mn-cs"/>
+      </a:defRPr>
+    </a:lvl5pPr>
+    <a:lvl6pPr marL="2286000" algn="l" defTabSz="914400" rtl="0" eaLnBrk="1" latinLnBrk="0" hangingPunct="1">
+      <a:defRPr sz="1200" kern="1200">
+        <a:solidFill>
+          <a:schemeClr val="tx1"/>
+        </a:solidFill>
+        <a:latin typeface="+mn-lt"/>
+        <a:ea typeface="+mn-ea"/>
+        <a:cs typeface="+mn-cs"/>
+      </a:defRPr>
+    </a:lvl6pPr>
+    <a:lvl7pPr marL="2743200" algn="l" defTabSz="914400" rtl="0" eaLnBrk="1" latinLnBrk="0" hangingPunct="1">
+      <a:defRPr sz="1200" kern="1200">
+        <a:solidFill>
+          <a:schemeClr val="tx1"/>
+        </a:solidFill>
+        <a:latin typeface="+mn-lt"/>
+        <a:ea typeface="+mn-ea"/>
+        <a:cs typeface="+mn-cs"/>
+      </a:defRPr>
+    </a:lvl7pPr>
+    <a:lvl8pPr marL="3200400" algn="l" defTabSz="914400" rtl="0" eaLnBrk="1" latinLnBrk="0" hangingPunct="1">
+      <a:defRPr sz="1200" kern="1200">
+        <a:solidFill>
+          <a:schemeClr val="tx1"/>
+        </a:solidFill>
+        <a:latin typeface="+mn-lt"/>
+        <a:ea typeface="+mn-ea"/>
+        <a:cs typeface="+mn-cs"/>
+      </a:defRPr>
+    </a:lvl8pPr>
+    <a:lvl9pPr marL="3657600" algn="l" defTabSz="914400" rtl="0" eaLnBrk="1" latinLnBrk="0" hangingPunct="1">
+      <a:defRPr sz="1200" kern="1200">
+        <a:solidFill>
+          <a:schemeClr val="tx1"/>
+        </a:solidFill>
+        <a:latin typeface="+mn-lt"/>
+        <a:ea typeface="+mn-ea"/>
+        <a:cs typeface="+mn-cs"/>
+      </a:defRPr>
+    </a:lvl9pPr>
+  </p:notesStyle>
+</p:notesMaster>
+</file>
+
+<file path=ppt/notesSlides/notesSlide1.xml><?xml version="1.0" encoding="utf-8"?>
+<p:notes xmlns:a="http://schemas.openxmlformats.org/drawingml/2006/main" xmlns:r="http://schemas.openxmlformats.org/officeDocument/2006/relationships" xmlns:p="http://schemas.openxmlformats.org/presentationml/2006/main">
+  <p:cSld>
+    <p:spTree>
+      <p:nvGrpSpPr>
+        <p:cNvPr id="1" name=""/>
+        <p:cNvGrpSpPr/>
+        <p:nvPr/>
+      </p:nvGrpSpPr>
+      <p:grpSpPr>
+        <a:xfrm>
+          <a:off x="0" y="0"/>
+          <a:ext cx="0" cy="0"/>
+          <a:chOff x="0" y="0"/>
+          <a:chExt cx="0" cy="0"/>
+        </a:xfrm>
+      </p:grpSpPr>
+      <p:sp>
+        <p:nvSpPr>
+          <p:cNvPr id="2" name="Slide Image Placeholder 1"/>
+          <p:cNvSpPr>
+            <a:spLocks noGrp="1" noRot="1" noChangeAspect="1"/>
+          </p:cNvSpPr>
+          <p:nvPr>
+            <p:ph type="sldImg"/>
+          </p:nvPr>
+        </p:nvSpPr>
+        <p:spPr/>
+      </p:sp>
+      <p:sp>
+        <p:nvSpPr>
+          <p:cNvPr id="3" name="Notes Placeholder 2"/>
+          <p:cNvSpPr>
+            <a:spLocks noGrp="1"/>
+          </p:cNvSpPr>
+          <p:nvPr>
+            <p:ph type="body" idx="1"/>
+          </p:nvPr>
+        </p:nvSpPr>
+        <p:spPr/>
+        <p:txBody>
+          <a:bodyPr/>
+          <a:lstStyle/>
+          <a:p>
+            <a:endParaRPr lang="en-US" dirty="0"/>
+          </a:p>
+        </p:txBody>
+      </p:sp>
+      <p:sp>
+        <p:nvSpPr>
+          <p:cNvPr id="4" name="Slide Number Placeholder 3"/>
+          <p:cNvSpPr>
+            <a:spLocks noGrp="1"/>
+          </p:cNvSpPr>
+          <p:nvPr>
+            <p:ph type="sldNum" sz="quarter" idx="10"/>
+          </p:nvPr>
+        </p:nvSpPr>
+        <p:spPr/>
+        <p:txBody>
+          <a:bodyPr/>
+          <a:lstStyle/>
+          <a:p>
+            <a:fld id="{104FF3CA-955F-41C2-BC1E-7E2DED3D413C}" type="slidenum">
+              <a:rPr lang="en-US" smtClean="0"/>
+              <a:t>9</a:t>
+            </a:fld>
+            <a:endParaRPr lang="en-US"/>
+          </a:p>
+        </p:txBody>
+      </p:sp>
+    </p:spTree>
+    <p:extLst>
+      <p:ext uri="{BB962C8B-B14F-4D97-AF65-F5344CB8AC3E}">
+        <p14:creationId xmlns:p14="http://schemas.microsoft.com/office/powerpoint/2010/main" val="821121585"/>
+      </p:ext>
+    </p:extLst>
+  </p:cSld>
+  <p:clrMapOvr>
+    <a:masterClrMapping/>
+  </p:clrMapOvr>
+</p:notes>
 </file>
 
 <file path=ppt/slideLayouts/slideLayout1.xml><?xml version="1.0" encoding="utf-8"?>
@@ -581,7 +1020,7 @@
           <a:p>
             <a:fld id="{D0364C69-2F3C-4CCF-A5CA-54EC98D33FC2}" type="datetimeFigureOut">
               <a:rPr lang="en-US" smtClean="0"/>
-              <a:t>6/28/2018</a:t>
+              <a:t>7/9/2018</a:t>
             </a:fld>
             <a:endParaRPr lang="en-US" dirty="0"/>
           </a:p>
@@ -746,7 +1185,7 @@
           <a:p>
             <a:fld id="{D0364C69-2F3C-4CCF-A5CA-54EC98D33FC2}" type="datetimeFigureOut">
               <a:rPr lang="en-US" smtClean="0"/>
-              <a:t>6/28/2018</a:t>
+              <a:t>7/9/2018</a:t>
             </a:fld>
             <a:endParaRPr lang="en-US" dirty="0"/>
           </a:p>
@@ -921,7 +1360,7 @@
           <a:p>
             <a:fld id="{D0364C69-2F3C-4CCF-A5CA-54EC98D33FC2}" type="datetimeFigureOut">
               <a:rPr lang="en-US" smtClean="0"/>
-              <a:t>6/28/2018</a:t>
+              <a:t>7/9/2018</a:t>
             </a:fld>
             <a:endParaRPr lang="en-US" dirty="0"/>
           </a:p>
@@ -1086,7 +1525,7 @@
           <a:p>
             <a:fld id="{D0364C69-2F3C-4CCF-A5CA-54EC98D33FC2}" type="datetimeFigureOut">
               <a:rPr lang="en-US" smtClean="0"/>
-              <a:t>6/28/2018</a:t>
+              <a:t>7/9/2018</a:t>
             </a:fld>
             <a:endParaRPr lang="en-US" dirty="0"/>
           </a:p>
@@ -1639,7 +2078,7 @@
           <a:p>
             <a:fld id="{D0364C69-2F3C-4CCF-A5CA-54EC98D33FC2}" type="datetimeFigureOut">
               <a:rPr lang="en-US" smtClean="0"/>
-              <a:t>6/28/2018</a:t>
+              <a:t>7/9/2018</a:t>
             </a:fld>
             <a:endParaRPr lang="en-US" dirty="0"/>
           </a:p>
@@ -1899,7 +2338,7 @@
           <a:p>
             <a:fld id="{D0364C69-2F3C-4CCF-A5CA-54EC98D33FC2}" type="datetimeFigureOut">
               <a:rPr lang="en-US" smtClean="0"/>
-              <a:t>6/28/2018</a:t>
+              <a:t>7/9/2018</a:t>
             </a:fld>
             <a:endParaRPr lang="en-US" dirty="0"/>
           </a:p>
@@ -2387,7 +2826,7 @@
           <a:p>
             <a:fld id="{D0364C69-2F3C-4CCF-A5CA-54EC98D33FC2}" type="datetimeFigureOut">
               <a:rPr lang="en-US" smtClean="0"/>
-              <a:t>6/28/2018</a:t>
+              <a:t>7/9/2018</a:t>
             </a:fld>
             <a:endParaRPr lang="en-US" dirty="0"/>
           </a:p>
@@ -2500,7 +2939,7 @@
           <a:p>
             <a:fld id="{D0364C69-2F3C-4CCF-A5CA-54EC98D33FC2}" type="datetimeFigureOut">
               <a:rPr lang="en-US" smtClean="0"/>
-              <a:t>6/28/2018</a:t>
+              <a:t>7/9/2018</a:t>
             </a:fld>
             <a:endParaRPr lang="en-US" dirty="0"/>
           </a:p>
@@ -2590,7 +3029,7 @@
           <a:p>
             <a:fld id="{D0364C69-2F3C-4CCF-A5CA-54EC98D33FC2}" type="datetimeFigureOut">
               <a:rPr lang="en-US" smtClean="0"/>
-              <a:t>6/28/2018</a:t>
+              <a:t>7/9/2018</a:t>
             </a:fld>
             <a:endParaRPr lang="en-US" dirty="0"/>
           </a:p>
@@ -3020,7 +3459,7 @@
           <a:p>
             <a:fld id="{D0364C69-2F3C-4CCF-A5CA-54EC98D33FC2}" type="datetimeFigureOut">
               <a:rPr lang="en-US" smtClean="0"/>
-              <a:t>6/28/2018</a:t>
+              <a:t>7/9/2018</a:t>
             </a:fld>
             <a:endParaRPr lang="en-US" dirty="0"/>
           </a:p>
@@ -3553,7 +3992,7 @@
           <a:p>
             <a:fld id="{D0364C69-2F3C-4CCF-A5CA-54EC98D33FC2}" type="datetimeFigureOut">
               <a:rPr lang="en-US" smtClean="0"/>
-              <a:t>6/28/2018</a:t>
+              <a:t>7/9/2018</a:t>
             </a:fld>
             <a:endParaRPr lang="en-US" dirty="0"/>
           </a:p>
@@ -4393,7 +4832,7 @@
           <a:p>
             <a:fld id="{D0364C69-2F3C-4CCF-A5CA-54EC98D33FC2}" type="datetimeFigureOut">
               <a:rPr lang="en-US" smtClean="0"/>
-              <a:t>6/28/2018</a:t>
+              <a:t>7/9/2018</a:t>
             </a:fld>
             <a:endParaRPr lang="en-US" dirty="0"/>
           </a:p>
@@ -5287,6 +5726,35 @@
           <a:chExt cx="0" cy="0"/>
         </a:xfrm>
       </p:grpSpPr>
+      <p:pic>
+        <p:nvPicPr>
+          <p:cNvPr id="4" name="Picture 3"/>
+          <p:cNvPicPr>
+            <a:picLocks noChangeAspect="1"/>
+          </p:cNvPicPr>
+          <p:nvPr/>
+        </p:nvPicPr>
+        <p:blipFill rotWithShape="1">
+          <a:blip r:embed="rId2">
+            <a:extLst>
+              <a:ext uri="{28A0092B-C50C-407E-A947-70E740481C1C}">
+                <a14:useLocalDpi xmlns:a14="http://schemas.microsoft.com/office/drawing/2010/main" val="0"/>
+              </a:ext>
+            </a:extLst>
+          </a:blip>
+          <a:srcRect r="68127" b="28169"/>
+          <a:stretch/>
+        </p:blipFill>
+        <p:spPr>
+          <a:xfrm rot="416864">
+            <a:off x="6213025" y="827066"/>
+            <a:ext cx="2456151" cy="4151547"/>
+          </a:xfrm>
+          <a:prstGeom prst="rect">
+            <a:avLst/>
+          </a:prstGeom>
+        </p:spPr>
+      </p:pic>
       <p:sp>
         <p:nvSpPr>
           <p:cNvPr id="2" name="Title 1"/>
@@ -5302,12 +5770,11 @@
           <a:bodyPr/>
           <a:lstStyle/>
           <a:p>
+            <a:pPr algn="r"/>
             <a:r>
               <a:rPr lang="en-GB" sz="2400" b="1" dirty="0">
                 <a:solidFill>
-                  <a:schemeClr val="accent1">
-                    <a:lumMod val="75000"/>
-                  </a:schemeClr>
+                  <a:srgbClr val="0070C0"/>
                 </a:solidFill>
                 <a:effectLst>
                   <a:outerShdw blurRad="38100" dist="38100" dir="2700000" algn="tl">
@@ -5322,9 +5789,7 @@
             <a:r>
               <a:rPr lang="en-GB" sz="2400" b="1" dirty="0" smtClean="0">
                 <a:solidFill>
-                  <a:schemeClr val="accent1">
-                    <a:lumMod val="75000"/>
-                  </a:schemeClr>
+                  <a:srgbClr val="0070C0"/>
                 </a:solidFill>
                 <a:effectLst>
                   <a:outerShdw blurRad="38100" dist="38100" dir="2700000" algn="tl">
@@ -5334,14 +5799,12 @@
                   </a:outerShdw>
                 </a:effectLst>
               </a:rPr>
-              <a:t>WITH </a:t>
-            </a:r>
-            <a:r>
+              <a:t>WITH REMIND.ME </a:t>
+            </a:r>
+            <a:br>
               <a:rPr lang="en-GB" sz="2400" b="1" dirty="0" smtClean="0">
                 <a:solidFill>
-                  <a:schemeClr val="accent1">
-                    <a:lumMod val="75000"/>
-                  </a:schemeClr>
+                  <a:srgbClr val="0070C0"/>
                 </a:solidFill>
                 <a:effectLst>
                   <a:outerShdw blurRad="38100" dist="38100" dir="2700000" algn="tl">
@@ -5351,14 +5814,11 @@
                   </a:outerShdw>
                 </a:effectLst>
               </a:rPr>
-              <a:t>REMIND.ME </a:t>
-            </a:r>
+            </a:br>
             <a:r>
               <a:rPr lang="en-GB" sz="2400" b="1" dirty="0" smtClean="0">
                 <a:solidFill>
-                  <a:schemeClr val="accent1">
-                    <a:lumMod val="75000"/>
-                  </a:schemeClr>
+                  <a:srgbClr val="0070C0"/>
                 </a:solidFill>
                 <a:effectLst>
                   <a:outerShdw blurRad="38100" dist="38100" dir="2700000" algn="tl">
@@ -5368,14 +5828,12 @@
                   </a:outerShdw>
                 </a:effectLst>
               </a:rPr>
-              <a:t/>
-            </a:r>
-            <a:br>
-              <a:rPr lang="en-GB" sz="2400" b="1" dirty="0" smtClean="0">
-                <a:solidFill>
-                  <a:schemeClr val="accent1">
-                    <a:lumMod val="75000"/>
-                  </a:schemeClr>
+              <a:t>to MAKE </a:t>
+            </a:r>
+            <a:r>
+              <a:rPr lang="en-GB" sz="2400" b="1" dirty="0">
+                <a:solidFill>
+                  <a:srgbClr val="0070C0"/>
                 </a:solidFill>
                 <a:effectLst>
                   <a:outerShdw blurRad="38100" dist="38100" dir="2700000" algn="tl">
@@ -5385,47 +5843,12 @@
                   </a:outerShdw>
                 </a:effectLst>
               </a:rPr>
-            </a:br>
+              <a:t>THE  MOST of your </a:t>
+            </a:r>
             <a:r>
               <a:rPr lang="en-GB" sz="2400" b="1" dirty="0" smtClean="0">
                 <a:solidFill>
-                  <a:schemeClr val="accent1">
-                    <a:lumMod val="75000"/>
-                  </a:schemeClr>
-                </a:solidFill>
-                <a:effectLst>
-                  <a:outerShdw blurRad="38100" dist="38100" dir="2700000" algn="tl">
-                    <a:srgbClr val="000000">
-                      <a:alpha val="43137"/>
-                    </a:srgbClr>
-                  </a:outerShdw>
-                </a:effectLst>
-              </a:rPr>
-              <a:t>to MAKE </a:t>
-            </a:r>
-            <a:r>
-              <a:rPr lang="en-GB" sz="2400" b="1" dirty="0">
-                <a:solidFill>
-                  <a:schemeClr val="accent1">
-                    <a:lumMod val="75000"/>
-                  </a:schemeClr>
-                </a:solidFill>
-                <a:effectLst>
-                  <a:outerShdw blurRad="38100" dist="38100" dir="2700000" algn="tl">
-                    <a:srgbClr val="000000">
-                      <a:alpha val="43137"/>
-                    </a:srgbClr>
-                  </a:outerShdw>
-                </a:effectLst>
-              </a:rPr>
-              <a:t>THE  MOST of your </a:t>
-            </a:r>
-            <a:r>
-              <a:rPr lang="en-GB" sz="2400" b="1" dirty="0" smtClean="0">
-                <a:solidFill>
-                  <a:schemeClr val="accent1">
-                    <a:lumMod val="75000"/>
-                  </a:schemeClr>
+                  <a:srgbClr val="0070C0"/>
                 </a:solidFill>
                 <a:effectLst>
                   <a:outerShdw blurRad="38100" dist="38100" dir="2700000" algn="tl">
@@ -5486,7 +5909,7 @@
         <p:spPr>
           <a:xfrm>
             <a:off x="827584" y="1124744"/>
-            <a:ext cx="7416824" cy="3888432"/>
+            <a:ext cx="5256583" cy="3888432"/>
           </a:xfrm>
         </p:spPr>
         <p:txBody>
@@ -5495,97 +5918,6 @@
           </a:bodyPr>
           <a:lstStyle/>
           <a:p>
-            <a:pPr>
-              <a:buClr>
-                <a:schemeClr val="tx2">
-                  <a:lumMod val="50000"/>
-                </a:schemeClr>
-              </a:buClr>
-              <a:buFont typeface="Wingdings" panose="05000000000000000000" pitchFamily="2" charset="2"/>
-              <a:buChar char="§"/>
-            </a:pPr>
-            <a:r>
-              <a:rPr lang="en-GB" sz="2800" dirty="0">
-                <a:solidFill>
-                  <a:schemeClr val="accent1">
-                    <a:lumMod val="50000"/>
-                  </a:schemeClr>
-                </a:solidFill>
-              </a:rPr>
-              <a:t>REMIND.ME is a practical tool to organise your day  </a:t>
-            </a:r>
-          </a:p>
-          <a:p>
-            <a:pPr>
-              <a:buClr>
-                <a:schemeClr val="tx2">
-                  <a:lumMod val="50000"/>
-                </a:schemeClr>
-              </a:buClr>
-              <a:buFont typeface="Wingdings" panose="05000000000000000000" pitchFamily="2" charset="2"/>
-              <a:buChar char="§"/>
-            </a:pPr>
-            <a:r>
-              <a:rPr lang="en-GB" sz="2800" dirty="0">
-                <a:solidFill>
-                  <a:schemeClr val="accent1">
-                    <a:lumMod val="50000"/>
-                  </a:schemeClr>
-                </a:solidFill>
-              </a:rPr>
-              <a:t>Make , store , prioritise, search and archive notes for every task you’d like to follow </a:t>
-            </a:r>
-            <a:endParaRPr lang="en-GB" sz="2800" dirty="0" smtClean="0">
-              <a:solidFill>
-                <a:schemeClr val="accent1">
-                  <a:lumMod val="50000"/>
-                </a:schemeClr>
-              </a:solidFill>
-            </a:endParaRPr>
-          </a:p>
-          <a:p>
-            <a:pPr>
-              <a:buClr>
-                <a:schemeClr val="tx2">
-                  <a:lumMod val="50000"/>
-                </a:schemeClr>
-              </a:buClr>
-              <a:buFont typeface="Wingdings" panose="05000000000000000000" pitchFamily="2" charset="2"/>
-              <a:buChar char="§"/>
-            </a:pPr>
-            <a:r>
-              <a:rPr lang="en-GB" sz="2800" dirty="0" smtClean="0">
-                <a:solidFill>
-                  <a:schemeClr val="accent1">
-                    <a:lumMod val="50000"/>
-                  </a:schemeClr>
-                </a:solidFill>
-              </a:rPr>
-              <a:t>Get reminder when a deadline is approaching </a:t>
-            </a:r>
-          </a:p>
-          <a:p>
-            <a:pPr>
-              <a:buClr>
-                <a:schemeClr val="tx2">
-                  <a:lumMod val="50000"/>
-                </a:schemeClr>
-              </a:buClr>
-              <a:buFont typeface="Wingdings" panose="05000000000000000000" pitchFamily="2" charset="2"/>
-              <a:buChar char="§"/>
-            </a:pPr>
-            <a:r>
-              <a:rPr lang="en-GB" sz="2800" dirty="0" smtClean="0">
-                <a:solidFill>
-                  <a:schemeClr val="accent1">
-                    <a:lumMod val="50000"/>
-                  </a:schemeClr>
-                </a:solidFill>
-              </a:rPr>
-              <a:t>Mark what is DONE , Pin  tasks </a:t>
-            </a:r>
-          </a:p>
-          <a:p>
             <a:pPr marL="0" indent="0">
               <a:buClr>
                 <a:schemeClr val="tx2">
@@ -5594,14 +5926,44 @@
               </a:buClr>
             </a:pPr>
             <a:r>
-              <a:rPr lang="en-GB" sz="2800" dirty="0" smtClean="0">
-                <a:solidFill>
-                  <a:schemeClr val="accent1">
-                    <a:lumMod val="50000"/>
-                  </a:schemeClr>
-                </a:solidFill>
-              </a:rPr>
-              <a:t>    with  the highest priority  </a:t>
+              <a:rPr lang="en-GB" sz="2400" dirty="0">
+                <a:solidFill>
+                  <a:srgbClr val="0070C0"/>
+                </a:solidFill>
+                <a:latin typeface="Arial" panose="020B0604020202020204" pitchFamily="34" charset="0"/>
+                <a:cs typeface="Arial" panose="020B0604020202020204" pitchFamily="34" charset="0"/>
+              </a:rPr>
+              <a:t>REMIND.ME </a:t>
+            </a:r>
+            <a:r>
+              <a:rPr lang="en-GB" sz="2400" dirty="0">
+                <a:solidFill>
+                  <a:srgbClr val="0070C0"/>
+                </a:solidFill>
+                <a:latin typeface="Arial" panose="020B0604020202020204" pitchFamily="34" charset="0"/>
+                <a:cs typeface="Arial" panose="020B0604020202020204" pitchFamily="34" charset="0"/>
+              </a:rPr>
+              <a:t>is </a:t>
+            </a:r>
+            <a:r>
+              <a:rPr lang="en-GB" sz="2400" dirty="0">
+                <a:solidFill>
+                  <a:srgbClr val="0070C0"/>
+                </a:solidFill>
+                <a:latin typeface="Arial" panose="020B0604020202020204" pitchFamily="34" charset="0"/>
+                <a:cs typeface="Arial" panose="020B0604020202020204" pitchFamily="34" charset="0"/>
+              </a:rPr>
+              <a:t>a practical tool to organise </a:t>
+            </a:r>
+            <a:r>
+              <a:rPr lang="en-GB" sz="2400" dirty="0">
+                <a:solidFill>
+                  <a:srgbClr val="0070C0"/>
+                </a:solidFill>
+                <a:latin typeface="Arial" panose="020B0604020202020204" pitchFamily="34" charset="0"/>
+                <a:cs typeface="Arial" panose="020B0604020202020204" pitchFamily="34" charset="0"/>
+              </a:rPr>
+              <a:t>your daily routine </a:t>
             </a:r>
           </a:p>
           <a:p>
@@ -5612,13 +5974,288 @@
                 </a:schemeClr>
               </a:buClr>
             </a:pPr>
-            <a:endParaRPr lang="en-GB" sz="2800" dirty="0" smtClean="0">
+            <a:endParaRPr lang="en-GB" sz="2000" dirty="0" smtClean="0">
               <a:solidFill>
-                <a:schemeClr val="accent1">
-                  <a:lumMod val="50000"/>
-                </a:schemeClr>
+                <a:srgbClr val="0070C0"/>
               </a:solidFill>
+              <a:latin typeface="Arial" panose="020B0604020202020204" pitchFamily="34" charset="0"/>
+              <a:cs typeface="Arial" panose="020B0604020202020204" pitchFamily="34" charset="0"/>
             </a:endParaRPr>
+          </a:p>
+          <a:p>
+            <a:pPr>
+              <a:buClr>
+                <a:srgbClr val="7030A0"/>
+              </a:buClr>
+              <a:buFont typeface="Wingdings" panose="05000000000000000000" pitchFamily="2" charset="2"/>
+              <a:buChar char="§"/>
+            </a:pPr>
+            <a:r>
+              <a:rPr lang="en-GB" sz="2200" dirty="0">
+                <a:solidFill>
+                  <a:srgbClr val="0070C0"/>
+                </a:solidFill>
+                <a:latin typeface="Arial" panose="020B0604020202020204" pitchFamily="34" charset="0"/>
+                <a:cs typeface="Arial" panose="020B0604020202020204" pitchFamily="34" charset="0"/>
+              </a:rPr>
+              <a:t>Make, </a:t>
+            </a:r>
+            <a:r>
+              <a:rPr lang="en-GB" sz="2200" dirty="0">
+                <a:solidFill>
+                  <a:srgbClr val="0070C0"/>
+                </a:solidFill>
+                <a:latin typeface="Arial" panose="020B0604020202020204" pitchFamily="34" charset="0"/>
+                <a:cs typeface="Arial" panose="020B0604020202020204" pitchFamily="34" charset="0"/>
+              </a:rPr>
+              <a:t>Prioritise</a:t>
+            </a:r>
+            <a:r>
+              <a:rPr lang="en-GB" sz="2200" dirty="0">
+                <a:solidFill>
+                  <a:srgbClr val="0070C0"/>
+                </a:solidFill>
+                <a:latin typeface="Arial" panose="020B0604020202020204" pitchFamily="34" charset="0"/>
+                <a:cs typeface="Arial" panose="020B0604020202020204" pitchFamily="34" charset="0"/>
+              </a:rPr>
+              <a:t>, </a:t>
+            </a:r>
+            <a:r>
+              <a:rPr lang="en-GB" sz="2200" dirty="0">
+                <a:solidFill>
+                  <a:srgbClr val="0070C0"/>
+                </a:solidFill>
+                <a:latin typeface="Arial" panose="020B0604020202020204" pitchFamily="34" charset="0"/>
+                <a:cs typeface="Arial" panose="020B0604020202020204" pitchFamily="34" charset="0"/>
+              </a:rPr>
+              <a:t>Search</a:t>
+            </a:r>
+            <a:r>
+              <a:rPr lang="en-GB" sz="2200" dirty="0">
+                <a:solidFill>
+                  <a:srgbClr val="0070C0"/>
+                </a:solidFill>
+                <a:latin typeface="Arial" panose="020B0604020202020204" pitchFamily="34" charset="0"/>
+                <a:cs typeface="Arial" panose="020B0604020202020204" pitchFamily="34" charset="0"/>
+              </a:rPr>
+              <a:t>, </a:t>
+            </a:r>
+            <a:r>
+              <a:rPr lang="en-GB" sz="2200" dirty="0">
+                <a:solidFill>
+                  <a:srgbClr val="0070C0"/>
+                </a:solidFill>
+                <a:latin typeface="Arial" panose="020B0604020202020204" pitchFamily="34" charset="0"/>
+                <a:cs typeface="Arial" panose="020B0604020202020204" pitchFamily="34" charset="0"/>
+              </a:rPr>
+              <a:t>Select</a:t>
+            </a:r>
+            <a:r>
+              <a:rPr lang="en-GB" sz="2200" dirty="0">
+                <a:solidFill>
+                  <a:srgbClr val="0070C0"/>
+                </a:solidFill>
+                <a:latin typeface="Arial" panose="020B0604020202020204" pitchFamily="34" charset="0"/>
+                <a:cs typeface="Arial" panose="020B0604020202020204" pitchFamily="34" charset="0"/>
+              </a:rPr>
+              <a:t>, </a:t>
+            </a:r>
+            <a:r>
+              <a:rPr lang="en-GB" sz="2200" dirty="0">
+                <a:solidFill>
+                  <a:srgbClr val="0070C0"/>
+                </a:solidFill>
+                <a:latin typeface="Arial" panose="020B0604020202020204" pitchFamily="34" charset="0"/>
+                <a:cs typeface="Arial" panose="020B0604020202020204" pitchFamily="34" charset="0"/>
+              </a:rPr>
+              <a:t>Show</a:t>
+            </a:r>
+            <a:r>
+              <a:rPr lang="en-GB" sz="2200" dirty="0">
+                <a:solidFill>
+                  <a:srgbClr val="0070C0"/>
+                </a:solidFill>
+                <a:latin typeface="Arial" panose="020B0604020202020204" pitchFamily="34" charset="0"/>
+                <a:cs typeface="Arial" panose="020B0604020202020204" pitchFamily="34" charset="0"/>
+              </a:rPr>
+              <a:t>, </a:t>
+            </a:r>
+            <a:r>
+              <a:rPr lang="en-GB" sz="2200" dirty="0">
+                <a:solidFill>
+                  <a:srgbClr val="0070C0"/>
+                </a:solidFill>
+                <a:latin typeface="Arial" panose="020B0604020202020204" pitchFamily="34" charset="0"/>
+                <a:cs typeface="Arial" panose="020B0604020202020204" pitchFamily="34" charset="0"/>
+              </a:rPr>
+              <a:t>Edit</a:t>
+            </a:r>
+            <a:r>
+              <a:rPr lang="en-GB" sz="2200" dirty="0">
+                <a:solidFill>
+                  <a:srgbClr val="0070C0"/>
+                </a:solidFill>
+                <a:latin typeface="Arial" panose="020B0604020202020204" pitchFamily="34" charset="0"/>
+                <a:cs typeface="Arial" panose="020B0604020202020204" pitchFamily="34" charset="0"/>
+              </a:rPr>
+              <a:t>, </a:t>
+            </a:r>
+            <a:r>
+              <a:rPr lang="en-GB" sz="2200" dirty="0">
+                <a:solidFill>
+                  <a:srgbClr val="0070C0"/>
+                </a:solidFill>
+                <a:latin typeface="Arial" panose="020B0604020202020204" pitchFamily="34" charset="0"/>
+                <a:cs typeface="Arial" panose="020B0604020202020204" pitchFamily="34" charset="0"/>
+              </a:rPr>
+              <a:t>Delete</a:t>
+            </a:r>
+            <a:r>
+              <a:rPr lang="en-GB" sz="2200" dirty="0">
+                <a:solidFill>
+                  <a:srgbClr val="0070C0"/>
+                </a:solidFill>
+                <a:latin typeface="Arial" panose="020B0604020202020204" pitchFamily="34" charset="0"/>
+                <a:cs typeface="Arial" panose="020B0604020202020204" pitchFamily="34" charset="0"/>
+              </a:rPr>
+              <a:t>, </a:t>
+            </a:r>
+            <a:r>
+              <a:rPr lang="en-GB" sz="2200" dirty="0">
+                <a:solidFill>
+                  <a:srgbClr val="0070C0"/>
+                </a:solidFill>
+                <a:latin typeface="Arial" panose="020B0604020202020204" pitchFamily="34" charset="0"/>
+                <a:cs typeface="Arial" panose="020B0604020202020204" pitchFamily="34" charset="0"/>
+              </a:rPr>
+              <a:t>Pin</a:t>
+            </a:r>
+            <a:r>
+              <a:rPr lang="en-GB" sz="2200" dirty="0">
+                <a:solidFill>
+                  <a:srgbClr val="0070C0"/>
+                </a:solidFill>
+                <a:latin typeface="Arial" panose="020B0604020202020204" pitchFamily="34" charset="0"/>
+                <a:cs typeface="Arial" panose="020B0604020202020204" pitchFamily="34" charset="0"/>
+              </a:rPr>
+              <a:t>, </a:t>
+            </a:r>
+            <a:r>
+              <a:rPr lang="en-GB" sz="2200" dirty="0">
+                <a:solidFill>
+                  <a:srgbClr val="0070C0"/>
+                </a:solidFill>
+                <a:latin typeface="Arial" panose="020B0604020202020204" pitchFamily="34" charset="0"/>
+                <a:cs typeface="Arial" panose="020B0604020202020204" pitchFamily="34" charset="0"/>
+              </a:rPr>
+              <a:t>Unpin</a:t>
+            </a:r>
+            <a:r>
+              <a:rPr lang="en-GB" sz="2200" dirty="0">
+                <a:solidFill>
+                  <a:srgbClr val="0070C0"/>
+                </a:solidFill>
+                <a:latin typeface="Arial" panose="020B0604020202020204" pitchFamily="34" charset="0"/>
+                <a:cs typeface="Arial" panose="020B0604020202020204" pitchFamily="34" charset="0"/>
+              </a:rPr>
+              <a:t>, </a:t>
+            </a:r>
+            <a:r>
+              <a:rPr lang="en-GB" sz="2200" dirty="0">
+                <a:solidFill>
+                  <a:srgbClr val="0070C0"/>
+                </a:solidFill>
+                <a:latin typeface="Arial" panose="020B0604020202020204" pitchFamily="34" charset="0"/>
+                <a:cs typeface="Arial" panose="020B0604020202020204" pitchFamily="34" charset="0"/>
+              </a:rPr>
+              <a:t>Archive</a:t>
+            </a:r>
+            <a:r>
+              <a:rPr lang="en-GB" sz="2200" dirty="0">
+                <a:solidFill>
+                  <a:srgbClr val="0070C0"/>
+                </a:solidFill>
+                <a:latin typeface="Arial" panose="020B0604020202020204" pitchFamily="34" charset="0"/>
+                <a:cs typeface="Arial" panose="020B0604020202020204" pitchFamily="34" charset="0"/>
+              </a:rPr>
+              <a:t> and </a:t>
+            </a:r>
+            <a:r>
+              <a:rPr lang="en-GB" sz="2200" dirty="0">
+                <a:solidFill>
+                  <a:srgbClr val="0070C0"/>
+                </a:solidFill>
+                <a:latin typeface="Arial" panose="020B0604020202020204" pitchFamily="34" charset="0"/>
+                <a:cs typeface="Arial" panose="020B0604020202020204" pitchFamily="34" charset="0"/>
+              </a:rPr>
+              <a:t>Restore</a:t>
+            </a:r>
+            <a:r>
+              <a:rPr lang="en-GB" sz="2200" dirty="0">
+                <a:solidFill>
+                  <a:srgbClr val="0070C0"/>
+                </a:solidFill>
+                <a:latin typeface="Arial" panose="020B0604020202020204" pitchFamily="34" charset="0"/>
+                <a:cs typeface="Arial" panose="020B0604020202020204" pitchFamily="34" charset="0"/>
+              </a:rPr>
+              <a:t> notes </a:t>
+            </a:r>
+            <a:r>
+              <a:rPr lang="en-GB" sz="2200" dirty="0">
+                <a:solidFill>
+                  <a:srgbClr val="0070C0"/>
+                </a:solidFill>
+                <a:latin typeface="Arial" panose="020B0604020202020204" pitchFamily="34" charset="0"/>
+                <a:cs typeface="Arial" panose="020B0604020202020204" pitchFamily="34" charset="0"/>
+              </a:rPr>
+              <a:t>for every task you’d like to follow </a:t>
+            </a:r>
+            <a:endParaRPr lang="en-GB" sz="2200" dirty="0">
+              <a:solidFill>
+                <a:srgbClr val="0070C0"/>
+              </a:solidFill>
+              <a:latin typeface="Arial" panose="020B0604020202020204" pitchFamily="34" charset="0"/>
+              <a:cs typeface="Arial" panose="020B0604020202020204" pitchFamily="34" charset="0"/>
+            </a:endParaRPr>
+          </a:p>
+          <a:p>
+            <a:pPr>
+              <a:buClr>
+                <a:srgbClr val="FFC000"/>
+              </a:buClr>
+              <a:buFont typeface="Wingdings" panose="05000000000000000000" pitchFamily="2" charset="2"/>
+              <a:buChar char="§"/>
+            </a:pPr>
+            <a:r>
+              <a:rPr lang="en-GB" sz="2200" dirty="0">
+                <a:solidFill>
+                  <a:srgbClr val="0070C0"/>
+                </a:solidFill>
+                <a:latin typeface="Arial" panose="020B0604020202020204" pitchFamily="34" charset="0"/>
+                <a:cs typeface="Arial" panose="020B0604020202020204" pitchFamily="34" charset="0"/>
+              </a:rPr>
+              <a:t>Get </a:t>
+            </a:r>
+            <a:r>
+              <a:rPr lang="en-GB" sz="2200" dirty="0">
+                <a:solidFill>
+                  <a:srgbClr val="0070C0"/>
+                </a:solidFill>
+                <a:latin typeface="Arial" panose="020B0604020202020204" pitchFamily="34" charset="0"/>
+                <a:cs typeface="Arial" panose="020B0604020202020204" pitchFamily="34" charset="0"/>
+              </a:rPr>
+              <a:t>REMINDER</a:t>
+            </a:r>
+            <a:r>
+              <a:rPr lang="en-GB" sz="2200" dirty="0">
+                <a:solidFill>
+                  <a:srgbClr val="0070C0"/>
+                </a:solidFill>
+                <a:latin typeface="Arial" panose="020B0604020202020204" pitchFamily="34" charset="0"/>
+                <a:cs typeface="Arial" panose="020B0604020202020204" pitchFamily="34" charset="0"/>
+              </a:rPr>
+              <a:t> when a deadline is approaching </a:t>
+            </a:r>
           </a:p>
           <a:p>
             <a:pPr marL="0" indent="0">
@@ -5628,7 +6265,7 @@
                 </a:schemeClr>
               </a:buClr>
             </a:pPr>
-            <a:endParaRPr lang="en-GB" sz="2800" dirty="0">
+            <a:endParaRPr lang="en-GB" sz="2000" dirty="0">
               <a:solidFill>
                 <a:schemeClr val="accent1">
                   <a:lumMod val="50000"/>
@@ -5644,7 +6281,7 @@
                 </a:schemeClr>
               </a:buClr>
             </a:pPr>
-            <a:endParaRPr lang="en-GB" sz="2800" dirty="0" smtClean="0">
+            <a:endParaRPr lang="en-GB" sz="2000" dirty="0" smtClean="0">
               <a:solidFill>
                 <a:schemeClr val="accent1">
                   <a:lumMod val="50000"/>
@@ -5660,7 +6297,7 @@
                 </a:schemeClr>
               </a:buClr>
             </a:pPr>
-            <a:endParaRPr lang="en-GB" sz="2400" dirty="0">
+            <a:endParaRPr lang="en-GB" sz="2000" dirty="0">
               <a:solidFill>
                 <a:schemeClr val="accent1">
                   <a:lumMod val="50000"/>
@@ -5673,7 +6310,7 @@
               <a:buFont typeface="Wingdings" panose="05000000000000000000" pitchFamily="2" charset="2"/>
               <a:buChar char="Ø"/>
             </a:pPr>
-            <a:endParaRPr lang="en-GB" sz="2400" dirty="0">
+            <a:endParaRPr lang="en-GB" sz="2000" dirty="0">
               <a:solidFill>
                 <a:schemeClr val="accent3">
                   <a:lumMod val="75000"/>
@@ -5684,7 +6321,7 @@
           <a:p>
             <a:pPr marL="0" indent="0"/>
             <a:r>
-              <a:rPr lang="en-GB" sz="2400" dirty="0" smtClean="0">
+              <a:rPr lang="en-GB" sz="2000" dirty="0" smtClean="0">
                 <a:solidFill>
                   <a:schemeClr val="accent3">
                     <a:lumMod val="75000"/>
@@ -5693,7 +6330,7 @@
               </a:rPr>
               <a:t> </a:t>
             </a:r>
-            <a:endParaRPr lang="en-US" sz="2400" dirty="0">
+            <a:endParaRPr lang="en-US" sz="2000" dirty="0">
               <a:solidFill>
                 <a:schemeClr val="accent3">
                   <a:lumMod val="75000"/>
@@ -5712,7 +6349,7 @@
           <p:nvPr/>
         </p:nvPicPr>
         <p:blipFill>
-          <a:blip r:embed="rId2">
+          <a:blip r:embed="rId3">
             <a:extLst>
               <a:ext uri="{28A0092B-C50C-407E-A947-70E740481C1C}">
                 <a14:useLocalDpi xmlns:a14="http://schemas.microsoft.com/office/drawing/2010/main" val="0"/>
@@ -5790,7 +6427,7 @@
             <p:nvPr/>
           </p:nvPicPr>
           <p:blipFill rotWithShape="1">
-            <a:blip r:embed="rId3">
+            <a:blip r:embed="rId4">
               <a:extLst>
                 <a:ext uri="{28A0092B-C50C-407E-A947-70E740481C1C}">
                   <a14:useLocalDpi xmlns:a14="http://schemas.microsoft.com/office/drawing/2010/main" val="0"/>
@@ -5992,12 +6629,11 @@
           <a:bodyPr/>
           <a:lstStyle/>
           <a:p>
+            <a:pPr algn="r"/>
             <a:r>
               <a:rPr lang="en-GB" sz="2400" b="1" dirty="0">
                 <a:solidFill>
-                  <a:schemeClr val="accent1">
-                    <a:lumMod val="75000"/>
-                  </a:schemeClr>
+                  <a:srgbClr val="0070C0"/>
                 </a:solidFill>
                 <a:effectLst>
                   <a:outerShdw blurRad="38100" dist="38100" dir="2700000" algn="tl">
@@ -6012,9 +6648,7 @@
             <a:br>
               <a:rPr lang="en-GB" sz="2400" b="1" dirty="0">
                 <a:solidFill>
-                  <a:schemeClr val="accent1">
-                    <a:lumMod val="75000"/>
-                  </a:schemeClr>
+                  <a:srgbClr val="0070C0"/>
                 </a:solidFill>
                 <a:effectLst>
                   <a:outerShdw blurRad="38100" dist="38100" dir="2700000" algn="tl">
@@ -6028,9 +6662,7 @@
             <a:r>
               <a:rPr lang="en-GB" sz="2400" b="1" dirty="0">
                 <a:solidFill>
-                  <a:schemeClr val="accent1">
-                    <a:lumMod val="75000"/>
-                  </a:schemeClr>
+                  <a:srgbClr val="0070C0"/>
                 </a:solidFill>
                 <a:effectLst>
                   <a:outerShdw blurRad="38100" dist="38100" dir="2700000" algn="tl">
@@ -6042,30 +6674,23 @@
               </a:rPr>
               <a:t>YOUR DAILY TASKS </a:t>
             </a:r>
-            <a:r>
-              <a:rPr lang="en-GB" sz="2400" b="1" dirty="0">
-                <a:solidFill>
-                  <a:schemeClr val="accent1">
-                    <a:lumMod val="50000"/>
-                  </a:schemeClr>
-                </a:solidFill>
-              </a:rPr>
-              <a:t/>
-            </a:r>
             <a:br>
               <a:rPr lang="en-GB" sz="2400" b="1" dirty="0">
                 <a:solidFill>
-                  <a:schemeClr val="accent1">
-                    <a:lumMod val="50000"/>
-                  </a:schemeClr>
-                </a:solidFill>
+                  <a:srgbClr val="0070C0"/>
+                </a:solidFill>
+                <a:effectLst>
+                  <a:outerShdw blurRad="38100" dist="38100" dir="2700000" algn="tl">
+                    <a:srgbClr val="000000">
+                      <a:alpha val="43137"/>
+                    </a:srgbClr>
+                  </a:outerShdw>
+                </a:effectLst>
               </a:rPr>
             </a:br>
             <a:endParaRPr lang="en-US" sz="2400" b="1" dirty="0">
               <a:solidFill>
-                <a:schemeClr val="accent1">
-                  <a:lumMod val="50000"/>
-                </a:schemeClr>
+                <a:srgbClr val="0070C0"/>
               </a:solidFill>
               <a:effectLst>
                 <a:outerShdw blurRad="38100" dist="38100" dir="2700000" algn="tl">
@@ -6091,7 +6716,7 @@
         <p:spPr>
           <a:xfrm>
             <a:off x="827584" y="980728"/>
-            <a:ext cx="7520940" cy="3888432"/>
+            <a:ext cx="7704856" cy="3888432"/>
           </a:xfrm>
         </p:spPr>
         <p:txBody>
@@ -6108,236 +6733,32 @@
               </a:buClr>
             </a:pPr>
             <a:r>
-              <a:rPr lang="en-GB" sz="2600" dirty="0">
-                <a:solidFill>
-                  <a:schemeClr val="accent1">
-                    <a:lumMod val="50000"/>
-                  </a:schemeClr>
-                </a:solidFill>
+              <a:rPr lang="en-GB" sz="2400" dirty="0">
+                <a:solidFill>
+                  <a:srgbClr val="0070C0"/>
+                </a:solidFill>
+                <a:latin typeface="Arial" panose="020B0604020202020204" pitchFamily="34" charset="0"/>
+                <a:cs typeface="Arial" panose="020B0604020202020204" pitchFamily="34" charset="0"/>
               </a:rPr>
               <a:t>REMIND.ME  </a:t>
             </a:r>
             <a:r>
-              <a:rPr lang="en-GB" sz="2600" dirty="0" smtClean="0">
-                <a:solidFill>
-                  <a:schemeClr val="accent1">
-                    <a:lumMod val="50000"/>
-                  </a:schemeClr>
-                </a:solidFill>
-              </a:rPr>
-              <a:t>offers 4 types of notes :   </a:t>
-            </a:r>
-          </a:p>
-          <a:p>
-            <a:pPr>
-              <a:buClr>
-                <a:schemeClr val="tx2">
-                  <a:lumMod val="50000"/>
-                </a:schemeClr>
-              </a:buClr>
-              <a:buFont typeface="Wingdings" panose="05000000000000000000" pitchFamily="2" charset="2"/>
-              <a:buChar char="§"/>
-            </a:pPr>
-            <a:r>
-              <a:rPr lang="en-GB" sz="2400" dirty="0" smtClean="0">
-                <a:solidFill>
-                  <a:schemeClr val="accent1">
-                    <a:lumMod val="50000"/>
-                  </a:schemeClr>
-                </a:solidFill>
-              </a:rPr>
-              <a:t>TEXT </a:t>
-            </a:r>
-            <a:r>
               <a:rPr lang="en-GB" sz="2400" dirty="0">
                 <a:solidFill>
-                  <a:schemeClr val="accent1">
-                    <a:lumMod val="50000"/>
-                  </a:schemeClr>
-                </a:solidFill>
-              </a:rPr>
-              <a:t>-NOTES </a:t>
-            </a:r>
-            <a:r>
-              <a:rPr lang="en-GB" sz="2400" dirty="0" smtClean="0">
-                <a:solidFill>
-                  <a:schemeClr val="accent1">
-                    <a:lumMod val="50000"/>
-                  </a:schemeClr>
-                </a:solidFill>
-              </a:rPr>
-              <a:t> to </a:t>
-            </a:r>
-            <a:r>
-              <a:rPr lang="en-GB" sz="2400" dirty="0">
-                <a:solidFill>
-                  <a:schemeClr val="accent1">
-                    <a:lumMod val="50000"/>
-                  </a:schemeClr>
-                </a:solidFill>
-              </a:rPr>
-              <a:t>write what you would like to do </a:t>
-            </a:r>
-          </a:p>
-          <a:p>
-            <a:pPr>
-              <a:buClr>
-                <a:schemeClr val="tx2">
-                  <a:lumMod val="50000"/>
-                </a:schemeClr>
-              </a:buClr>
-              <a:buFont typeface="Wingdings" panose="05000000000000000000" pitchFamily="2" charset="2"/>
-              <a:buChar char="§"/>
-            </a:pPr>
-            <a:r>
-              <a:rPr lang="en-GB" sz="2400" dirty="0">
-                <a:solidFill>
-                  <a:schemeClr val="accent1">
-                    <a:lumMod val="50000"/>
-                  </a:schemeClr>
-                </a:solidFill>
-              </a:rPr>
-              <a:t>LIST –NOTES </a:t>
-            </a:r>
-            <a:r>
-              <a:rPr lang="en-GB" sz="2400" dirty="0" smtClean="0">
-                <a:solidFill>
-                  <a:schemeClr val="accent1">
-                    <a:lumMod val="50000"/>
-                  </a:schemeClr>
-                </a:solidFill>
-              </a:rPr>
-              <a:t> with </a:t>
-            </a:r>
-            <a:r>
-              <a:rPr lang="en-GB" sz="2400" dirty="0">
-                <a:solidFill>
-                  <a:schemeClr val="accent1">
-                    <a:lumMod val="50000"/>
-                  </a:schemeClr>
-                </a:solidFill>
-              </a:rPr>
-              <a:t>check boxes to  organize </a:t>
-            </a:r>
-            <a:r>
-              <a:rPr lang="en-GB" sz="2400" dirty="0" smtClean="0">
-                <a:solidFill>
-                  <a:schemeClr val="accent1">
-                    <a:lumMod val="50000"/>
-                  </a:schemeClr>
-                </a:solidFill>
-              </a:rPr>
-              <a:t>tasks like</a:t>
-            </a:r>
-            <a:r>
-              <a:rPr lang="en-GB" sz="2400" dirty="0" smtClean="0">
-                <a:solidFill>
-                  <a:schemeClr val="accent1">
-                    <a:lumMod val="50000"/>
-                  </a:schemeClr>
-                </a:solidFill>
-              </a:rPr>
-              <a:t> </a:t>
-            </a:r>
-            <a:r>
-              <a:rPr lang="en-GB" sz="2400" dirty="0">
-                <a:solidFill>
-                  <a:schemeClr val="accent1">
-                    <a:lumMod val="50000"/>
-                  </a:schemeClr>
-                </a:solidFill>
-              </a:rPr>
-              <a:t>grocery  shopping lists or </a:t>
-            </a:r>
-            <a:r>
-              <a:rPr lang="en-GB" sz="2400" dirty="0" smtClean="0">
-                <a:solidFill>
-                  <a:schemeClr val="accent1">
-                    <a:lumMod val="50000"/>
-                  </a:schemeClr>
-                </a:solidFill>
-              </a:rPr>
-              <a:t>any other </a:t>
-            </a:r>
-            <a:r>
-              <a:rPr lang="en-GB" sz="2400" dirty="0">
-                <a:solidFill>
-                  <a:schemeClr val="accent1">
-                    <a:lumMod val="50000"/>
-                  </a:schemeClr>
-                </a:solidFill>
-              </a:rPr>
-              <a:t>TO-DO </a:t>
-            </a:r>
-            <a:r>
-              <a:rPr lang="en-GB" sz="2400" dirty="0" smtClean="0">
-                <a:solidFill>
-                  <a:schemeClr val="accent1">
-                    <a:lumMod val="50000"/>
-                  </a:schemeClr>
-                </a:solidFill>
-              </a:rPr>
-              <a:t>list </a:t>
-            </a:r>
-            <a:endParaRPr lang="en-GB" sz="2400" dirty="0">
+                  <a:srgbClr val="0070C0"/>
+                </a:solidFill>
+                <a:latin typeface="Arial" panose="020B0604020202020204" pitchFamily="34" charset="0"/>
+                <a:cs typeface="Arial" panose="020B0604020202020204" pitchFamily="34" charset="0"/>
+              </a:rPr>
+              <a:t>offers 4 types of notes : </a:t>
+            </a:r>
+            <a:endParaRPr lang="en-GB" sz="2400" dirty="0" smtClean="0">
               <a:solidFill>
-                <a:schemeClr val="accent1">
-                  <a:lumMod val="50000"/>
-                </a:schemeClr>
+                <a:srgbClr val="0070C0"/>
               </a:solidFill>
+              <a:latin typeface="Arial" panose="020B0604020202020204" pitchFamily="34" charset="0"/>
+              <a:cs typeface="Arial" panose="020B0604020202020204" pitchFamily="34" charset="0"/>
             </a:endParaRPr>
-          </a:p>
-          <a:p>
-            <a:pPr>
-              <a:buClr>
-                <a:schemeClr val="tx2">
-                  <a:lumMod val="50000"/>
-                </a:schemeClr>
-              </a:buClr>
-              <a:buFont typeface="Wingdings" panose="05000000000000000000" pitchFamily="2" charset="2"/>
-              <a:buChar char="§"/>
-            </a:pPr>
-            <a:r>
-              <a:rPr lang="en-GB" sz="2400" dirty="0">
-                <a:solidFill>
-                  <a:schemeClr val="accent1">
-                    <a:lumMod val="50000"/>
-                  </a:schemeClr>
-                </a:solidFill>
-              </a:rPr>
-              <a:t> VOICE-NOTES  when it’s faster and easier to  make a voice record instead of typing </a:t>
-            </a:r>
-          </a:p>
-          <a:p>
-            <a:pPr>
-              <a:buClr>
-                <a:schemeClr val="tx2">
-                  <a:lumMod val="50000"/>
-                </a:schemeClr>
-              </a:buClr>
-              <a:buFont typeface="Wingdings" panose="05000000000000000000" pitchFamily="2" charset="2"/>
-              <a:buChar char="§"/>
-            </a:pPr>
-            <a:r>
-              <a:rPr lang="en-GB" sz="2400" dirty="0">
-                <a:solidFill>
-                  <a:schemeClr val="accent1">
-                    <a:lumMod val="50000"/>
-                  </a:schemeClr>
-                </a:solidFill>
-              </a:rPr>
-              <a:t>PHOTO-NOTES   </a:t>
-            </a:r>
-            <a:r>
-              <a:rPr lang="en-GB" sz="2400" dirty="0" smtClean="0">
-                <a:solidFill>
-                  <a:schemeClr val="accent1">
-                    <a:lumMod val="50000"/>
-                  </a:schemeClr>
-                </a:solidFill>
-              </a:rPr>
-              <a:t>when you need an image to</a:t>
-            </a:r>
           </a:p>
           <a:p>
             <a:pPr marL="0" indent="0">
@@ -6348,61 +6769,383 @@
               </a:buClr>
             </a:pPr>
             <a:r>
-              <a:rPr lang="en-GB" sz="2400" dirty="0">
-                <a:solidFill>
-                  <a:schemeClr val="accent1">
-                    <a:lumMod val="50000"/>
-                  </a:schemeClr>
-                </a:solidFill>
-              </a:rPr>
-              <a:t> </a:t>
-            </a:r>
-            <a:r>
               <a:rPr lang="en-GB" sz="2400" dirty="0" smtClean="0">
                 <a:solidFill>
-                  <a:schemeClr val="accent1">
-                    <a:lumMod val="50000"/>
-                  </a:schemeClr>
-                </a:solidFill>
-              </a:rPr>
-              <a:t>   remind you  </a:t>
+                  <a:srgbClr val="0070C0"/>
+                </a:solidFill>
+                <a:latin typeface="Arial" panose="020B0604020202020204" pitchFamily="34" charset="0"/>
+                <a:cs typeface="Arial" panose="020B0604020202020204" pitchFamily="34" charset="0"/>
+              </a:rPr>
+              <a:t>  </a:t>
             </a:r>
             <a:endParaRPr lang="en-GB" sz="2400" dirty="0">
               <a:solidFill>
-                <a:schemeClr val="accent1">
-                  <a:lumMod val="50000"/>
-                </a:schemeClr>
+                <a:srgbClr val="0070C0"/>
               </a:solidFill>
+              <a:latin typeface="Arial" panose="020B0604020202020204" pitchFamily="34" charset="0"/>
+              <a:cs typeface="Arial" panose="020B0604020202020204" pitchFamily="34" charset="0"/>
             </a:endParaRPr>
           </a:p>
           <a:p>
-            <a:pPr marL="0" indent="0">
+            <a:pPr>
+              <a:buClr>
+                <a:srgbClr val="7030A0"/>
+              </a:buClr>
+              <a:buFont typeface="Wingdings" panose="05000000000000000000" pitchFamily="2" charset="2"/>
+              <a:buChar char="§"/>
+            </a:pPr>
+            <a:r>
+              <a:rPr lang="en-GB" sz="2400" cap="all" dirty="0">
+                <a:solidFill>
+                  <a:srgbClr val="0070C0"/>
+                </a:solidFill>
+                <a:effectLst>
+                  <a:outerShdw blurRad="38100" dist="38100" dir="2700000" algn="tl">
+                    <a:srgbClr val="000000">
+                      <a:alpha val="43137"/>
+                    </a:srgbClr>
+                  </a:outerShdw>
+                </a:effectLst>
+                <a:latin typeface="+mj-lt"/>
+                <a:ea typeface="+mj-ea"/>
+                <a:cs typeface="+mj-cs"/>
+              </a:rPr>
+              <a:t>TEXT</a:t>
+            </a:r>
+            <a:r>
+              <a:rPr lang="en-GB" sz="2200" dirty="0">
+                <a:solidFill>
+                  <a:srgbClr val="0070C0"/>
+                </a:solidFill>
+                <a:latin typeface="Arial" panose="020B0604020202020204" pitchFamily="34" charset="0"/>
+                <a:cs typeface="Arial" panose="020B0604020202020204" pitchFamily="34" charset="0"/>
+              </a:rPr>
+              <a:t> </a:t>
+            </a:r>
+            <a:r>
+              <a:rPr lang="en-GB" sz="2200" dirty="0" smtClean="0">
+                <a:solidFill>
+                  <a:srgbClr val="0070C0"/>
+                </a:solidFill>
+                <a:latin typeface="Arial" panose="020B0604020202020204" pitchFamily="34" charset="0"/>
+                <a:cs typeface="Arial" panose="020B0604020202020204" pitchFamily="34" charset="0"/>
+              </a:rPr>
+              <a:t>notes  </a:t>
+            </a:r>
+            <a:r>
+              <a:rPr lang="en-GB" sz="2200" dirty="0">
+                <a:solidFill>
+                  <a:srgbClr val="0070C0"/>
+                </a:solidFill>
+                <a:latin typeface="Arial" panose="020B0604020202020204" pitchFamily="34" charset="0"/>
+                <a:cs typeface="Arial" panose="020B0604020202020204" pitchFamily="34" charset="0"/>
+              </a:rPr>
+              <a:t>to </a:t>
+            </a:r>
+            <a:r>
+              <a:rPr lang="en-GB" sz="2200" dirty="0">
+                <a:solidFill>
+                  <a:srgbClr val="0070C0"/>
+                </a:solidFill>
+                <a:latin typeface="Arial" panose="020B0604020202020204" pitchFamily="34" charset="0"/>
+                <a:cs typeface="Arial" panose="020B0604020202020204" pitchFamily="34" charset="0"/>
+              </a:rPr>
+              <a:t>write what you would like to do </a:t>
+            </a:r>
+          </a:p>
+          <a:p>
+            <a:pPr>
+              <a:buClr>
+                <a:srgbClr val="FFC000"/>
+              </a:buClr>
+              <a:buFont typeface="Wingdings" panose="05000000000000000000" pitchFamily="2" charset="2"/>
+              <a:buChar char="§"/>
+            </a:pPr>
+            <a:r>
+              <a:rPr lang="en-GB" sz="2400" cap="all" dirty="0">
+                <a:solidFill>
+                  <a:srgbClr val="0070C0"/>
+                </a:solidFill>
+                <a:effectLst>
+                  <a:outerShdw blurRad="38100" dist="38100" dir="2700000" algn="tl">
+                    <a:srgbClr val="000000">
+                      <a:alpha val="43137"/>
+                    </a:srgbClr>
+                  </a:outerShdw>
+                </a:effectLst>
+                <a:latin typeface="+mj-lt"/>
+                <a:ea typeface="+mj-ea"/>
+                <a:cs typeface="+mj-cs"/>
+              </a:rPr>
+              <a:t>LIST</a:t>
+            </a:r>
+            <a:r>
+              <a:rPr lang="en-GB" sz="2200" dirty="0">
+                <a:solidFill>
+                  <a:srgbClr val="0070C0"/>
+                </a:solidFill>
+                <a:latin typeface="Arial" panose="020B0604020202020204" pitchFamily="34" charset="0"/>
+                <a:cs typeface="Arial" panose="020B0604020202020204" pitchFamily="34" charset="0"/>
+              </a:rPr>
+              <a:t> </a:t>
+            </a:r>
+            <a:r>
+              <a:rPr lang="en-GB" sz="2200" dirty="0" smtClean="0">
+                <a:solidFill>
+                  <a:srgbClr val="0070C0"/>
+                </a:solidFill>
+                <a:latin typeface="Arial" panose="020B0604020202020204" pitchFamily="34" charset="0"/>
+                <a:cs typeface="Arial" panose="020B0604020202020204" pitchFamily="34" charset="0"/>
+              </a:rPr>
+              <a:t> notes  </a:t>
+            </a:r>
+            <a:r>
+              <a:rPr lang="en-GB" sz="2200" dirty="0">
+                <a:solidFill>
+                  <a:srgbClr val="0070C0"/>
+                </a:solidFill>
+                <a:latin typeface="Arial" panose="020B0604020202020204" pitchFamily="34" charset="0"/>
+                <a:cs typeface="Arial" panose="020B0604020202020204" pitchFamily="34" charset="0"/>
+              </a:rPr>
+              <a:t>with </a:t>
+            </a:r>
+            <a:r>
+              <a:rPr lang="en-GB" sz="2200" dirty="0">
+                <a:solidFill>
+                  <a:srgbClr val="0070C0"/>
+                </a:solidFill>
+                <a:latin typeface="Arial" panose="020B0604020202020204" pitchFamily="34" charset="0"/>
+                <a:cs typeface="Arial" panose="020B0604020202020204" pitchFamily="34" charset="0"/>
+              </a:rPr>
+              <a:t>check boxes to  organize </a:t>
+            </a:r>
+            <a:r>
+              <a:rPr lang="en-GB" sz="2200" dirty="0">
+                <a:solidFill>
+                  <a:srgbClr val="0070C0"/>
+                </a:solidFill>
+                <a:latin typeface="Arial" panose="020B0604020202020204" pitchFamily="34" charset="0"/>
+                <a:cs typeface="Arial" panose="020B0604020202020204" pitchFamily="34" charset="0"/>
+              </a:rPr>
+              <a:t>tasks like </a:t>
+            </a:r>
+            <a:r>
+              <a:rPr lang="en-GB" sz="2200" dirty="0">
+                <a:solidFill>
+                  <a:srgbClr val="0070C0"/>
+                </a:solidFill>
+                <a:latin typeface="Arial" panose="020B0604020202020204" pitchFamily="34" charset="0"/>
+                <a:cs typeface="Arial" panose="020B0604020202020204" pitchFamily="34" charset="0"/>
+              </a:rPr>
+              <a:t>grocery  shopping lists or </a:t>
+            </a:r>
+            <a:r>
+              <a:rPr lang="en-GB" sz="2200" dirty="0">
+                <a:solidFill>
+                  <a:srgbClr val="0070C0"/>
+                </a:solidFill>
+                <a:latin typeface="Arial" panose="020B0604020202020204" pitchFamily="34" charset="0"/>
+                <a:cs typeface="Arial" panose="020B0604020202020204" pitchFamily="34" charset="0"/>
+              </a:rPr>
+              <a:t>any other </a:t>
+            </a:r>
+            <a:r>
+              <a:rPr lang="en-GB" sz="2200" dirty="0">
+                <a:solidFill>
+                  <a:srgbClr val="0070C0"/>
+                </a:solidFill>
+                <a:latin typeface="Arial" panose="020B0604020202020204" pitchFamily="34" charset="0"/>
+                <a:cs typeface="Arial" panose="020B0604020202020204" pitchFamily="34" charset="0"/>
+              </a:rPr>
+              <a:t>TO-DO </a:t>
+            </a:r>
+            <a:r>
+              <a:rPr lang="en-GB" sz="2200" dirty="0">
+                <a:solidFill>
+                  <a:srgbClr val="0070C0"/>
+                </a:solidFill>
+                <a:latin typeface="Arial" panose="020B0604020202020204" pitchFamily="34" charset="0"/>
+                <a:cs typeface="Arial" panose="020B0604020202020204" pitchFamily="34" charset="0"/>
+              </a:rPr>
+              <a:t>list </a:t>
+            </a:r>
+            <a:endParaRPr lang="en-GB" sz="2200" dirty="0">
+              <a:solidFill>
+                <a:srgbClr val="0070C0"/>
+              </a:solidFill>
+              <a:latin typeface="Arial" panose="020B0604020202020204" pitchFamily="34" charset="0"/>
+              <a:cs typeface="Arial" panose="020B0604020202020204" pitchFamily="34" charset="0"/>
+            </a:endParaRPr>
+          </a:p>
+          <a:p>
+            <a:pPr>
+              <a:spcBef>
+                <a:spcPts val="600"/>
+              </a:spcBef>
+              <a:buClr>
+                <a:srgbClr val="00B050"/>
+              </a:buClr>
+              <a:buFont typeface="Wingdings" panose="05000000000000000000" pitchFamily="2" charset="2"/>
+              <a:buChar char="§"/>
+            </a:pPr>
+            <a:r>
+              <a:rPr lang="en-GB" sz="2200" dirty="0">
+                <a:solidFill>
+                  <a:srgbClr val="0070C0"/>
+                </a:solidFill>
+                <a:latin typeface="Arial" panose="020B0604020202020204" pitchFamily="34" charset="0"/>
+                <a:cs typeface="Arial" panose="020B0604020202020204" pitchFamily="34" charset="0"/>
+              </a:rPr>
+              <a:t> </a:t>
+            </a:r>
+            <a:r>
+              <a:rPr lang="en-GB" sz="2400" cap="all" dirty="0" smtClean="0">
+                <a:solidFill>
+                  <a:srgbClr val="0070C0"/>
+                </a:solidFill>
+                <a:effectLst>
+                  <a:outerShdw blurRad="38100" dist="38100" dir="2700000" algn="tl">
+                    <a:srgbClr val="000000">
+                      <a:alpha val="43137"/>
+                    </a:srgbClr>
+                  </a:outerShdw>
+                </a:effectLst>
+                <a:latin typeface="+mj-lt"/>
+                <a:ea typeface="+mj-ea"/>
+                <a:cs typeface="+mj-cs"/>
+              </a:rPr>
+              <a:t>VOICE </a:t>
+            </a:r>
+            <a:r>
+              <a:rPr lang="en-GB" sz="2400" dirty="0" smtClean="0">
+                <a:solidFill>
+                  <a:srgbClr val="0070C0"/>
+                </a:solidFill>
+                <a:latin typeface="+mj-lt"/>
+                <a:ea typeface="+mj-ea"/>
+                <a:cs typeface="+mj-cs"/>
+              </a:rPr>
+              <a:t>notes</a:t>
+            </a:r>
+            <a:r>
+              <a:rPr lang="en-GB" sz="2200" dirty="0" smtClean="0">
+                <a:solidFill>
+                  <a:srgbClr val="0070C0"/>
+                </a:solidFill>
+                <a:latin typeface="Arial" panose="020B0604020202020204" pitchFamily="34" charset="0"/>
+                <a:cs typeface="Arial" panose="020B0604020202020204" pitchFamily="34" charset="0"/>
+              </a:rPr>
+              <a:t>  </a:t>
+            </a:r>
+            <a:r>
+              <a:rPr lang="en-GB" sz="2200" dirty="0">
+                <a:solidFill>
+                  <a:srgbClr val="0070C0"/>
+                </a:solidFill>
+                <a:latin typeface="Arial" panose="020B0604020202020204" pitchFamily="34" charset="0"/>
+                <a:cs typeface="Arial" panose="020B0604020202020204" pitchFamily="34" charset="0"/>
+              </a:rPr>
+              <a:t>when it’s faster and easier to  make a voice record instead of typing </a:t>
+            </a:r>
+          </a:p>
+          <a:p>
+            <a:pPr>
+              <a:spcBef>
+                <a:spcPts val="600"/>
+              </a:spcBef>
               <a:buClr>
                 <a:schemeClr val="tx2">
-                  <a:lumMod val="50000"/>
+                  <a:lumMod val="60000"/>
+                  <a:lumOff val="40000"/>
+                </a:schemeClr>
+              </a:buClr>
+              <a:buFont typeface="Wingdings" panose="05000000000000000000" pitchFamily="2" charset="2"/>
+              <a:buChar char="§"/>
+            </a:pPr>
+            <a:r>
+              <a:rPr lang="en-GB" sz="2400" cap="all" dirty="0" smtClean="0">
+                <a:solidFill>
+                  <a:srgbClr val="0070C0"/>
+                </a:solidFill>
+                <a:effectLst>
+                  <a:outerShdw blurRad="38100" dist="38100" dir="2700000" algn="tl">
+                    <a:srgbClr val="000000">
+                      <a:alpha val="43137"/>
+                    </a:srgbClr>
+                  </a:outerShdw>
+                </a:effectLst>
+                <a:latin typeface="+mj-lt"/>
+                <a:ea typeface="+mj-ea"/>
+                <a:cs typeface="+mj-cs"/>
+              </a:rPr>
+              <a:t>PHOTO </a:t>
+            </a:r>
+            <a:r>
+              <a:rPr lang="en-GB" sz="2400" dirty="0" smtClean="0">
+                <a:solidFill>
+                  <a:srgbClr val="0070C0"/>
+                </a:solidFill>
+                <a:latin typeface="+mj-lt"/>
+                <a:ea typeface="+mj-ea"/>
+                <a:cs typeface="+mj-cs"/>
+              </a:rPr>
+              <a:t>notes  </a:t>
+            </a:r>
+            <a:r>
+              <a:rPr lang="en-GB" sz="2200" dirty="0" smtClean="0">
+                <a:solidFill>
+                  <a:srgbClr val="0070C0"/>
+                </a:solidFill>
+                <a:latin typeface="Arial" panose="020B0604020202020204" pitchFamily="34" charset="0"/>
+                <a:cs typeface="Arial" panose="020B0604020202020204" pitchFamily="34" charset="0"/>
+              </a:rPr>
+              <a:t> enabling a notes </a:t>
+            </a:r>
+          </a:p>
+          <a:p>
+            <a:pPr marL="0" indent="0">
+              <a:spcBef>
+                <a:spcPts val="0"/>
+              </a:spcBef>
+              <a:buClr>
+                <a:schemeClr val="tx2">
+                  <a:lumMod val="60000"/>
+                  <a:lumOff val="40000"/>
                 </a:schemeClr>
               </a:buClr>
             </a:pPr>
             <a:r>
-              <a:rPr lang="en-GB" sz="2400" dirty="0" smtClean="0">
-                <a:solidFill>
-                  <a:schemeClr val="accent3">
-                    <a:lumMod val="75000"/>
-                  </a:schemeClr>
-                </a:solidFill>
-              </a:rPr>
-              <a:t>// </a:t>
-            </a:r>
-            <a:r>
-              <a:rPr lang="en-GB" sz="2400" dirty="0">
-                <a:solidFill>
-                  <a:schemeClr val="accent3">
-                    <a:lumMod val="75000"/>
-                  </a:schemeClr>
-                </a:solidFill>
-              </a:rPr>
-              <a:t>Some UI screenshots if applicable</a:t>
-            </a:r>
+              <a:rPr lang="en-GB" sz="2200" dirty="0">
+                <a:solidFill>
+                  <a:srgbClr val="0070C0"/>
+                </a:solidFill>
+                <a:latin typeface="Arial" panose="020B0604020202020204" pitchFamily="34" charset="0"/>
+                <a:cs typeface="Arial" panose="020B0604020202020204" pitchFamily="34" charset="0"/>
+              </a:rPr>
+              <a:t> </a:t>
+            </a:r>
+            <a:r>
+              <a:rPr lang="en-GB" sz="2200" dirty="0" smtClean="0">
+                <a:solidFill>
+                  <a:srgbClr val="0070C0"/>
+                </a:solidFill>
+                <a:latin typeface="Arial" panose="020B0604020202020204" pitchFamily="34" charset="0"/>
+                <a:cs typeface="Arial" panose="020B0604020202020204" pitchFamily="34" charset="0"/>
+              </a:rPr>
+              <a:t>   with an image</a:t>
+            </a:r>
+          </a:p>
+          <a:p>
+            <a:pPr>
+              <a:buClr>
+                <a:schemeClr val="tx2">
+                  <a:lumMod val="60000"/>
+                  <a:lumOff val="40000"/>
+                </a:schemeClr>
+              </a:buClr>
+              <a:buFont typeface="Wingdings" panose="05000000000000000000" pitchFamily="2" charset="2"/>
+              <a:buChar char="§"/>
+            </a:pPr>
             <a:endParaRPr lang="en-GB" sz="2400" dirty="0">
               <a:solidFill>
                 <a:schemeClr val="accent3">
@@ -6665,7 +7408,7 @@
                   </a:effectLst>
                   <a:latin typeface="Segoe Script" panose="030B0504020000000003" pitchFamily="66" charset="0"/>
                 </a:rPr>
-                <a:t>Purpose</a:t>
+                <a:t>Details</a:t>
               </a:r>
               <a:endParaRPr lang="en-US" sz="3600" dirty="0" smtClean="0">
                 <a:effectLst>
@@ -6720,142 +7463,6 @@
       </p:grpSpPr>
       <p:sp>
         <p:nvSpPr>
-          <p:cNvPr id="2" name="Title 1"/>
-          <p:cNvSpPr>
-            <a:spLocks noGrp="1"/>
-          </p:cNvSpPr>
-          <p:nvPr>
-            <p:ph type="title"/>
-          </p:nvPr>
-        </p:nvSpPr>
-        <p:spPr>
-          <a:xfrm>
-            <a:off x="822960" y="581784"/>
-            <a:ext cx="7520940" cy="542960"/>
-          </a:xfrm>
-        </p:spPr>
-        <p:txBody>
-          <a:bodyPr/>
-          <a:lstStyle/>
-          <a:p>
-            <a:r>
-              <a:rPr lang="en-GB" sz="2400" b="1" dirty="0">
-                <a:solidFill>
-                  <a:schemeClr val="accent1">
-                    <a:lumMod val="75000"/>
-                  </a:schemeClr>
-                </a:solidFill>
-                <a:effectLst>
-                  <a:outerShdw blurRad="38100" dist="38100" dir="2700000" algn="tl">
-                    <a:srgbClr val="000000">
-                      <a:alpha val="43137"/>
-                    </a:srgbClr>
-                  </a:outerShdw>
-                </a:effectLst>
-              </a:rPr>
-              <a:t>REMIND.ME IS A TOOL TO DO </a:t>
-            </a:r>
-            <a:br>
-              <a:rPr lang="en-GB" sz="2400" b="1" dirty="0">
-                <a:solidFill>
-                  <a:schemeClr val="accent1">
-                    <a:lumMod val="75000"/>
-                  </a:schemeClr>
-                </a:solidFill>
-                <a:effectLst>
-                  <a:outerShdw blurRad="38100" dist="38100" dir="2700000" algn="tl">
-                    <a:srgbClr val="000000">
-                      <a:alpha val="43137"/>
-                    </a:srgbClr>
-                  </a:outerShdw>
-                </a:effectLst>
-              </a:rPr>
-            </a:br>
-            <a:r>
-              <a:rPr lang="en-GB" sz="2400" b="1" dirty="0">
-                <a:solidFill>
-                  <a:schemeClr val="accent1">
-                    <a:lumMod val="75000"/>
-                  </a:schemeClr>
-                </a:solidFill>
-                <a:effectLst>
-                  <a:outerShdw blurRad="38100" dist="38100" dir="2700000" algn="tl">
-                    <a:srgbClr val="000000">
-                      <a:alpha val="43137"/>
-                    </a:srgbClr>
-                  </a:outerShdw>
-                </a:effectLst>
-              </a:rPr>
-              <a:t>ALL YOU PLANNED TO DO ON TIME </a:t>
-            </a:r>
-            <a:br>
-              <a:rPr lang="en-GB" sz="2400" b="1" dirty="0">
-                <a:solidFill>
-                  <a:schemeClr val="accent1">
-                    <a:lumMod val="75000"/>
-                  </a:schemeClr>
-                </a:solidFill>
-                <a:effectLst>
-                  <a:outerShdw blurRad="38100" dist="38100" dir="2700000" algn="tl">
-                    <a:srgbClr val="000000">
-                      <a:alpha val="43137"/>
-                    </a:srgbClr>
-                  </a:outerShdw>
-                </a:effectLst>
-              </a:rPr>
-            </a:br>
-            <a:r>
-              <a:rPr lang="en-GB" sz="2400" b="1" dirty="0">
-                <a:solidFill>
-                  <a:schemeClr val="accent1">
-                    <a:lumMod val="75000"/>
-                  </a:schemeClr>
-                </a:solidFill>
-                <a:effectLst>
-                  <a:outerShdw blurRad="38100" dist="38100" dir="2700000" algn="tl">
-                    <a:srgbClr val="000000">
-                      <a:alpha val="43137"/>
-                    </a:srgbClr>
-                  </a:outerShdw>
-                </a:effectLst>
-              </a:rPr>
-              <a:t/>
-            </a:r>
-            <a:br>
-              <a:rPr lang="en-GB" sz="2400" b="1" dirty="0">
-                <a:solidFill>
-                  <a:schemeClr val="accent1">
-                    <a:lumMod val="75000"/>
-                  </a:schemeClr>
-                </a:solidFill>
-                <a:effectLst>
-                  <a:outerShdw blurRad="38100" dist="38100" dir="2700000" algn="tl">
-                    <a:srgbClr val="000000">
-                      <a:alpha val="43137"/>
-                    </a:srgbClr>
-                  </a:outerShdw>
-                </a:effectLst>
-              </a:rPr>
-            </a:br>
-            <a:endParaRPr lang="en-US" sz="2400" b="1" dirty="0">
-              <a:solidFill>
-                <a:schemeClr val="accent1">
-                  <a:lumMod val="75000"/>
-                </a:schemeClr>
-              </a:solidFill>
-              <a:effectLst>
-                <a:outerShdw blurRad="38100" dist="38100" dir="2700000" algn="tl">
-                  <a:srgbClr val="000000">
-                    <a:alpha val="43137"/>
-                  </a:srgbClr>
-                </a:outerShdw>
-              </a:effectLst>
-            </a:endParaRPr>
-          </a:p>
-        </p:txBody>
-      </p:sp>
-      <p:sp>
-        <p:nvSpPr>
           <p:cNvPr id="3" name="Content Placeholder 2"/>
           <p:cNvSpPr>
             <a:spLocks noGrp="1"/>
@@ -6866,7 +7473,7 @@
         </p:nvSpPr>
         <p:spPr>
           <a:xfrm>
-            <a:off x="827584" y="1196752"/>
+            <a:off x="107504" y="1365743"/>
             <a:ext cx="7520940" cy="3888432"/>
           </a:xfrm>
         </p:spPr>
@@ -6875,219 +7482,6 @@
             <a:noAutofit/>
           </a:bodyPr>
           <a:lstStyle/>
-          <a:p>
-            <a:pPr>
-              <a:buClr>
-                <a:schemeClr val="tx2">
-                  <a:lumMod val="50000"/>
-                </a:schemeClr>
-              </a:buClr>
-              <a:buFont typeface="Wingdings" panose="05000000000000000000" pitchFamily="2" charset="2"/>
-              <a:buChar char="§"/>
-            </a:pPr>
-            <a:r>
-              <a:rPr lang="en-GB" sz="2400" dirty="0" smtClean="0">
-                <a:solidFill>
-                  <a:schemeClr val="accent1">
-                    <a:lumMod val="50000"/>
-                  </a:schemeClr>
-                </a:solidFill>
-              </a:rPr>
-              <a:t>REMIND.ME will alert you when  the task deadline is near </a:t>
-            </a:r>
-          </a:p>
-          <a:p>
-            <a:pPr>
-              <a:buClr>
-                <a:schemeClr val="tx2">
-                  <a:lumMod val="50000"/>
-                </a:schemeClr>
-              </a:buClr>
-              <a:buFont typeface="Wingdings" panose="05000000000000000000" pitchFamily="2" charset="2"/>
-              <a:buChar char="§"/>
-            </a:pPr>
-            <a:r>
-              <a:rPr lang="en-GB" sz="2400" dirty="0" smtClean="0">
-                <a:solidFill>
-                  <a:schemeClr val="accent1">
-                    <a:lumMod val="50000"/>
-                  </a:schemeClr>
-                </a:solidFill>
-              </a:rPr>
-              <a:t>You can  set a priority </a:t>
-            </a:r>
-            <a:r>
-              <a:rPr lang="en-GB" sz="2400" dirty="0" smtClean="0">
-                <a:solidFill>
-                  <a:schemeClr val="accent1">
-                    <a:lumMod val="50000"/>
-                  </a:schemeClr>
-                </a:solidFill>
-              </a:rPr>
-              <a:t>to each Note </a:t>
-            </a:r>
-            <a:r>
-              <a:rPr lang="en-GB" sz="2400" dirty="0" smtClean="0">
-                <a:solidFill>
-                  <a:schemeClr val="accent1">
-                    <a:lumMod val="50000"/>
-                  </a:schemeClr>
-                </a:solidFill>
-              </a:rPr>
-              <a:t>: </a:t>
-            </a:r>
-            <a:endParaRPr lang="en-GB" sz="2400" dirty="0" smtClean="0">
-              <a:solidFill>
-                <a:schemeClr val="accent1">
-                  <a:lumMod val="50000"/>
-                </a:schemeClr>
-              </a:solidFill>
-            </a:endParaRPr>
-          </a:p>
-          <a:p>
-            <a:pPr marL="0" indent="0">
-              <a:buClr>
-                <a:schemeClr val="tx2">
-                  <a:lumMod val="50000"/>
-                </a:schemeClr>
-              </a:buClr>
-            </a:pPr>
-            <a:r>
-              <a:rPr lang="en-GB" sz="2400" dirty="0">
-                <a:solidFill>
-                  <a:schemeClr val="accent1">
-                    <a:lumMod val="50000"/>
-                  </a:schemeClr>
-                </a:solidFill>
-              </a:rPr>
-              <a:t> </a:t>
-            </a:r>
-            <a:r>
-              <a:rPr lang="en-GB" sz="2400" dirty="0" smtClean="0">
-                <a:solidFill>
-                  <a:schemeClr val="accent1">
-                    <a:lumMod val="50000"/>
-                  </a:schemeClr>
-                </a:solidFill>
-              </a:rPr>
-              <a:t>                         </a:t>
-            </a:r>
-            <a:r>
-              <a:rPr lang="en-GB" sz="2400" dirty="0" smtClean="0">
-                <a:solidFill>
-                  <a:schemeClr val="accent1">
-                    <a:lumMod val="50000"/>
-                  </a:schemeClr>
-                </a:solidFill>
-              </a:rPr>
-              <a:t>CRITICAL, NORMAL OR NONE </a:t>
-            </a:r>
-          </a:p>
-          <a:p>
-            <a:pPr marL="0" indent="0">
-              <a:buClr>
-                <a:schemeClr val="tx2">
-                  <a:lumMod val="50000"/>
-                </a:schemeClr>
-              </a:buClr>
-            </a:pPr>
-            <a:r>
-              <a:rPr lang="en-GB" sz="2400" dirty="0" smtClean="0">
-                <a:solidFill>
-                  <a:schemeClr val="accent1">
-                    <a:lumMod val="50000"/>
-                  </a:schemeClr>
-                </a:solidFill>
-              </a:rPr>
-              <a:t>…………………………………………..</a:t>
-            </a:r>
-            <a:endParaRPr lang="en-GB" sz="2400" dirty="0" smtClean="0">
-              <a:solidFill>
-                <a:schemeClr val="accent1">
-                  <a:lumMod val="50000"/>
-                </a:schemeClr>
-              </a:solidFill>
-            </a:endParaRPr>
-          </a:p>
-          <a:p>
-            <a:pPr>
-              <a:buClr>
-                <a:schemeClr val="tx2">
-                  <a:lumMod val="50000"/>
-                </a:schemeClr>
-              </a:buClr>
-              <a:buFont typeface="Wingdings" panose="05000000000000000000" pitchFamily="2" charset="2"/>
-              <a:buChar char="§"/>
-            </a:pPr>
-            <a:r>
-              <a:rPr lang="en-GB" sz="2400" dirty="0" smtClean="0">
-                <a:solidFill>
-                  <a:schemeClr val="accent1">
-                    <a:lumMod val="50000"/>
-                  </a:schemeClr>
-                </a:solidFill>
-              </a:rPr>
-              <a:t>You can change the </a:t>
-            </a:r>
-            <a:r>
-              <a:rPr lang="en-GB" sz="2400" dirty="0" smtClean="0">
-                <a:solidFill>
-                  <a:schemeClr val="accent1">
-                    <a:lumMod val="50000"/>
-                  </a:schemeClr>
-                </a:solidFill>
-              </a:rPr>
-              <a:t>status: </a:t>
-            </a:r>
-          </a:p>
-          <a:p>
-            <a:pPr marL="0" indent="0">
-              <a:buClr>
-                <a:schemeClr val="tx2">
-                  <a:lumMod val="50000"/>
-                </a:schemeClr>
-              </a:buClr>
-            </a:pPr>
-            <a:r>
-              <a:rPr lang="en-GB" sz="2400" dirty="0">
-                <a:solidFill>
-                  <a:schemeClr val="accent1">
-                    <a:lumMod val="50000"/>
-                  </a:schemeClr>
-                </a:solidFill>
-              </a:rPr>
-              <a:t> </a:t>
-            </a:r>
-            <a:r>
-              <a:rPr lang="en-GB" sz="2400" dirty="0" smtClean="0">
-                <a:solidFill>
-                  <a:schemeClr val="accent1">
-                    <a:lumMod val="50000"/>
-                  </a:schemeClr>
-                </a:solidFill>
-              </a:rPr>
-              <a:t>    from DUE to DONE</a:t>
-            </a:r>
-          </a:p>
-          <a:p>
-            <a:pPr marL="0" indent="0">
-              <a:buClr>
-                <a:schemeClr val="tx2">
-                  <a:lumMod val="50000"/>
-                </a:schemeClr>
-              </a:buClr>
-            </a:pPr>
-            <a:r>
-              <a:rPr lang="en-GB" sz="2400" dirty="0" smtClean="0">
-                <a:solidFill>
-                  <a:schemeClr val="accent1">
-                    <a:lumMod val="50000"/>
-                  </a:schemeClr>
-                </a:solidFill>
-              </a:rPr>
-              <a:t>…………………………………………..</a:t>
-            </a:r>
-          </a:p>
           <a:p>
             <a:pPr marL="0" indent="0">
               <a:buClr>
@@ -7206,13 +7600,13 @@
               </a:ext>
             </a:extLst>
           </a:blip>
-          <a:srcRect l="64737" t="42877" r="-1371" b="16804"/>
+          <a:srcRect l="-115" t="48004" r="66231" b="7348"/>
           <a:stretch/>
         </p:blipFill>
         <p:spPr bwMode="auto">
-          <a:xfrm rot="21348762">
-            <a:off x="6182410" y="3959022"/>
-            <a:ext cx="3344019" cy="2813169"/>
+          <a:xfrm>
+            <a:off x="5628112" y="3577638"/>
+            <a:ext cx="3498661" cy="3523770"/>
           </a:xfrm>
           <a:prstGeom prst="rect">
             <a:avLst/>
@@ -7231,14 +7625,14 @@
       </p:pic>
       <p:sp>
         <p:nvSpPr>
-          <p:cNvPr id="7" name="TextBox 6"/>
+          <p:cNvPr id="8" name="TextBox 7"/>
           <p:cNvSpPr txBox="1"/>
           <p:nvPr/>
         </p:nvSpPr>
         <p:spPr>
-          <a:xfrm>
-            <a:off x="5973102" y="4298320"/>
-            <a:ext cx="3049213" cy="1938992"/>
+          <a:xfrm rot="195751">
+            <a:off x="6450453" y="4715566"/>
+            <a:ext cx="2573947" cy="1077218"/>
           </a:xfrm>
           <a:prstGeom prst="rect">
             <a:avLst/>
@@ -7251,8 +7645,9 @@
           </a:bodyPr>
           <a:lstStyle/>
           <a:p>
-            <a:r>
-              <a:rPr lang="en-US" sz="2800" b="1" spc="-150" dirty="0">
+            <a:pPr algn="ctr"/>
+            <a:r>
+              <a:rPr lang="en-US" sz="3200" b="1" dirty="0" smtClean="0">
                 <a:effectLst>
                   <a:outerShdw blurRad="38100" dist="38100" dir="2700000" algn="tl">
                     <a:srgbClr val="000000">
@@ -7262,10 +7657,32 @@
                 </a:effectLst>
                 <a:latin typeface="Segoe Script" panose="030B0504020000000003" pitchFamily="66" charset="0"/>
               </a:rPr>
-              <a:t> </a:t>
-            </a:r>
-            <a:r>
-              <a:rPr lang="en-US" sz="2800" b="1" spc="-150" dirty="0" smtClean="0">
+              <a:t>Class diagram</a:t>
+            </a:r>
+          </a:p>
+        </p:txBody>
+      </p:sp>
+      <p:sp>
+        <p:nvSpPr>
+          <p:cNvPr id="2" name="Title 1"/>
+          <p:cNvSpPr>
+            <a:spLocks noGrp="1"/>
+          </p:cNvSpPr>
+          <p:nvPr>
+            <p:ph type="title"/>
+          </p:nvPr>
+        </p:nvSpPr>
+        <p:spPr/>
+        <p:txBody>
+          <a:bodyPr/>
+          <a:lstStyle/>
+          <a:p>
+            <a:pPr algn="r"/>
+            <a:r>
+              <a:rPr lang="en-GB" sz="2400" b="1" dirty="0" smtClean="0">
+                <a:solidFill>
+                  <a:srgbClr val="0070C0"/>
+                </a:solidFill>
                 <a:effectLst>
                   <a:outerShdw blurRad="38100" dist="38100" dir="2700000" algn="tl">
                     <a:srgbClr val="000000">
@@ -7273,14 +7690,14 @@
                     </a:srgbClr>
                   </a:outerShdw>
                 </a:effectLst>
-                <a:latin typeface="Segoe Script" panose="030B0504020000000003" pitchFamily="66" charset="0"/>
-              </a:rPr>
-              <a:t>  </a:t>
-            </a:r>
-          </a:p>
-          <a:p>
-            <a:r>
-              <a:rPr lang="en-US" sz="2800" b="1" spc="-150" dirty="0">
+              </a:rPr>
+              <a:t>REMIND.ME </a:t>
+            </a:r>
+            <a:br>
+              <a:rPr lang="en-GB" sz="2400" b="1" dirty="0" smtClean="0">
+                <a:solidFill>
+                  <a:srgbClr val="0070C0"/>
+                </a:solidFill>
                 <a:effectLst>
                   <a:outerShdw blurRad="38100" dist="38100" dir="2700000" algn="tl">
                     <a:srgbClr val="000000">
@@ -7288,12 +7705,13 @@
                     </a:srgbClr>
                   </a:outerShdw>
                 </a:effectLst>
-                <a:latin typeface="Segoe Script" panose="030B0504020000000003" pitchFamily="66" charset="0"/>
-              </a:rPr>
-              <a:t>	</a:t>
-            </a:r>
-            <a:r>
-              <a:rPr lang="en-US" sz="2800" b="1" spc="-150" dirty="0" smtClean="0">
+              </a:rPr>
+            </a:br>
+            <a:r>
+              <a:rPr lang="en-GB" sz="2400" b="1" dirty="0" smtClean="0">
+                <a:solidFill>
+                  <a:srgbClr val="0070C0"/>
+                </a:solidFill>
                 <a:effectLst>
                   <a:outerShdw blurRad="38100" dist="38100" dir="2700000" algn="tl">
                     <a:srgbClr val="000000">
@@ -7301,14 +7719,14 @@
                     </a:srgbClr>
                   </a:outerShdw>
                 </a:effectLst>
-                <a:latin typeface="Segoe Script" panose="030B0504020000000003" pitchFamily="66" charset="0"/>
-              </a:rPr>
-              <a:t>Project </a:t>
-            </a:r>
-          </a:p>
-          <a:p>
-            <a:r>
-              <a:rPr lang="en-US" sz="2800" b="1" spc="-150" dirty="0">
+              </a:rPr>
+              <a:t>BEST OOD PRACTICES  </a:t>
+            </a:r>
+            <a:r>
+              <a:rPr lang="en-GB" sz="2400" b="1" dirty="0">
+                <a:solidFill>
+                  <a:srgbClr val="0070C0"/>
+                </a:solidFill>
                 <a:effectLst>
                   <a:outerShdw blurRad="38100" dist="38100" dir="2700000" algn="tl">
                     <a:srgbClr val="000000">
@@ -7316,12 +7734,14 @@
                     </a:srgbClr>
                   </a:outerShdw>
                 </a:effectLst>
-                <a:latin typeface="Segoe Script" panose="030B0504020000000003" pitchFamily="66" charset="0"/>
-              </a:rPr>
-              <a:t> </a:t>
-            </a:r>
-            <a:r>
-              <a:rPr lang="en-US" sz="2800" b="1" spc="-150" dirty="0" smtClean="0">
+              </a:rPr>
+              <a:t/>
+            </a:r>
+            <a:br>
+              <a:rPr lang="en-GB" sz="2400" b="1" dirty="0">
+                <a:solidFill>
+                  <a:srgbClr val="0070C0"/>
+                </a:solidFill>
                 <a:effectLst>
                   <a:outerShdw blurRad="38100" dist="38100" dir="2700000" algn="tl">
                     <a:srgbClr val="000000">
@@ -7329,13 +7749,27 @@
                     </a:srgbClr>
                   </a:outerShdw>
                 </a:effectLst>
-                <a:latin typeface="Segoe Script" panose="030B0504020000000003" pitchFamily="66" charset="0"/>
-              </a:rPr>
-              <a:t>     Features </a:t>
-            </a:r>
-          </a:p>
-          <a:p>
-            <a:endParaRPr lang="en-US" sz="3600" dirty="0" smtClean="0">
+              </a:rPr>
+            </a:br>
+            <a:r>
+              <a:rPr lang="en-GB" sz="2400" b="1" dirty="0" smtClean="0">
+                <a:solidFill>
+                  <a:srgbClr val="0070C0"/>
+                </a:solidFill>
+                <a:effectLst>
+                  <a:outerShdw blurRad="38100" dist="38100" dir="2700000" algn="tl">
+                    <a:srgbClr val="000000">
+                      <a:alpha val="43137"/>
+                    </a:srgbClr>
+                  </a:outerShdw>
+                </a:effectLst>
+              </a:rPr>
+              <a:t> </a:t>
+            </a:r>
+            <a:endParaRPr lang="en-US" sz="2400" b="1" dirty="0">
+              <a:solidFill>
+                <a:srgbClr val="0070C0"/>
+              </a:solidFill>
               <a:effectLst>
                 <a:outerShdw blurRad="38100" dist="38100" dir="2700000" algn="tl">
                   <a:srgbClr val="000000">
@@ -7343,7 +7777,499 @@
                   </a:srgbClr>
                 </a:outerShdw>
               </a:effectLst>
-              <a:latin typeface="Segoe Script" panose="030B0504020000000003" pitchFamily="66" charset="0"/>
+            </a:endParaRPr>
+          </a:p>
+        </p:txBody>
+      </p:sp>
+      <p:sp>
+        <p:nvSpPr>
+          <p:cNvPr id="14" name="Content Placeholder 2"/>
+          <p:cNvSpPr txBox="1">
+            <a:spLocks/>
+          </p:cNvSpPr>
+          <p:nvPr/>
+        </p:nvSpPr>
+        <p:spPr>
+          <a:xfrm>
+            <a:off x="144091" y="332656"/>
+            <a:ext cx="7524253" cy="4392488"/>
+          </a:xfrm>
+          <a:prstGeom prst="rect">
+            <a:avLst/>
+          </a:prstGeom>
+        </p:spPr>
+        <p:txBody>
+          <a:bodyPr vert="horz" lIns="91440" tIns="45720" rIns="91440" bIns="45720" rtlCol="0">
+            <a:noAutofit/>
+          </a:bodyPr>
+          <a:lstStyle>
+            <a:lvl1pPr marL="342900" indent="-342900" algn="l" defTabSz="914400" rtl="0" eaLnBrk="1" latinLnBrk="0" hangingPunct="1">
+              <a:spcBef>
+                <a:spcPts val="800"/>
+              </a:spcBef>
+              <a:buFont typeface="Arial" pitchFamily="34" charset="0"/>
+              <a:buNone/>
+              <a:defRPr sz="1600" b="1" kern="1200">
+                <a:solidFill>
+                  <a:schemeClr val="tx1"/>
+                </a:solidFill>
+                <a:latin typeface="+mn-lt"/>
+                <a:ea typeface="+mn-ea"/>
+                <a:cs typeface="+mn-cs"/>
+              </a:defRPr>
+            </a:lvl1pPr>
+            <a:lvl2pPr marL="173736" indent="-173736" algn="l" defTabSz="914400" rtl="0" eaLnBrk="1" latinLnBrk="0" hangingPunct="1">
+              <a:spcBef>
+                <a:spcPts val="300"/>
+              </a:spcBef>
+              <a:buClr>
+                <a:schemeClr val="accent2"/>
+              </a:buClr>
+              <a:buFont typeface="Wingdings" pitchFamily="2" charset="2"/>
+              <a:buChar char="§"/>
+              <a:defRPr sz="1600" kern="1200">
+                <a:solidFill>
+                  <a:schemeClr val="tx1"/>
+                </a:solidFill>
+                <a:latin typeface="+mn-lt"/>
+                <a:ea typeface="+mn-ea"/>
+                <a:cs typeface="+mn-cs"/>
+              </a:defRPr>
+            </a:lvl2pPr>
+            <a:lvl3pPr marL="402336" indent="-164592" algn="l" defTabSz="914400" rtl="0" eaLnBrk="1" latinLnBrk="0" hangingPunct="1">
+              <a:spcBef>
+                <a:spcPts val="300"/>
+              </a:spcBef>
+              <a:buClr>
+                <a:schemeClr val="accent2"/>
+              </a:buClr>
+              <a:buFont typeface="Wingdings" pitchFamily="2" charset="2"/>
+              <a:buChar char="§"/>
+              <a:defRPr sz="1600" kern="1200">
+                <a:solidFill>
+                  <a:schemeClr val="tx1"/>
+                </a:solidFill>
+                <a:latin typeface="+mn-lt"/>
+                <a:ea typeface="+mn-ea"/>
+                <a:cs typeface="+mn-cs"/>
+              </a:defRPr>
+            </a:lvl3pPr>
+            <a:lvl4pPr marL="630936" indent="-164592" algn="l" defTabSz="914400" rtl="0" eaLnBrk="1" latinLnBrk="0" hangingPunct="1">
+              <a:spcBef>
+                <a:spcPts val="300"/>
+              </a:spcBef>
+              <a:buClr>
+                <a:schemeClr val="accent2"/>
+              </a:buClr>
+              <a:buFont typeface="Wingdings" pitchFamily="2" charset="2"/>
+              <a:buChar char="§"/>
+              <a:defRPr sz="1600" kern="1200">
+                <a:solidFill>
+                  <a:schemeClr val="tx1"/>
+                </a:solidFill>
+                <a:latin typeface="+mn-lt"/>
+                <a:ea typeface="+mn-ea"/>
+                <a:cs typeface="+mn-cs"/>
+              </a:defRPr>
+            </a:lvl4pPr>
+            <a:lvl5pPr marL="859536" indent="-173736" algn="l" defTabSz="914400" rtl="0" eaLnBrk="1" latinLnBrk="0" hangingPunct="1">
+              <a:spcBef>
+                <a:spcPts val="300"/>
+              </a:spcBef>
+              <a:buClr>
+                <a:schemeClr val="accent2"/>
+              </a:buClr>
+              <a:buFont typeface="Wingdings" pitchFamily="2" charset="2"/>
+              <a:buChar char="§"/>
+              <a:defRPr sz="1600" kern="1200">
+                <a:solidFill>
+                  <a:schemeClr val="tx1"/>
+                </a:solidFill>
+                <a:latin typeface="+mn-lt"/>
+                <a:ea typeface="+mn-ea"/>
+                <a:cs typeface="+mn-cs"/>
+              </a:defRPr>
+            </a:lvl5pPr>
+            <a:lvl6pPr marL="1097280" indent="-173736" algn="l" defTabSz="914400" rtl="0" eaLnBrk="1" latinLnBrk="0" hangingPunct="1">
+              <a:spcBef>
+                <a:spcPts val="300"/>
+              </a:spcBef>
+              <a:buClr>
+                <a:schemeClr val="accent2"/>
+              </a:buClr>
+              <a:buFont typeface="Wingdings" pitchFamily="2" charset="2"/>
+              <a:buChar char="§"/>
+              <a:defRPr sz="1400" kern="1200">
+                <a:solidFill>
+                  <a:schemeClr val="tx1"/>
+                </a:solidFill>
+                <a:latin typeface="+mn-lt"/>
+                <a:ea typeface="+mn-ea"/>
+                <a:cs typeface="+mn-cs"/>
+              </a:defRPr>
+            </a:lvl6pPr>
+            <a:lvl7pPr marL="1353312" indent="-164592" algn="l" defTabSz="914400" rtl="0" eaLnBrk="1" latinLnBrk="0" hangingPunct="1">
+              <a:spcBef>
+                <a:spcPts val="300"/>
+              </a:spcBef>
+              <a:buClr>
+                <a:schemeClr val="accent2"/>
+              </a:buClr>
+              <a:buFont typeface="Wingdings" pitchFamily="2" charset="2"/>
+              <a:buChar char="§"/>
+              <a:defRPr sz="1400" kern="1200">
+                <a:solidFill>
+                  <a:schemeClr val="tx1"/>
+                </a:solidFill>
+                <a:latin typeface="+mn-lt"/>
+                <a:ea typeface="+mn-ea"/>
+                <a:cs typeface="+mn-cs"/>
+              </a:defRPr>
+            </a:lvl7pPr>
+            <a:lvl8pPr marL="1581912" indent="-164592" algn="l" defTabSz="914400" rtl="0" eaLnBrk="1" latinLnBrk="0" hangingPunct="1">
+              <a:spcBef>
+                <a:spcPts val="300"/>
+              </a:spcBef>
+              <a:buClr>
+                <a:schemeClr val="accent2"/>
+              </a:buClr>
+              <a:buFont typeface="Wingdings" pitchFamily="2" charset="2"/>
+              <a:buChar char="§"/>
+              <a:defRPr sz="1400" kern="1200">
+                <a:solidFill>
+                  <a:schemeClr val="tx1"/>
+                </a:solidFill>
+                <a:latin typeface="+mn-lt"/>
+                <a:ea typeface="+mn-ea"/>
+                <a:cs typeface="+mn-cs"/>
+              </a:defRPr>
+            </a:lvl8pPr>
+            <a:lvl9pPr marL="1792224" indent="-164592" algn="l" defTabSz="914400" rtl="0" eaLnBrk="1" latinLnBrk="0" hangingPunct="1">
+              <a:spcBef>
+                <a:spcPts val="300"/>
+              </a:spcBef>
+              <a:buClr>
+                <a:schemeClr val="accent2"/>
+              </a:buClr>
+              <a:buFont typeface="Wingdings" pitchFamily="2" charset="2"/>
+              <a:buChar char="§"/>
+              <a:defRPr sz="1400" kern="1200">
+                <a:solidFill>
+                  <a:schemeClr val="tx1"/>
+                </a:solidFill>
+                <a:latin typeface="+mn-lt"/>
+                <a:ea typeface="+mn-ea"/>
+                <a:cs typeface="+mn-cs"/>
+              </a:defRPr>
+            </a:lvl9pPr>
+          </a:lstStyle>
+          <a:p>
+            <a:pPr marL="0" indent="0">
+              <a:buClr>
+                <a:schemeClr val="tx2">
+                  <a:lumMod val="50000"/>
+                </a:schemeClr>
+              </a:buClr>
+            </a:pPr>
+            <a:endParaRPr lang="en-GB" sz="2000" dirty="0" smtClean="0">
+              <a:solidFill>
+                <a:srgbClr val="0070C0"/>
+              </a:solidFill>
+              <a:latin typeface="Arial" panose="020B0604020202020204" pitchFamily="34" charset="0"/>
+              <a:cs typeface="Arial" panose="020B0604020202020204" pitchFamily="34" charset="0"/>
+            </a:endParaRPr>
+          </a:p>
+          <a:p>
+            <a:pPr>
+              <a:buClr>
+                <a:srgbClr val="FFC000"/>
+              </a:buClr>
+              <a:buFont typeface="Wingdings" panose="05000000000000000000" pitchFamily="2" charset="2"/>
+              <a:buChar char="§"/>
+            </a:pPr>
+            <a:endParaRPr lang="en-GB" sz="2200" dirty="0" smtClean="0">
+              <a:solidFill>
+                <a:srgbClr val="0070C0"/>
+              </a:solidFill>
+              <a:latin typeface="Arial" panose="020B0604020202020204" pitchFamily="34" charset="0"/>
+              <a:cs typeface="Arial" panose="020B0604020202020204" pitchFamily="34" charset="0"/>
+            </a:endParaRPr>
+          </a:p>
+          <a:p>
+            <a:pPr>
+              <a:buClr>
+                <a:srgbClr val="7030A0"/>
+              </a:buClr>
+              <a:buFont typeface="Wingdings" panose="05000000000000000000" pitchFamily="2" charset="2"/>
+              <a:buChar char="§"/>
+            </a:pPr>
+            <a:r>
+              <a:rPr lang="en-GB" sz="2000" dirty="0">
+                <a:solidFill>
+                  <a:srgbClr val="0070C0"/>
+                </a:solidFill>
+                <a:latin typeface="Arial" panose="020B0604020202020204" pitchFamily="34" charset="0"/>
+                <a:cs typeface="Arial" panose="020B0604020202020204" pitchFamily="34" charset="0"/>
+              </a:rPr>
+              <a:t>REMIND.ME</a:t>
+            </a:r>
+            <a:r>
+              <a:rPr lang="en-GB" sz="2400" dirty="0" smtClean="0">
+                <a:solidFill>
+                  <a:srgbClr val="0070C0"/>
+                </a:solidFill>
+                <a:latin typeface="+mj-lt"/>
+                <a:ea typeface="+mj-ea"/>
+                <a:cs typeface="+mj-cs"/>
+              </a:rPr>
+              <a:t> </a:t>
+            </a:r>
+            <a:r>
+              <a:rPr lang="en-GB" sz="2000" dirty="0">
+                <a:solidFill>
+                  <a:srgbClr val="0070C0"/>
+                </a:solidFill>
+                <a:latin typeface="Arial" panose="020B0604020202020204" pitchFamily="34" charset="0"/>
+                <a:cs typeface="Arial" panose="020B0604020202020204" pitchFamily="34" charset="0"/>
+              </a:rPr>
+              <a:t>is designed according to the best OOD practices </a:t>
+            </a:r>
+            <a:r>
+              <a:rPr lang="en-GB" sz="2000" dirty="0">
+                <a:solidFill>
+                  <a:srgbClr val="0070C0"/>
+                </a:solidFill>
+                <a:latin typeface="Arial" panose="020B0604020202020204" pitchFamily="34" charset="0"/>
+                <a:cs typeface="Arial" panose="020B0604020202020204" pitchFamily="34" charset="0"/>
+              </a:rPr>
+              <a:t>using inheritance</a:t>
+            </a:r>
+            <a:r>
+              <a:rPr lang="en-GB" sz="2000" dirty="0">
+                <a:solidFill>
+                  <a:srgbClr val="0070C0"/>
+                </a:solidFill>
+                <a:latin typeface="Arial" panose="020B0604020202020204" pitchFamily="34" charset="0"/>
+                <a:cs typeface="Arial" panose="020B0604020202020204" pitchFamily="34" charset="0"/>
+              </a:rPr>
+              <a:t>, abstraction and polymorphism, as well as  </a:t>
+            </a:r>
+            <a:r>
+              <a:rPr lang="en-GB" sz="2000" dirty="0">
+                <a:solidFill>
+                  <a:srgbClr val="0070C0"/>
+                </a:solidFill>
+                <a:latin typeface="Arial" panose="020B0604020202020204" pitchFamily="34" charset="0"/>
+                <a:cs typeface="Arial" panose="020B0604020202020204" pitchFamily="34" charset="0"/>
+              </a:rPr>
+              <a:t>with proper data </a:t>
+            </a:r>
+            <a:r>
+              <a:rPr lang="en-GB" sz="2000" dirty="0">
+                <a:solidFill>
+                  <a:srgbClr val="0070C0"/>
+                </a:solidFill>
+                <a:latin typeface="Arial" panose="020B0604020202020204" pitchFamily="34" charset="0"/>
+                <a:cs typeface="Arial" panose="020B0604020202020204" pitchFamily="34" charset="0"/>
+              </a:rPr>
+              <a:t>encapsulation and exception </a:t>
+            </a:r>
+            <a:r>
+              <a:rPr lang="en-GB" sz="2000" dirty="0">
+                <a:solidFill>
+                  <a:srgbClr val="0070C0"/>
+                </a:solidFill>
+                <a:latin typeface="Arial" panose="020B0604020202020204" pitchFamily="34" charset="0"/>
+                <a:cs typeface="Arial" panose="020B0604020202020204" pitchFamily="34" charset="0"/>
+              </a:rPr>
+              <a:t>handling.  </a:t>
+            </a:r>
+            <a:endParaRPr lang="en-GB" sz="2000" dirty="0">
+              <a:solidFill>
+                <a:srgbClr val="0070C0"/>
+              </a:solidFill>
+              <a:latin typeface="Arial" panose="020B0604020202020204" pitchFamily="34" charset="0"/>
+              <a:cs typeface="Arial" panose="020B0604020202020204" pitchFamily="34" charset="0"/>
+            </a:endParaRPr>
+          </a:p>
+          <a:p>
+            <a:pPr>
+              <a:buClr>
+                <a:srgbClr val="FFC000"/>
+              </a:buClr>
+              <a:buFont typeface="Wingdings" panose="05000000000000000000" pitchFamily="2" charset="2"/>
+              <a:buChar char="§"/>
+            </a:pPr>
+            <a:r>
+              <a:rPr lang="en-GB" sz="2000" dirty="0" smtClean="0">
+                <a:solidFill>
+                  <a:srgbClr val="0070C0"/>
+                </a:solidFill>
+                <a:latin typeface="Arial" panose="020B0604020202020204" pitchFamily="34" charset="0"/>
+                <a:cs typeface="Arial" panose="020B0604020202020204" pitchFamily="34" charset="0"/>
+              </a:rPr>
+              <a:t>Project  implementation includes most effective usage of abstract class, classes, interfaces, enumerations, correct Data Structures</a:t>
+            </a:r>
+            <a:r>
+              <a:rPr lang="en-GB" sz="2000" dirty="0">
+                <a:solidFill>
+                  <a:srgbClr val="0070C0"/>
+                </a:solidFill>
+                <a:latin typeface="Arial" panose="020B0604020202020204" pitchFamily="34" charset="0"/>
+                <a:cs typeface="Arial" panose="020B0604020202020204" pitchFamily="34" charset="0"/>
+              </a:rPr>
+              <a:t>, </a:t>
+            </a:r>
+            <a:r>
+              <a:rPr lang="en-GB" sz="2000" dirty="0" err="1" smtClean="0">
+                <a:solidFill>
+                  <a:srgbClr val="0070C0"/>
+                </a:solidFill>
+                <a:latin typeface="Arial" panose="020B0604020202020204" pitchFamily="34" charset="0"/>
+                <a:cs typeface="Arial" panose="020B0604020202020204" pitchFamily="34" charset="0"/>
+              </a:rPr>
+              <a:t>StreamingAPI</a:t>
+            </a:r>
+            <a:r>
+              <a:rPr lang="en-GB" sz="2000" dirty="0" smtClean="0">
+                <a:solidFill>
+                  <a:srgbClr val="0070C0"/>
+                </a:solidFill>
+                <a:latin typeface="Arial" panose="020B0604020202020204" pitchFamily="34" charset="0"/>
+                <a:cs typeface="Arial" panose="020B0604020202020204" pitchFamily="34" charset="0"/>
+              </a:rPr>
+              <a:t> , also implementing </a:t>
+            </a:r>
+            <a:r>
+              <a:rPr lang="en-GB" sz="2000" dirty="0" err="1" smtClean="0">
+                <a:solidFill>
+                  <a:srgbClr val="0070C0"/>
+                </a:solidFill>
+                <a:latin typeface="Arial" panose="020B0604020202020204" pitchFamily="34" charset="0"/>
+                <a:cs typeface="Arial" panose="020B0604020202020204" pitchFamily="34" charset="0"/>
+              </a:rPr>
+              <a:t>ToString</a:t>
+            </a:r>
+            <a:r>
+              <a:rPr lang="en-GB" sz="2000" dirty="0" smtClean="0">
+                <a:solidFill>
+                  <a:srgbClr val="0070C0"/>
+                </a:solidFill>
+                <a:latin typeface="Arial" panose="020B0604020202020204" pitchFamily="34" charset="0"/>
+                <a:cs typeface="Arial" panose="020B0604020202020204" pitchFamily="34" charset="0"/>
+              </a:rPr>
+              <a:t>() and Enumerable&lt;T&gt;</a:t>
+            </a:r>
+          </a:p>
+          <a:p>
+            <a:pPr>
+              <a:buClr>
+                <a:srgbClr val="FFC000"/>
+              </a:buClr>
+              <a:buFont typeface="Wingdings" panose="05000000000000000000" pitchFamily="2" charset="2"/>
+              <a:buChar char="§"/>
+            </a:pPr>
+            <a:r>
+              <a:rPr lang="en-GB" sz="2000" dirty="0" smtClean="0">
+                <a:solidFill>
+                  <a:srgbClr val="0070C0"/>
+                </a:solidFill>
+                <a:latin typeface="Arial" panose="020B0604020202020204" pitchFamily="34" charset="0"/>
+                <a:cs typeface="Arial" panose="020B0604020202020204" pitchFamily="34" charset="0"/>
+              </a:rPr>
+              <a:t>Program persistence is guaranteed via </a:t>
+            </a:r>
+            <a:r>
+              <a:rPr lang="en-US" sz="2000" dirty="0">
+                <a:solidFill>
+                  <a:srgbClr val="0070C0"/>
+                </a:solidFill>
+                <a:latin typeface="Arial" panose="020B0604020202020204" pitchFamily="34" charset="0"/>
+                <a:cs typeface="Arial" panose="020B0604020202020204" pitchFamily="34" charset="0"/>
+              </a:rPr>
+              <a:t>Serialization</a:t>
+            </a:r>
+            <a:r>
+              <a:rPr lang="en-GB" sz="2000" dirty="0" smtClean="0">
+                <a:solidFill>
+                  <a:srgbClr val="0070C0"/>
+                </a:solidFill>
+                <a:latin typeface="Arial" panose="020B0604020202020204" pitchFamily="34" charset="0"/>
+                <a:cs typeface="Arial" panose="020B0604020202020204" pitchFamily="34" charset="0"/>
+              </a:rPr>
+              <a:t>  </a:t>
+            </a:r>
+            <a:endParaRPr lang="en-GB" sz="2000" dirty="0" smtClean="0">
+              <a:solidFill>
+                <a:schemeClr val="accent1">
+                  <a:lumMod val="50000"/>
+                </a:schemeClr>
+              </a:solidFill>
+            </a:endParaRPr>
+          </a:p>
+          <a:p>
+            <a:pPr marL="0" indent="0">
+              <a:buClr>
+                <a:schemeClr val="tx2">
+                  <a:lumMod val="50000"/>
+                </a:schemeClr>
+              </a:buClr>
+            </a:pPr>
+            <a:endParaRPr lang="en-GB" sz="2000" dirty="0" smtClean="0">
+              <a:solidFill>
+                <a:schemeClr val="accent1">
+                  <a:lumMod val="50000"/>
+                </a:schemeClr>
+              </a:solidFill>
+            </a:endParaRPr>
+          </a:p>
+          <a:p>
+            <a:pPr marL="0" indent="0">
+              <a:buClr>
+                <a:schemeClr val="tx2">
+                  <a:lumMod val="50000"/>
+                </a:schemeClr>
+              </a:buClr>
+            </a:pPr>
+            <a:endParaRPr lang="en-GB" sz="2000" dirty="0" smtClean="0">
+              <a:solidFill>
+                <a:schemeClr val="accent1">
+                  <a:lumMod val="50000"/>
+                </a:schemeClr>
+              </a:solidFill>
+            </a:endParaRPr>
+          </a:p>
+          <a:p>
+            <a:pPr>
+              <a:buFont typeface="Wingdings" panose="05000000000000000000" pitchFamily="2" charset="2"/>
+              <a:buChar char="Ø"/>
+            </a:pPr>
+            <a:endParaRPr lang="en-GB" sz="2000" dirty="0" smtClean="0">
+              <a:solidFill>
+                <a:schemeClr val="accent3">
+                  <a:lumMod val="75000"/>
+                </a:schemeClr>
+              </a:solidFill>
+            </a:endParaRPr>
+          </a:p>
+          <a:p>
+            <a:pPr marL="0" indent="0"/>
+            <a:r>
+              <a:rPr lang="en-GB" sz="2000" dirty="0" smtClean="0">
+                <a:solidFill>
+                  <a:schemeClr val="accent3">
+                    <a:lumMod val="75000"/>
+                  </a:schemeClr>
+                </a:solidFill>
+              </a:rPr>
+              <a:t> </a:t>
+            </a:r>
+            <a:endParaRPr lang="en-US" sz="2000" dirty="0">
+              <a:solidFill>
+                <a:schemeClr val="accent3">
+                  <a:lumMod val="75000"/>
+                </a:schemeClr>
+              </a:solidFill>
             </a:endParaRPr>
           </a:p>
         </p:txBody>
@@ -7351,7 +8277,7 @@
     </p:spTree>
     <p:extLst>
       <p:ext uri="{BB962C8B-B14F-4D97-AF65-F5344CB8AC3E}">
-        <p14:creationId xmlns:p14="http://schemas.microsoft.com/office/powerpoint/2010/main" val="1285538632"/>
+        <p14:creationId xmlns:p14="http://schemas.microsoft.com/office/powerpoint/2010/main" val="1983000823"/>
       </p:ext>
     </p:extLst>
   </p:cSld>
@@ -7385,78 +8311,35 @@
           <a:chExt cx="0" cy="0"/>
         </a:xfrm>
       </p:grpSpPr>
-      <p:sp>
-        <p:nvSpPr>
-          <p:cNvPr id="2" name="Title 1"/>
-          <p:cNvSpPr>
-            <a:spLocks noGrp="1"/>
-          </p:cNvSpPr>
-          <p:nvPr>
-            <p:ph type="title"/>
-          </p:nvPr>
-        </p:nvSpPr>
-        <p:spPr/>
-        <p:txBody>
-          <a:bodyPr/>
-          <a:lstStyle/>
-          <a:p>
-            <a:pPr algn="r"/>
-            <a:r>
-              <a:rPr lang="en-GB" sz="2400" b="1" dirty="0" smtClean="0">
-                <a:solidFill>
-                  <a:schemeClr val="accent1">
-                    <a:lumMod val="50000"/>
-                  </a:schemeClr>
-                </a:solidFill>
-              </a:rPr>
-              <a:t>REMIND.ME  </a:t>
-            </a:r>
-            <a:r>
-              <a:rPr lang="en-GB" sz="2400" b="1" dirty="0" smtClean="0">
-                <a:solidFill>
-                  <a:schemeClr val="accent1">
-                    <a:lumMod val="50000"/>
-                  </a:schemeClr>
-                </a:solidFill>
-              </a:rPr>
-              <a:t/>
-            </a:r>
-            <a:br>
-              <a:rPr lang="en-GB" sz="2400" b="1" dirty="0" smtClean="0">
-                <a:solidFill>
-                  <a:schemeClr val="accent1">
-                    <a:lumMod val="50000"/>
-                  </a:schemeClr>
-                </a:solidFill>
-              </a:rPr>
-            </a:br>
-            <a:r>
-              <a:rPr lang="en-GB" sz="2400" b="1" dirty="0" smtClean="0">
-                <a:solidFill>
-                  <a:schemeClr val="accent1">
-                    <a:lumMod val="50000"/>
-                  </a:schemeClr>
-                </a:solidFill>
-              </a:rPr>
-              <a:t>CLEAR AND substantial STRUCTURE </a:t>
-            </a:r>
-            <a:endParaRPr lang="en-US" sz="2400" b="1" dirty="0">
-              <a:solidFill>
-                <a:schemeClr val="accent1">
-                  <a:lumMod val="50000"/>
-                </a:schemeClr>
-              </a:solidFill>
-              <a:effectLst>
-                <a:outerShdw blurRad="38100" dist="38100" dir="2700000" algn="tl">
-                  <a:srgbClr val="000000">
-                    <a:alpha val="43137"/>
-                  </a:srgbClr>
-                </a:outerShdw>
-              </a:effectLst>
-            </a:endParaRPr>
-          </a:p>
-        </p:txBody>
-      </p:sp>
+      <p:pic>
+        <p:nvPicPr>
+          <p:cNvPr id="12" name="Picture 11"/>
+          <p:cNvPicPr>
+            <a:picLocks noChangeAspect="1"/>
+          </p:cNvPicPr>
+          <p:nvPr/>
+        </p:nvPicPr>
+        <p:blipFill rotWithShape="1">
+          <a:blip r:embed="rId2">
+            <a:extLst>
+              <a:ext uri="{28A0092B-C50C-407E-A947-70E740481C1C}">
+                <a14:useLocalDpi xmlns:a14="http://schemas.microsoft.com/office/drawing/2010/main" val="0"/>
+              </a:ext>
+            </a:extLst>
+          </a:blip>
+          <a:srcRect r="68127" b="28169"/>
+          <a:stretch/>
+        </p:blipFill>
+        <p:spPr>
+          <a:xfrm rot="416864">
+            <a:off x="6205740" y="947078"/>
+            <a:ext cx="2382233" cy="4026606"/>
+          </a:xfrm>
+          <a:prstGeom prst="rect">
+            <a:avLst/>
+          </a:prstGeom>
+        </p:spPr>
+      </p:pic>
       <p:sp>
         <p:nvSpPr>
           <p:cNvPr id="3" name="Content Placeholder 2"/>
@@ -7479,286 +8362,6 @@
           </a:bodyPr>
           <a:lstStyle/>
           <a:p>
-            <a:pPr>
-              <a:buClr>
-                <a:schemeClr val="tx2">
-                  <a:lumMod val="50000"/>
-                </a:schemeClr>
-              </a:buClr>
-              <a:buFont typeface="Wingdings" panose="05000000000000000000" pitchFamily="2" charset="2"/>
-              <a:buChar char="§"/>
-            </a:pPr>
-            <a:r>
-              <a:rPr lang="en-GB" sz="2400" dirty="0" smtClean="0">
-                <a:solidFill>
-                  <a:schemeClr val="accent1">
-                    <a:lumMod val="50000"/>
-                  </a:schemeClr>
-                </a:solidFill>
-              </a:rPr>
-              <a:t>Abstract </a:t>
-            </a:r>
-            <a:r>
-              <a:rPr lang="en-GB" sz="2400" dirty="0" smtClean="0">
-                <a:solidFill>
-                  <a:schemeClr val="accent1">
-                    <a:lumMod val="50000"/>
-                  </a:schemeClr>
-                </a:solidFill>
-              </a:rPr>
-              <a:t>class Note </a:t>
-            </a:r>
-          </a:p>
-          <a:p>
-            <a:pPr>
-              <a:buClr>
-                <a:schemeClr val="tx2">
-                  <a:lumMod val="50000"/>
-                </a:schemeClr>
-              </a:buClr>
-              <a:buFont typeface="Wingdings" panose="05000000000000000000" pitchFamily="2" charset="2"/>
-              <a:buChar char="§"/>
-            </a:pPr>
-            <a:r>
-              <a:rPr lang="en-GB" sz="2400" dirty="0" smtClean="0">
-                <a:solidFill>
-                  <a:schemeClr val="accent1">
-                    <a:lumMod val="50000"/>
-                  </a:schemeClr>
-                </a:solidFill>
-              </a:rPr>
-              <a:t>Four child classes inheriting  Note class :</a:t>
-            </a:r>
-          </a:p>
-          <a:p>
-            <a:pPr marL="0" indent="0">
-              <a:buClr>
-                <a:schemeClr val="tx2">
-                  <a:lumMod val="50000"/>
-                </a:schemeClr>
-              </a:buClr>
-            </a:pPr>
-            <a:r>
-              <a:rPr lang="en-GB" sz="2400" dirty="0" smtClean="0">
-                <a:solidFill>
-                  <a:schemeClr val="accent1">
-                    <a:lumMod val="50000"/>
-                  </a:schemeClr>
-                </a:solidFill>
-              </a:rPr>
-              <a:t>     </a:t>
-            </a:r>
-            <a:r>
-              <a:rPr lang="en-GB" sz="2400" dirty="0" err="1" smtClean="0">
-                <a:solidFill>
-                  <a:schemeClr val="accent1">
-                    <a:lumMod val="50000"/>
-                  </a:schemeClr>
-                </a:solidFill>
-              </a:rPr>
-              <a:t>TextNote</a:t>
-            </a:r>
-            <a:r>
-              <a:rPr lang="en-GB" sz="2400" dirty="0" smtClean="0">
-                <a:solidFill>
-                  <a:schemeClr val="accent1">
-                    <a:lumMod val="50000"/>
-                  </a:schemeClr>
-                </a:solidFill>
-              </a:rPr>
-              <a:t>, </a:t>
-            </a:r>
-            <a:r>
-              <a:rPr lang="en-GB" sz="2400" dirty="0" err="1" smtClean="0">
-                <a:solidFill>
-                  <a:schemeClr val="accent1">
-                    <a:lumMod val="50000"/>
-                  </a:schemeClr>
-                </a:solidFill>
-              </a:rPr>
-              <a:t>ListNote,VoiceNote</a:t>
-            </a:r>
-            <a:r>
-              <a:rPr lang="en-GB" sz="2400" dirty="0">
-                <a:solidFill>
-                  <a:schemeClr val="accent1">
-                    <a:lumMod val="50000"/>
-                  </a:schemeClr>
-                </a:solidFill>
-              </a:rPr>
-              <a:t> </a:t>
-            </a:r>
-            <a:r>
-              <a:rPr lang="en-GB" sz="2400" dirty="0" smtClean="0">
-                <a:solidFill>
-                  <a:schemeClr val="accent1">
-                    <a:lumMod val="50000"/>
-                  </a:schemeClr>
-                </a:solidFill>
-              </a:rPr>
-              <a:t>and </a:t>
-            </a:r>
-            <a:r>
-              <a:rPr lang="en-GB" sz="2400" dirty="0" err="1" smtClean="0">
-                <a:solidFill>
-                  <a:schemeClr val="accent1">
-                    <a:lumMod val="50000"/>
-                  </a:schemeClr>
-                </a:solidFill>
-              </a:rPr>
-              <a:t>PhotoNote</a:t>
-            </a:r>
-            <a:endParaRPr lang="en-GB" sz="2400" dirty="0" smtClean="0">
-              <a:solidFill>
-                <a:schemeClr val="accent1">
-                  <a:lumMod val="50000"/>
-                </a:schemeClr>
-              </a:solidFill>
-            </a:endParaRPr>
-          </a:p>
-          <a:p>
-            <a:pPr>
-              <a:buClr>
-                <a:schemeClr val="tx2">
-                  <a:lumMod val="50000"/>
-                </a:schemeClr>
-              </a:buClr>
-              <a:buFont typeface="Wingdings" panose="05000000000000000000" pitchFamily="2" charset="2"/>
-              <a:buChar char="§"/>
-            </a:pPr>
-            <a:r>
-              <a:rPr lang="en-GB" sz="2400" dirty="0">
-                <a:solidFill>
-                  <a:schemeClr val="accent1">
-                    <a:lumMod val="50000"/>
-                  </a:schemeClr>
-                </a:solidFill>
-              </a:rPr>
-              <a:t>class </a:t>
-            </a:r>
-            <a:r>
-              <a:rPr lang="en-GB" sz="2400" dirty="0" err="1">
-                <a:solidFill>
-                  <a:schemeClr val="accent1">
-                    <a:lumMod val="50000"/>
-                  </a:schemeClr>
-                </a:solidFill>
-              </a:rPr>
-              <a:t>ClipBoard</a:t>
-            </a:r>
-            <a:r>
-              <a:rPr lang="en-GB" sz="2400" dirty="0">
-                <a:solidFill>
-                  <a:schemeClr val="accent1">
-                    <a:lumMod val="50000"/>
-                  </a:schemeClr>
-                </a:solidFill>
-              </a:rPr>
-              <a:t> </a:t>
-            </a:r>
-            <a:r>
-              <a:rPr lang="en-GB" sz="2400" dirty="0" smtClean="0">
-                <a:solidFill>
-                  <a:schemeClr val="accent1">
-                    <a:lumMod val="50000"/>
-                  </a:schemeClr>
-                </a:solidFill>
-              </a:rPr>
-              <a:t>– collect and manage notes </a:t>
-            </a:r>
-          </a:p>
-          <a:p>
-            <a:pPr>
-              <a:buClr>
-                <a:schemeClr val="tx2">
-                  <a:lumMod val="50000"/>
-                </a:schemeClr>
-              </a:buClr>
-              <a:buFont typeface="Wingdings" panose="05000000000000000000" pitchFamily="2" charset="2"/>
-              <a:buChar char="§"/>
-            </a:pPr>
-            <a:r>
-              <a:rPr lang="en-GB" sz="2400" dirty="0" smtClean="0">
-                <a:solidFill>
-                  <a:schemeClr val="accent1">
-                    <a:lumMod val="50000"/>
-                  </a:schemeClr>
-                </a:solidFill>
-              </a:rPr>
-              <a:t>Interface ………………………..</a:t>
-            </a:r>
-          </a:p>
-          <a:p>
-            <a:pPr>
-              <a:buClr>
-                <a:schemeClr val="tx2">
-                  <a:lumMod val="50000"/>
-                </a:schemeClr>
-              </a:buClr>
-              <a:buFont typeface="Wingdings" panose="05000000000000000000" pitchFamily="2" charset="2"/>
-              <a:buChar char="§"/>
-            </a:pPr>
-            <a:r>
-              <a:rPr lang="en-GB" sz="2400" dirty="0" smtClean="0">
-                <a:solidFill>
-                  <a:schemeClr val="accent1">
-                    <a:lumMod val="50000"/>
-                  </a:schemeClr>
-                </a:solidFill>
-              </a:rPr>
-              <a:t>Enumeration Priority </a:t>
-            </a:r>
-          </a:p>
-          <a:p>
-            <a:pPr>
-              <a:buClr>
-                <a:schemeClr val="tx2">
-                  <a:lumMod val="50000"/>
-                </a:schemeClr>
-              </a:buClr>
-              <a:buFont typeface="Wingdings" panose="05000000000000000000" pitchFamily="2" charset="2"/>
-              <a:buChar char="§"/>
-            </a:pPr>
-            <a:r>
-              <a:rPr lang="en-GB" sz="2400" dirty="0" smtClean="0">
-                <a:solidFill>
-                  <a:schemeClr val="accent1">
-                    <a:lumMod val="50000"/>
-                  </a:schemeClr>
-                </a:solidFill>
-              </a:rPr>
-              <a:t>……………………………………..</a:t>
-            </a:r>
-          </a:p>
-          <a:p>
-            <a:pPr>
-              <a:buClr>
-                <a:schemeClr val="tx2">
-                  <a:lumMod val="50000"/>
-                </a:schemeClr>
-              </a:buClr>
-              <a:buFont typeface="Wingdings" panose="05000000000000000000" pitchFamily="2" charset="2"/>
-              <a:buChar char="§"/>
-            </a:pPr>
-            <a:r>
-              <a:rPr lang="en-GB" sz="2400" dirty="0" smtClean="0">
-                <a:solidFill>
-                  <a:schemeClr val="accent1">
-                    <a:lumMod val="50000"/>
-                  </a:schemeClr>
-                </a:solidFill>
-              </a:rPr>
-              <a:t>……………………………………</a:t>
-            </a:r>
-            <a:endParaRPr lang="en-GB" sz="2400" dirty="0">
-              <a:solidFill>
-                <a:schemeClr val="accent1">
-                  <a:lumMod val="50000"/>
-                </a:schemeClr>
-              </a:solidFill>
-            </a:endParaRPr>
-          </a:p>
-          <a:p>
             <a:pPr marL="0" indent="0">
               <a:buClr>
                 <a:schemeClr val="tx2">
@@ -7805,7 +8408,7 @@
           <p:nvPr/>
         </p:nvPicPr>
         <p:blipFill>
-          <a:blip r:embed="rId2">
+          <a:blip r:embed="rId3">
             <a:extLst>
               <a:ext uri="{28A0092B-C50C-407E-A947-70E740481C1C}">
                 <a14:useLocalDpi xmlns:a14="http://schemas.microsoft.com/office/drawing/2010/main" val="0"/>
@@ -7869,7 +8472,7 @@
           <p:nvPr/>
         </p:nvPicPr>
         <p:blipFill rotWithShape="1">
-          <a:blip r:embed="rId3">
+          <a:blip r:embed="rId4">
             <a:extLst>
               <a:ext uri="{28A0092B-C50C-407E-A947-70E740481C1C}">
                 <a14:useLocalDpi xmlns:a14="http://schemas.microsoft.com/office/drawing/2010/main" val="0"/>
@@ -7938,10 +8541,266 @@
           </a:p>
         </p:txBody>
       </p:sp>
+      <p:grpSp>
+        <p:nvGrpSpPr>
+          <p:cNvPr id="13" name="Group 12"/>
+          <p:cNvGrpSpPr/>
+          <p:nvPr/>
+        </p:nvGrpSpPr>
+        <p:grpSpPr>
+          <a:xfrm>
+            <a:off x="323528" y="421282"/>
+            <a:ext cx="5400600" cy="4562202"/>
+            <a:chOff x="323528" y="421282"/>
+            <a:chExt cx="5400600" cy="4562202"/>
+          </a:xfrm>
+        </p:grpSpPr>
+        <p:pic>
+          <p:nvPicPr>
+            <p:cNvPr id="4" name="Picture 3"/>
+            <p:cNvPicPr>
+              <a:picLocks noChangeAspect="1"/>
+            </p:cNvPicPr>
+            <p:nvPr/>
+          </p:nvPicPr>
+          <p:blipFill rotWithShape="1">
+            <a:blip r:embed="rId5">
+              <a:extLst>
+                <a:ext uri="{28A0092B-C50C-407E-A947-70E740481C1C}">
+                  <a14:useLocalDpi xmlns:a14="http://schemas.microsoft.com/office/drawing/2010/main" val="0"/>
+                </a:ext>
+              </a:extLst>
+            </a:blip>
+            <a:srcRect t="5797" b="4680"/>
+            <a:stretch/>
+          </p:blipFill>
+          <p:spPr>
+            <a:xfrm>
+              <a:off x="323528" y="421282"/>
+              <a:ext cx="5400600" cy="4562202"/>
+            </a:xfrm>
+            <a:prstGeom prst="rect">
+              <a:avLst/>
+            </a:prstGeom>
+          </p:spPr>
+        </p:pic>
+        <p:sp>
+          <p:nvSpPr>
+            <p:cNvPr id="10" name="TextBox 9"/>
+            <p:cNvSpPr txBox="1"/>
+            <p:nvPr/>
+          </p:nvSpPr>
+          <p:spPr>
+            <a:xfrm>
+              <a:off x="3372273" y="467380"/>
+              <a:ext cx="983703" cy="369332"/>
+            </a:xfrm>
+            <a:prstGeom prst="rect">
+              <a:avLst/>
+            </a:prstGeom>
+            <a:solidFill>
+              <a:srgbClr val="0070C0"/>
+            </a:solidFill>
+            <a:ln w="12700">
+              <a:noFill/>
+            </a:ln>
+          </p:spPr>
+          <p:txBody>
+            <a:bodyPr wrap="square" rtlCol="0">
+              <a:spAutoFit/>
+            </a:bodyPr>
+            <a:lstStyle/>
+            <a:p>
+              <a:pPr algn="ctr"/>
+              <a:r>
+                <a:rPr lang="en-GB" sz="900" b="1" dirty="0" smtClean="0">
+                  <a:solidFill>
+                    <a:schemeClr val="bg1"/>
+                  </a:solidFill>
+                  <a:latin typeface="Arial Narrow" panose="020B0606020202030204" pitchFamily="34" charset="0"/>
+                </a:rPr>
+                <a:t>ABSTRACT CLASS Note</a:t>
+              </a:r>
+              <a:endParaRPr lang="en-US" sz="900" b="1" dirty="0">
+                <a:solidFill>
+                  <a:schemeClr val="bg1"/>
+                </a:solidFill>
+                <a:latin typeface="Lucida Console" panose="020B0609040504020204" pitchFamily="49" charset="0"/>
+              </a:endParaRPr>
+            </a:p>
+          </p:txBody>
+        </p:sp>
+        <p:sp>
+          <p:nvSpPr>
+            <p:cNvPr id="11" name="TextBox 10"/>
+            <p:cNvSpPr txBox="1"/>
+            <p:nvPr/>
+          </p:nvSpPr>
+          <p:spPr>
+            <a:xfrm>
+              <a:off x="1547664" y="467380"/>
+              <a:ext cx="1216813" cy="369332"/>
+            </a:xfrm>
+            <a:prstGeom prst="rect">
+              <a:avLst/>
+            </a:prstGeom>
+            <a:solidFill>
+              <a:srgbClr val="00B050"/>
+            </a:solidFill>
+            <a:ln w="12700">
+              <a:noFill/>
+            </a:ln>
+          </p:spPr>
+          <p:txBody>
+            <a:bodyPr wrap="square" rtlCol="0">
+              <a:spAutoFit/>
+            </a:bodyPr>
+            <a:lstStyle/>
+            <a:p>
+              <a:pPr algn="ctr"/>
+              <a:r>
+                <a:rPr lang="en-GB" sz="900" b="1" dirty="0" smtClean="0">
+                  <a:solidFill>
+                    <a:schemeClr val="bg1"/>
+                  </a:solidFill>
+                  <a:latin typeface="Arial Narrow" panose="020B0606020202030204" pitchFamily="34" charset="0"/>
+                </a:rPr>
+                <a:t>INTERFACE REMINDABLE</a:t>
+              </a:r>
+              <a:endParaRPr lang="en-US" sz="900" b="1" dirty="0">
+                <a:solidFill>
+                  <a:schemeClr val="bg1"/>
+                </a:solidFill>
+                <a:latin typeface="Lucida Console" panose="020B0609040504020204" pitchFamily="49" charset="0"/>
+              </a:endParaRPr>
+            </a:p>
+          </p:txBody>
+        </p:sp>
+      </p:grpSp>
+      <p:sp>
+        <p:nvSpPr>
+          <p:cNvPr id="2" name="Title 1"/>
+          <p:cNvSpPr>
+            <a:spLocks noGrp="1"/>
+          </p:cNvSpPr>
+          <p:nvPr>
+            <p:ph type="title"/>
+          </p:nvPr>
+        </p:nvSpPr>
+        <p:spPr/>
+        <p:txBody>
+          <a:bodyPr/>
+          <a:lstStyle/>
+          <a:p>
+            <a:pPr algn="r"/>
+            <a:r>
+              <a:rPr lang="en-GB" sz="2400" b="1" dirty="0">
+                <a:solidFill>
+                  <a:srgbClr val="0070C0"/>
+                </a:solidFill>
+                <a:effectLst>
+                  <a:outerShdw blurRad="38100" dist="38100" dir="2700000" algn="tl">
+                    <a:srgbClr val="000000">
+                      <a:alpha val="43137"/>
+                    </a:srgbClr>
+                  </a:outerShdw>
+                </a:effectLst>
+              </a:rPr>
+              <a:t>REMIND.ME </a:t>
+            </a:r>
+            <a:r>
+              <a:rPr lang="en-GB" sz="2400" b="1" dirty="0" smtClean="0">
+                <a:solidFill>
+                  <a:srgbClr val="0070C0"/>
+                </a:solidFill>
+                <a:effectLst>
+                  <a:outerShdw blurRad="38100" dist="38100" dir="2700000" algn="tl">
+                    <a:srgbClr val="000000">
+                      <a:alpha val="43137"/>
+                    </a:srgbClr>
+                  </a:outerShdw>
+                </a:effectLst>
+              </a:rPr>
+              <a:t>: CLEAR </a:t>
+            </a:r>
+            <a:r>
+              <a:rPr lang="en-GB" sz="2400" b="1" dirty="0">
+                <a:solidFill>
+                  <a:srgbClr val="0070C0"/>
+                </a:solidFill>
+                <a:effectLst>
+                  <a:outerShdw blurRad="38100" dist="38100" dir="2700000" algn="tl">
+                    <a:srgbClr val="000000">
+                      <a:alpha val="43137"/>
+                    </a:srgbClr>
+                  </a:outerShdw>
+                </a:effectLst>
+              </a:rPr>
+              <a:t>AND </a:t>
+            </a:r>
+            <a:r>
+              <a:rPr lang="en-GB" sz="2400" b="1" dirty="0" smtClean="0">
+                <a:solidFill>
+                  <a:srgbClr val="0070C0"/>
+                </a:solidFill>
+                <a:effectLst>
+                  <a:outerShdw blurRad="38100" dist="38100" dir="2700000" algn="tl">
+                    <a:srgbClr val="000000">
+                      <a:alpha val="43137"/>
+                    </a:srgbClr>
+                  </a:outerShdw>
+                </a:effectLst>
+              </a:rPr>
+              <a:t/>
+            </a:r>
+            <a:br>
+              <a:rPr lang="en-GB" sz="2400" b="1" dirty="0" smtClean="0">
+                <a:solidFill>
+                  <a:srgbClr val="0070C0"/>
+                </a:solidFill>
+                <a:effectLst>
+                  <a:outerShdw blurRad="38100" dist="38100" dir="2700000" algn="tl">
+                    <a:srgbClr val="000000">
+                      <a:alpha val="43137"/>
+                    </a:srgbClr>
+                  </a:outerShdw>
+                </a:effectLst>
+              </a:rPr>
+            </a:br>
+            <a:r>
+              <a:rPr lang="en-GB" sz="2400" b="1" dirty="0" smtClean="0">
+                <a:solidFill>
+                  <a:srgbClr val="0070C0"/>
+                </a:solidFill>
+                <a:effectLst>
+                  <a:outerShdw blurRad="38100" dist="38100" dir="2700000" algn="tl">
+                    <a:srgbClr val="000000">
+                      <a:alpha val="43137"/>
+                    </a:srgbClr>
+                  </a:outerShdw>
+                </a:effectLst>
+              </a:rPr>
+              <a:t>EFFECTIVE  STRUCTURE </a:t>
+            </a:r>
+            <a:endParaRPr lang="en-US" sz="2400" b="1" dirty="0">
+              <a:solidFill>
+                <a:srgbClr val="0070C0"/>
+              </a:solidFill>
+              <a:effectLst>
+                <a:outerShdw blurRad="38100" dist="38100" dir="2700000" algn="tl">
+                  <a:srgbClr val="000000">
+                    <a:alpha val="43137"/>
+                  </a:srgbClr>
+                </a:outerShdw>
+              </a:effectLst>
+            </a:endParaRPr>
+          </a:p>
+        </p:txBody>
+      </p:sp>
     </p:spTree>
     <p:extLst>
       <p:ext uri="{BB962C8B-B14F-4D97-AF65-F5344CB8AC3E}">
-        <p14:creationId xmlns:p14="http://schemas.microsoft.com/office/powerpoint/2010/main" val="873306102"/>
+        <p14:creationId xmlns:p14="http://schemas.microsoft.com/office/powerpoint/2010/main" val="3963937647"/>
       </p:ext>
     </p:extLst>
   </p:cSld>
@@ -7985,7 +8844,12 @@
             <p:ph type="title"/>
           </p:nvPr>
         </p:nvSpPr>
-        <p:spPr/>
+        <p:spPr>
+          <a:xfrm>
+            <a:off x="822960" y="581784"/>
+            <a:ext cx="7520940" cy="542960"/>
+          </a:xfrm>
+        </p:spPr>
         <p:txBody>
           <a:bodyPr/>
           <a:lstStyle/>
@@ -7994,86 +8858,123 @@
             <a:r>
               <a:rPr lang="en-GB" sz="2400" b="1" dirty="0">
                 <a:solidFill>
-                  <a:schemeClr val="accent1">
-                    <a:lumMod val="50000"/>
-                  </a:schemeClr>
-                </a:solidFill>
-              </a:rPr>
-              <a:t>MAKE a NOTE  in REMIND.ME </a:t>
+                  <a:srgbClr val="0070C0"/>
+                </a:solidFill>
+                <a:effectLst>
+                  <a:outerShdw blurRad="38100" dist="38100" dir="2700000" algn="tl">
+                    <a:srgbClr val="000000">
+                      <a:alpha val="43137"/>
+                    </a:srgbClr>
+                  </a:outerShdw>
+                </a:effectLst>
+              </a:rPr>
+              <a:t>REMIND.ME </a:t>
             </a:r>
             <a:r>
               <a:rPr lang="en-GB" sz="2400" b="1" dirty="0" smtClean="0">
                 <a:solidFill>
-                  <a:schemeClr val="accent1">
-                    <a:lumMod val="50000"/>
-                  </a:schemeClr>
-                </a:solidFill>
-              </a:rPr>
-              <a:t/>
-            </a:r>
-            <a:br>
-              <a:rPr lang="en-GB" sz="2400" b="1" dirty="0" smtClean="0">
-                <a:solidFill>
-                  <a:schemeClr val="accent1">
-                    <a:lumMod val="50000"/>
-                  </a:schemeClr>
-                </a:solidFill>
-              </a:rPr>
-            </a:br>
-            <a:r>
-              <a:rPr lang="en-GB" sz="2400" b="1" dirty="0" smtClean="0">
-                <a:solidFill>
-                  <a:schemeClr val="accent1">
-                    <a:lumMod val="50000"/>
-                  </a:schemeClr>
-                </a:solidFill>
-              </a:rPr>
-              <a:t>to MAKE </a:t>
+                  <a:srgbClr val="0070C0"/>
+                </a:solidFill>
+                <a:effectLst>
+                  <a:outerShdw blurRad="38100" dist="38100" dir="2700000" algn="tl">
+                    <a:srgbClr val="000000">
+                      <a:alpha val="43137"/>
+                    </a:srgbClr>
+                  </a:outerShdw>
+                </a:effectLst>
+              </a:rPr>
+              <a:t> HELPS TO </a:t>
             </a:r>
             <a:r>
               <a:rPr lang="en-GB" sz="2400" b="1" dirty="0">
                 <a:solidFill>
-                  <a:schemeClr val="accent1">
-                    <a:lumMod val="50000"/>
-                  </a:schemeClr>
-                </a:solidFill>
-              </a:rPr>
-              <a:t>THE  MOST of your </a:t>
-            </a:r>
-            <a:r>
-              <a:rPr lang="en-GB" sz="2400" b="1" dirty="0" smtClean="0">
-                <a:solidFill>
-                  <a:schemeClr val="accent1">
-                    <a:lumMod val="50000"/>
-                  </a:schemeClr>
-                </a:solidFill>
-              </a:rPr>
-              <a:t>day</a:t>
-            </a:r>
-            <a:r>
-              <a:rPr lang="en-GB" sz="2400" b="1" dirty="0">
-                <a:solidFill>
-                  <a:schemeClr val="accent1">
-                    <a:lumMod val="50000"/>
-                  </a:schemeClr>
-                </a:solidFill>
-              </a:rPr>
-              <a:t/>
+                  <a:srgbClr val="0070C0"/>
+                </a:solidFill>
+                <a:effectLst>
+                  <a:outerShdw blurRad="38100" dist="38100" dir="2700000" algn="tl">
+                    <a:srgbClr val="000000">
+                      <a:alpha val="43137"/>
+                    </a:srgbClr>
+                  </a:outerShdw>
+                </a:effectLst>
+              </a:rPr>
+              <a:t>DO </a:t>
             </a:r>
             <a:br>
               <a:rPr lang="en-GB" sz="2400" b="1" dirty="0">
                 <a:solidFill>
-                  <a:schemeClr val="accent1">
-                    <a:lumMod val="50000"/>
-                  </a:schemeClr>
-                </a:solidFill>
+                  <a:srgbClr val="0070C0"/>
+                </a:solidFill>
+                <a:effectLst>
+                  <a:outerShdw blurRad="38100" dist="38100" dir="2700000" algn="tl">
+                    <a:srgbClr val="000000">
+                      <a:alpha val="43137"/>
+                    </a:srgbClr>
+                  </a:outerShdw>
+                </a:effectLst>
+              </a:rPr>
+            </a:br>
+            <a:r>
+              <a:rPr lang="en-GB" sz="2400" b="1" dirty="0">
+                <a:solidFill>
+                  <a:srgbClr val="0070C0"/>
+                </a:solidFill>
+                <a:effectLst>
+                  <a:outerShdw blurRad="38100" dist="38100" dir="2700000" algn="tl">
+                    <a:srgbClr val="000000">
+                      <a:alpha val="43137"/>
+                    </a:srgbClr>
+                  </a:outerShdw>
+                </a:effectLst>
+              </a:rPr>
+              <a:t>ALL YOU PLANNED TO DO ON TIME </a:t>
+            </a:r>
+            <a:br>
+              <a:rPr lang="en-GB" sz="2400" b="1" dirty="0">
+                <a:solidFill>
+                  <a:srgbClr val="0070C0"/>
+                </a:solidFill>
+                <a:effectLst>
+                  <a:outerShdw blurRad="38100" dist="38100" dir="2700000" algn="tl">
+                    <a:srgbClr val="000000">
+                      <a:alpha val="43137"/>
+                    </a:srgbClr>
+                  </a:outerShdw>
+                </a:effectLst>
+              </a:rPr>
+            </a:br>
+            <a:r>
+              <a:rPr lang="en-GB" sz="2400" b="1" dirty="0">
+                <a:solidFill>
+                  <a:srgbClr val="0070C0"/>
+                </a:solidFill>
+                <a:effectLst>
+                  <a:outerShdw blurRad="38100" dist="38100" dir="2700000" algn="tl">
+                    <a:srgbClr val="000000">
+                      <a:alpha val="43137"/>
+                    </a:srgbClr>
+                  </a:outerShdw>
+                </a:effectLst>
+              </a:rPr>
+              <a:t/>
+            </a:r>
+            <a:br>
+              <a:rPr lang="en-GB" sz="2400" b="1" dirty="0">
+                <a:solidFill>
+                  <a:srgbClr val="0070C0"/>
+                </a:solidFill>
+                <a:effectLst>
+                  <a:outerShdw blurRad="38100" dist="38100" dir="2700000" algn="tl">
+                    <a:srgbClr val="000000">
+                      <a:alpha val="43137"/>
+                    </a:srgbClr>
+                  </a:outerShdw>
+                </a:effectLst>
               </a:rPr>
             </a:br>
             <a:endParaRPr lang="en-US" sz="2400" b="1" dirty="0">
               <a:solidFill>
-                <a:schemeClr val="accent1">
-                  <a:lumMod val="50000"/>
-                </a:schemeClr>
+                <a:srgbClr val="0070C0"/>
               </a:solidFill>
               <a:effectLst>
                 <a:outerShdw blurRad="38100" dist="38100" dir="2700000" algn="tl">
@@ -8098,7 +8999,7 @@
         </p:nvSpPr>
         <p:spPr>
           <a:xfrm>
-            <a:off x="827584" y="1268760"/>
+            <a:off x="827584" y="1196752"/>
             <a:ext cx="7520940" cy="3888432"/>
           </a:xfrm>
         </p:spPr>
@@ -8108,177 +9009,12 @@
           </a:bodyPr>
           <a:lstStyle/>
           <a:p>
-            <a:pPr>
-              <a:buClr>
-                <a:schemeClr val="tx2">
-                  <a:lumMod val="50000"/>
-                </a:schemeClr>
-              </a:buClr>
-              <a:buFont typeface="Wingdings" panose="05000000000000000000" pitchFamily="2" charset="2"/>
-              <a:buChar char="§"/>
-            </a:pPr>
-            <a:r>
-              <a:rPr lang="en-GB" sz="2400" dirty="0" smtClean="0">
-                <a:solidFill>
-                  <a:schemeClr val="accent1">
-                    <a:lumMod val="50000"/>
-                  </a:schemeClr>
-                </a:solidFill>
-              </a:rPr>
-              <a:t>Functionality …………</a:t>
-            </a:r>
-            <a:endParaRPr lang="en-GB" sz="2400" dirty="0">
-              <a:solidFill>
-                <a:schemeClr val="accent1">
-                  <a:lumMod val="50000"/>
-                </a:schemeClr>
-              </a:solidFill>
-            </a:endParaRPr>
-          </a:p>
-          <a:p>
-            <a:pPr>
-              <a:buClr>
-                <a:schemeClr val="tx2">
-                  <a:lumMod val="50000"/>
-                </a:schemeClr>
-              </a:buClr>
-              <a:buFont typeface="Wingdings" panose="05000000000000000000" pitchFamily="2" charset="2"/>
-              <a:buChar char="§"/>
-            </a:pPr>
-            <a:r>
-              <a:rPr lang="en-GB" sz="2400" dirty="0">
-                <a:solidFill>
-                  <a:schemeClr val="accent1">
-                    <a:lumMod val="50000"/>
-                  </a:schemeClr>
-                </a:solidFill>
-              </a:rPr>
-              <a:t>Functionality …………</a:t>
-            </a:r>
-          </a:p>
-          <a:p>
-            <a:pPr>
-              <a:buClr>
-                <a:schemeClr val="tx2">
-                  <a:lumMod val="50000"/>
-                </a:schemeClr>
-              </a:buClr>
-              <a:buFont typeface="Wingdings" panose="05000000000000000000" pitchFamily="2" charset="2"/>
-              <a:buChar char="§"/>
-            </a:pPr>
-            <a:r>
-              <a:rPr lang="en-GB" sz="2400" dirty="0">
-                <a:solidFill>
-                  <a:schemeClr val="accent1">
-                    <a:lumMod val="50000"/>
-                  </a:schemeClr>
-                </a:solidFill>
-              </a:rPr>
-              <a:t>Functionality …………</a:t>
-            </a:r>
-          </a:p>
-          <a:p>
-            <a:pPr>
-              <a:buClr>
-                <a:schemeClr val="tx2">
-                  <a:lumMod val="50000"/>
-                </a:schemeClr>
-              </a:buClr>
-              <a:buFont typeface="Wingdings" panose="05000000000000000000" pitchFamily="2" charset="2"/>
-              <a:buChar char="§"/>
-            </a:pPr>
-            <a:r>
-              <a:rPr lang="en-GB" sz="2400" dirty="0">
-                <a:solidFill>
-                  <a:schemeClr val="accent1">
-                    <a:lumMod val="50000"/>
-                  </a:schemeClr>
-                </a:solidFill>
-              </a:rPr>
-              <a:t>Functionality …………</a:t>
-            </a:r>
-          </a:p>
-          <a:p>
-            <a:pPr>
-              <a:buClr>
-                <a:schemeClr val="tx2">
-                  <a:lumMod val="50000"/>
-                </a:schemeClr>
-              </a:buClr>
-              <a:buFont typeface="Wingdings" panose="05000000000000000000" pitchFamily="2" charset="2"/>
-              <a:buChar char="§"/>
-            </a:pPr>
-            <a:r>
-              <a:rPr lang="en-GB" sz="2400" dirty="0">
-                <a:solidFill>
-                  <a:schemeClr val="accent1">
-                    <a:lumMod val="50000"/>
-                  </a:schemeClr>
-                </a:solidFill>
-              </a:rPr>
-              <a:t>Functionality …………</a:t>
-            </a:r>
-          </a:p>
-          <a:p>
-            <a:pPr>
-              <a:buClr>
-                <a:schemeClr val="tx2">
-                  <a:lumMod val="50000"/>
-                </a:schemeClr>
-              </a:buClr>
-              <a:buFont typeface="Wingdings" panose="05000000000000000000" pitchFamily="2" charset="2"/>
-              <a:buChar char="§"/>
-            </a:pPr>
-            <a:r>
-              <a:rPr lang="en-GB" sz="2400" dirty="0">
-                <a:solidFill>
-                  <a:schemeClr val="accent1">
-                    <a:lumMod val="50000"/>
-                  </a:schemeClr>
-                </a:solidFill>
-              </a:rPr>
-              <a:t>Functionality …………</a:t>
-            </a:r>
-          </a:p>
-          <a:p>
             <a:pPr marL="0" indent="0">
               <a:buClr>
                 <a:schemeClr val="tx2">
                   <a:lumMod val="50000"/>
                 </a:schemeClr>
               </a:buClr>
-            </a:pPr>
-            <a:r>
-              <a:rPr lang="en-GB" sz="2400" dirty="0">
-                <a:solidFill>
-                  <a:schemeClr val="accent3">
-                    <a:lumMod val="75000"/>
-                  </a:schemeClr>
-                </a:solidFill>
-              </a:rPr>
-              <a:t>// Some UI screenshots if applicable </a:t>
-            </a:r>
-          </a:p>
-          <a:p>
-            <a:pPr marL="0" indent="0">
-              <a:buClr>
-                <a:schemeClr val="tx2">
-                  <a:lumMod val="50000"/>
-                </a:schemeClr>
-              </a:buClr>
-            </a:pPr>
-            <a:endParaRPr lang="en-GB" sz="2400" dirty="0">
-              <a:solidFill>
-                <a:schemeClr val="accent1">
-                  <a:lumMod val="50000"/>
-                </a:schemeClr>
-              </a:solidFill>
-            </a:endParaRPr>
-          </a:p>
-          <a:p>
-            <a:pPr>
-              <a:buFont typeface="Wingdings" panose="05000000000000000000" pitchFamily="2" charset="2"/>
-              <a:buChar char="Ø"/>
             </a:pPr>
             <a:endParaRPr lang="en-GB" sz="2400" dirty="0">
               <a:solidFill>
@@ -8376,14 +9112,74 @@
       </p:pic>
       <p:pic>
         <p:nvPicPr>
-          <p:cNvPr id="6" name="Picture 2" descr="Post It, Memos, Notes, Info, Sticky Note, List, Embassy"/>
+          <p:cNvPr id="4" name="Picture 3"/>
+          <p:cNvPicPr>
+            <a:picLocks noChangeAspect="1"/>
+          </p:cNvPicPr>
+          <p:nvPr/>
+        </p:nvPicPr>
+        <p:blipFill>
+          <a:blip r:embed="rId3">
+            <a:extLst>
+              <a:ext uri="{28A0092B-C50C-407E-A947-70E740481C1C}">
+                <a14:useLocalDpi xmlns:a14="http://schemas.microsoft.com/office/drawing/2010/main" val="0"/>
+              </a:ext>
+            </a:extLst>
+          </a:blip>
+          <a:stretch>
+            <a:fillRect/>
+          </a:stretch>
+        </p:blipFill>
+        <p:spPr>
+          <a:xfrm>
+            <a:off x="395536" y="1412776"/>
+            <a:ext cx="3384376" cy="2542450"/>
+          </a:xfrm>
+          <a:prstGeom prst="rect">
+            <a:avLst/>
+          </a:prstGeom>
+        </p:spPr>
+      </p:pic>
+      <p:pic>
+        <p:nvPicPr>
+          <p:cNvPr id="5" name="Picture 4"/>
+          <p:cNvPicPr>
+            <a:picLocks noChangeAspect="1"/>
+          </p:cNvPicPr>
+          <p:nvPr/>
+        </p:nvPicPr>
+        <p:blipFill>
+          <a:blip r:embed="rId4">
+            <a:extLst>
+              <a:ext uri="{28A0092B-C50C-407E-A947-70E740481C1C}">
+                <a14:useLocalDpi xmlns:a14="http://schemas.microsoft.com/office/drawing/2010/main" val="0"/>
+              </a:ext>
+            </a:extLst>
+          </a:blip>
+          <a:stretch>
+            <a:fillRect/>
+          </a:stretch>
+        </p:blipFill>
+        <p:spPr>
+          <a:xfrm>
+            <a:off x="4499992" y="908720"/>
+            <a:ext cx="3006777" cy="4178684"/>
+          </a:xfrm>
+          <a:prstGeom prst="rect">
+            <a:avLst/>
+          </a:prstGeom>
+        </p:spPr>
+      </p:pic>
+      <p:pic>
+        <p:nvPicPr>
+          <p:cNvPr id="10" name="Picture 2" descr="Post It, Memos, Notes, Info, Sticky Note, List, Embassy"/>
           <p:cNvPicPr>
             <a:picLocks noChangeAspect="1" noChangeArrowheads="1"/>
           </p:cNvPicPr>
           <p:nvPr/>
         </p:nvPicPr>
         <p:blipFill rotWithShape="1">
-          <a:blip r:embed="rId3">
+          <a:blip r:embed="rId5">
             <a:extLst>
               <a:ext uri="{28A0092B-C50C-407E-A947-70E740481C1C}">
                 <a14:useLocalDpi xmlns:a14="http://schemas.microsoft.com/office/drawing/2010/main" val="0"/>
@@ -8395,7 +9191,7 @@
         </p:blipFill>
         <p:spPr bwMode="auto">
           <a:xfrm rot="20438066">
-            <a:off x="5924627" y="3539488"/>
+            <a:off x="6145567" y="4187559"/>
             <a:ext cx="2873234" cy="2752103"/>
           </a:xfrm>
           <a:prstGeom prst="rect">
@@ -8415,14 +9211,14 @@
       </p:pic>
       <p:sp>
         <p:nvSpPr>
-          <p:cNvPr id="7" name="TextBox 6"/>
+          <p:cNvPr id="11" name="TextBox 10"/>
           <p:cNvSpPr txBox="1"/>
           <p:nvPr/>
         </p:nvSpPr>
         <p:spPr>
           <a:xfrm rot="195751">
-            <a:off x="6184742" y="4376929"/>
-            <a:ext cx="2573947" cy="1077218"/>
+            <a:off x="6312856" y="5237272"/>
+            <a:ext cx="2728251" cy="954107"/>
           </a:xfrm>
           <a:prstGeom prst="rect">
             <a:avLst/>
@@ -8437,7 +9233,7 @@
           <a:p>
             <a:pPr algn="ctr"/>
             <a:r>
-              <a:rPr lang="en-US" sz="3200" b="1" dirty="0" smtClean="0">
+              <a:rPr lang="en-US" sz="2800" b="1" dirty="0" smtClean="0">
                 <a:effectLst>
                   <a:outerShdw blurRad="38100" dist="38100" dir="2700000" algn="tl">
                     <a:srgbClr val="000000">
@@ -8447,13 +9243,13 @@
                 </a:effectLst>
                 <a:latin typeface="Segoe Script" panose="030B0504020000000003" pitchFamily="66" charset="0"/>
               </a:rPr>
-              <a:t>App</a:t>
+              <a:t>What’s in</a:t>
             </a:r>
           </a:p>
           <a:p>
             <a:pPr algn="ctr"/>
             <a:r>
-              <a:rPr lang="en-US" sz="3200" b="1" dirty="0" smtClean="0">
+              <a:rPr lang="en-US" sz="2800" b="1" dirty="0">
                 <a:effectLst>
                   <a:outerShdw blurRad="38100" dist="38100" dir="2700000" algn="tl">
                     <a:srgbClr val="000000">
@@ -8463,7 +9259,33 @@
                 </a:effectLst>
                 <a:latin typeface="Segoe Script" panose="030B0504020000000003" pitchFamily="66" charset="0"/>
               </a:rPr>
-              <a:t>Features</a:t>
+              <a:t>t</a:t>
+            </a:r>
+            <a:r>
+              <a:rPr lang="en-US" sz="2800" b="1" dirty="0" smtClean="0">
+                <a:effectLst>
+                  <a:outerShdw blurRad="38100" dist="38100" dir="2700000" algn="tl">
+                    <a:srgbClr val="000000">
+                      <a:alpha val="43137"/>
+                    </a:srgbClr>
+                  </a:outerShdw>
+                </a:effectLst>
+                <a:latin typeface="Segoe Script" panose="030B0504020000000003" pitchFamily="66" charset="0"/>
+              </a:rPr>
+              <a:t>he Menu</a:t>
+            </a:r>
+            <a:r>
+              <a:rPr lang="en-US" sz="2800" b="1" dirty="0" smtClean="0">
+                <a:effectLst>
+                  <a:outerShdw blurRad="38100" dist="38100" dir="2700000" algn="tl">
+                    <a:srgbClr val="000000">
+                      <a:alpha val="43137"/>
+                    </a:srgbClr>
+                  </a:outerShdw>
+                </a:effectLst>
+                <a:latin typeface="Segoe Script" panose="030B0504020000000003" pitchFamily="66" charset="0"/>
+              </a:rPr>
+              <a:t> </a:t>
             </a:r>
           </a:p>
         </p:txBody>
@@ -8471,7 +9293,7 @@
     </p:spTree>
     <p:extLst>
       <p:ext uri="{BB962C8B-B14F-4D97-AF65-F5344CB8AC3E}">
-        <p14:creationId xmlns:p14="http://schemas.microsoft.com/office/powerpoint/2010/main" val="777580007"/>
+        <p14:creationId xmlns:p14="http://schemas.microsoft.com/office/powerpoint/2010/main" val="1285538632"/>
       </p:ext>
     </p:extLst>
   </p:cSld>
@@ -8515,7 +9337,12 @@
             <p:ph type="title"/>
           </p:nvPr>
         </p:nvSpPr>
-        <p:spPr/>
+        <p:spPr>
+          <a:xfrm>
+            <a:off x="822960" y="581784"/>
+            <a:ext cx="7520940" cy="542960"/>
+          </a:xfrm>
+        </p:spPr>
         <p:txBody>
           <a:bodyPr/>
           <a:lstStyle/>
@@ -8524,86 +9351,123 @@
             <a:r>
               <a:rPr lang="en-GB" sz="2400" b="1" dirty="0">
                 <a:solidFill>
-                  <a:schemeClr val="accent1">
-                    <a:lumMod val="50000"/>
-                  </a:schemeClr>
-                </a:solidFill>
-              </a:rPr>
-              <a:t>MAKE a NOTE  in REMIND.ME </a:t>
+                  <a:srgbClr val="0070C0"/>
+                </a:solidFill>
+                <a:effectLst>
+                  <a:outerShdw blurRad="38100" dist="38100" dir="2700000" algn="tl">
+                    <a:srgbClr val="000000">
+                      <a:alpha val="43137"/>
+                    </a:srgbClr>
+                  </a:outerShdw>
+                </a:effectLst>
+              </a:rPr>
+              <a:t>REMIND.ME </a:t>
             </a:r>
             <a:r>
               <a:rPr lang="en-GB" sz="2400" b="1" dirty="0" smtClean="0">
                 <a:solidFill>
-                  <a:schemeClr val="accent1">
-                    <a:lumMod val="50000"/>
-                  </a:schemeClr>
-                </a:solidFill>
-              </a:rPr>
-              <a:t/>
-            </a:r>
-            <a:br>
-              <a:rPr lang="en-GB" sz="2400" b="1" dirty="0" smtClean="0">
-                <a:solidFill>
-                  <a:schemeClr val="accent1">
-                    <a:lumMod val="50000"/>
-                  </a:schemeClr>
-                </a:solidFill>
-              </a:rPr>
-            </a:br>
-            <a:r>
-              <a:rPr lang="en-GB" sz="2400" b="1" dirty="0" smtClean="0">
-                <a:solidFill>
-                  <a:schemeClr val="accent1">
-                    <a:lumMod val="50000"/>
-                  </a:schemeClr>
-                </a:solidFill>
-              </a:rPr>
-              <a:t>to MAKE </a:t>
+                  <a:srgbClr val="0070C0"/>
+                </a:solidFill>
+                <a:effectLst>
+                  <a:outerShdw blurRad="38100" dist="38100" dir="2700000" algn="tl">
+                    <a:srgbClr val="000000">
+                      <a:alpha val="43137"/>
+                    </a:srgbClr>
+                  </a:outerShdw>
+                </a:effectLst>
+              </a:rPr>
+              <a:t> HELPS TO </a:t>
             </a:r>
             <a:r>
               <a:rPr lang="en-GB" sz="2400" b="1" dirty="0">
                 <a:solidFill>
-                  <a:schemeClr val="accent1">
-                    <a:lumMod val="50000"/>
-                  </a:schemeClr>
-                </a:solidFill>
-              </a:rPr>
-              <a:t>THE  MOST of your </a:t>
-            </a:r>
-            <a:r>
-              <a:rPr lang="en-GB" sz="2400" b="1" dirty="0" smtClean="0">
-                <a:solidFill>
-                  <a:schemeClr val="accent1">
-                    <a:lumMod val="50000"/>
-                  </a:schemeClr>
-                </a:solidFill>
-              </a:rPr>
-              <a:t>day</a:t>
-            </a:r>
-            <a:r>
-              <a:rPr lang="en-GB" sz="2400" b="1" dirty="0">
-                <a:solidFill>
-                  <a:schemeClr val="accent1">
-                    <a:lumMod val="50000"/>
-                  </a:schemeClr>
-                </a:solidFill>
-              </a:rPr>
-              <a:t/>
+                  <a:srgbClr val="0070C0"/>
+                </a:solidFill>
+                <a:effectLst>
+                  <a:outerShdw blurRad="38100" dist="38100" dir="2700000" algn="tl">
+                    <a:srgbClr val="000000">
+                      <a:alpha val="43137"/>
+                    </a:srgbClr>
+                  </a:outerShdw>
+                </a:effectLst>
+              </a:rPr>
+              <a:t>DO </a:t>
             </a:r>
             <a:br>
               <a:rPr lang="en-GB" sz="2400" b="1" dirty="0">
                 <a:solidFill>
-                  <a:schemeClr val="accent1">
-                    <a:lumMod val="50000"/>
-                  </a:schemeClr>
-                </a:solidFill>
+                  <a:srgbClr val="0070C0"/>
+                </a:solidFill>
+                <a:effectLst>
+                  <a:outerShdw blurRad="38100" dist="38100" dir="2700000" algn="tl">
+                    <a:srgbClr val="000000">
+                      <a:alpha val="43137"/>
+                    </a:srgbClr>
+                  </a:outerShdw>
+                </a:effectLst>
+              </a:rPr>
+            </a:br>
+            <a:r>
+              <a:rPr lang="en-GB" sz="2400" b="1" dirty="0">
+                <a:solidFill>
+                  <a:srgbClr val="0070C0"/>
+                </a:solidFill>
+                <a:effectLst>
+                  <a:outerShdw blurRad="38100" dist="38100" dir="2700000" algn="tl">
+                    <a:srgbClr val="000000">
+                      <a:alpha val="43137"/>
+                    </a:srgbClr>
+                  </a:outerShdw>
+                </a:effectLst>
+              </a:rPr>
+              <a:t>ALL YOU PLANNED TO DO ON TIME </a:t>
+            </a:r>
+            <a:br>
+              <a:rPr lang="en-GB" sz="2400" b="1" dirty="0">
+                <a:solidFill>
+                  <a:srgbClr val="0070C0"/>
+                </a:solidFill>
+                <a:effectLst>
+                  <a:outerShdw blurRad="38100" dist="38100" dir="2700000" algn="tl">
+                    <a:srgbClr val="000000">
+                      <a:alpha val="43137"/>
+                    </a:srgbClr>
+                  </a:outerShdw>
+                </a:effectLst>
+              </a:rPr>
+            </a:br>
+            <a:r>
+              <a:rPr lang="en-GB" sz="2400" b="1" dirty="0">
+                <a:solidFill>
+                  <a:srgbClr val="0070C0"/>
+                </a:solidFill>
+                <a:effectLst>
+                  <a:outerShdw blurRad="38100" dist="38100" dir="2700000" algn="tl">
+                    <a:srgbClr val="000000">
+                      <a:alpha val="43137"/>
+                    </a:srgbClr>
+                  </a:outerShdw>
+                </a:effectLst>
+              </a:rPr>
+              <a:t/>
+            </a:r>
+            <a:br>
+              <a:rPr lang="en-GB" sz="2400" b="1" dirty="0">
+                <a:solidFill>
+                  <a:srgbClr val="0070C0"/>
+                </a:solidFill>
+                <a:effectLst>
+                  <a:outerShdw blurRad="38100" dist="38100" dir="2700000" algn="tl">
+                    <a:srgbClr val="000000">
+                      <a:alpha val="43137"/>
+                    </a:srgbClr>
+                  </a:outerShdw>
+                </a:effectLst>
               </a:rPr>
             </a:br>
             <a:endParaRPr lang="en-US" sz="2400" b="1" dirty="0">
               <a:solidFill>
-                <a:schemeClr val="accent1">
-                  <a:lumMod val="50000"/>
-                </a:schemeClr>
+                <a:srgbClr val="0070C0"/>
               </a:solidFill>
               <a:effectLst>
                 <a:outerShdw blurRad="38100" dist="38100" dir="2700000" algn="tl">
@@ -8628,7 +9492,7 @@
         </p:nvSpPr>
         <p:spPr>
           <a:xfrm>
-            <a:off x="827584" y="1268760"/>
+            <a:off x="827584" y="1196752"/>
             <a:ext cx="7520940" cy="3888432"/>
           </a:xfrm>
         </p:spPr>
@@ -8638,44 +9502,14 @@
           </a:bodyPr>
           <a:lstStyle/>
           <a:p>
-            <a:pPr marL="0" indent="0"/>
-            <a:r>
-              <a:rPr lang="en-GB" sz="2400" dirty="0" smtClean="0">
-                <a:solidFill>
-                  <a:schemeClr val="accent3">
-                    <a:lumMod val="75000"/>
-                  </a:schemeClr>
-                </a:solidFill>
-              </a:rPr>
-              <a:t>// Some UI screenshots if applicable </a:t>
-            </a:r>
-          </a:p>
-          <a:p>
-            <a:pPr marL="0" indent="0"/>
-            <a:r>
-              <a:rPr lang="en-GB" sz="2400" dirty="0">
-                <a:solidFill>
-                  <a:schemeClr val="accent3">
-                    <a:lumMod val="75000"/>
-                  </a:schemeClr>
-                </a:solidFill>
-              </a:rPr>
-              <a:t>// Some UI screenshots if applicable </a:t>
-            </a:r>
-          </a:p>
-          <a:p>
-            <a:pPr marL="0" indent="0"/>
-            <a:r>
-              <a:rPr lang="en-GB" sz="2400" dirty="0">
-                <a:solidFill>
-                  <a:schemeClr val="accent3">
-                    <a:lumMod val="75000"/>
-                  </a:schemeClr>
-                </a:solidFill>
-              </a:rPr>
-              <a:t> </a:t>
-            </a:r>
-            <a:endParaRPr lang="en-US" sz="2400" dirty="0">
+            <a:pPr marL="0" indent="0">
+              <a:buClr>
+                <a:schemeClr val="tx2">
+                  <a:lumMod val="50000"/>
+                </a:schemeClr>
+              </a:buClr>
+            </a:pPr>
+            <a:endParaRPr lang="en-GB" sz="2400" dirty="0">
               <a:solidFill>
                 <a:schemeClr val="accent3">
                   <a:lumMod val="75000"/>
@@ -8686,38 +9520,15 @@
           <a:p>
             <a:pPr marL="0" indent="0"/>
             <a:r>
-              <a:rPr lang="en-GB" sz="2400" dirty="0">
+              <a:rPr lang="en-GB" sz="2400" dirty="0" smtClean="0">
                 <a:solidFill>
                   <a:schemeClr val="accent3">
                     <a:lumMod val="75000"/>
                   </a:schemeClr>
                 </a:solidFill>
               </a:rPr>
-              <a:t>// Some UI screenshots if applicable </a:t>
-            </a:r>
-          </a:p>
-          <a:p>
-            <a:pPr marL="0" indent="0"/>
-            <a:r>
-              <a:rPr lang="en-GB" sz="2400" dirty="0">
-                <a:solidFill>
-                  <a:schemeClr val="accent3">
-                    <a:lumMod val="75000"/>
-                  </a:schemeClr>
-                </a:solidFill>
-              </a:rPr>
               <a:t> </a:t>
             </a:r>
-            <a:endParaRPr lang="en-US" sz="2400" dirty="0">
-              <a:solidFill>
-                <a:schemeClr val="accent3">
-                  <a:lumMod val="75000"/>
-                </a:schemeClr>
-              </a:solidFill>
-            </a:endParaRPr>
-          </a:p>
-          <a:p>
-            <a:pPr marL="0" indent="0"/>
             <a:endParaRPr lang="en-US" sz="2400" dirty="0">
               <a:solidFill>
                 <a:schemeClr val="accent3">
@@ -8794,6 +9605,891 @@
       </p:pic>
       <p:pic>
         <p:nvPicPr>
+          <p:cNvPr id="4" name="Picture 3"/>
+          <p:cNvPicPr>
+            <a:picLocks noChangeAspect="1"/>
+          </p:cNvPicPr>
+          <p:nvPr/>
+        </p:nvPicPr>
+        <p:blipFill>
+          <a:blip r:embed="rId3">
+            <a:extLst>
+              <a:ext uri="{28A0092B-C50C-407E-A947-70E740481C1C}">
+                <a14:useLocalDpi xmlns:a14="http://schemas.microsoft.com/office/drawing/2010/main" val="0"/>
+              </a:ext>
+            </a:extLst>
+          </a:blip>
+          <a:stretch>
+            <a:fillRect/>
+          </a:stretch>
+        </p:blipFill>
+        <p:spPr>
+          <a:xfrm>
+            <a:off x="251520" y="1196752"/>
+            <a:ext cx="3093720" cy="2324100"/>
+          </a:xfrm>
+          <a:prstGeom prst="rect">
+            <a:avLst/>
+          </a:prstGeom>
+        </p:spPr>
+      </p:pic>
+      <p:pic>
+        <p:nvPicPr>
+          <p:cNvPr id="8" name="Picture 7"/>
+          <p:cNvPicPr>
+            <a:picLocks noChangeAspect="1"/>
+          </p:cNvPicPr>
+          <p:nvPr/>
+        </p:nvPicPr>
+        <p:blipFill rotWithShape="1">
+          <a:blip r:embed="rId4">
+            <a:extLst>
+              <a:ext uri="{28A0092B-C50C-407E-A947-70E740481C1C}">
+                <a14:useLocalDpi xmlns:a14="http://schemas.microsoft.com/office/drawing/2010/main" val="0"/>
+              </a:ext>
+            </a:extLst>
+          </a:blip>
+          <a:srcRect t="30909"/>
+          <a:stretch/>
+        </p:blipFill>
+        <p:spPr>
+          <a:xfrm>
+            <a:off x="3923928" y="1142328"/>
+            <a:ext cx="2887980" cy="3706411"/>
+          </a:xfrm>
+          <a:prstGeom prst="rect">
+            <a:avLst/>
+          </a:prstGeom>
+        </p:spPr>
+      </p:pic>
+      <p:pic>
+        <p:nvPicPr>
+          <p:cNvPr id="9" name="Picture 2" descr="Post It, Memos, Notes, Info, Sticky Note, List, Embassy"/>
+          <p:cNvPicPr>
+            <a:picLocks noChangeAspect="1" noChangeArrowheads="1"/>
+          </p:cNvPicPr>
+          <p:nvPr/>
+        </p:nvPicPr>
+        <p:blipFill rotWithShape="1">
+          <a:blip r:embed="rId5">
+            <a:extLst>
+              <a:ext uri="{28A0092B-C50C-407E-A947-70E740481C1C}">
+                <a14:useLocalDpi xmlns:a14="http://schemas.microsoft.com/office/drawing/2010/main" val="0"/>
+              </a:ext>
+            </a:extLst>
+          </a:blip>
+          <a:srcRect l="-115" t="48004" r="66231" b="7348"/>
+          <a:stretch/>
+        </p:blipFill>
+        <p:spPr bwMode="auto">
+          <a:xfrm>
+            <a:off x="5628112" y="3505630"/>
+            <a:ext cx="3498661" cy="3523770"/>
+          </a:xfrm>
+          <a:prstGeom prst="rect">
+            <a:avLst/>
+          </a:prstGeom>
+          <a:noFill/>
+          <a:extLst>
+            <a:ext uri="{909E8E84-426E-40DD-AFC4-6F175D3DCCD1}">
+              <a14:hiddenFill xmlns:a14="http://schemas.microsoft.com/office/drawing/2010/main">
+                <a:solidFill>
+                  <a:srgbClr val="FFFFFF"/>
+                </a:solidFill>
+              </a14:hiddenFill>
+            </a:ext>
+          </a:extLst>
+        </p:spPr>
+      </p:pic>
+      <p:sp>
+        <p:nvSpPr>
+          <p:cNvPr id="11" name="TextBox 10"/>
+          <p:cNvSpPr txBox="1"/>
+          <p:nvPr/>
+        </p:nvSpPr>
+        <p:spPr>
+          <a:xfrm rot="195751">
+            <a:off x="6328858" y="4725446"/>
+            <a:ext cx="2452347" cy="1077218"/>
+          </a:xfrm>
+          <a:prstGeom prst="rect">
+            <a:avLst/>
+          </a:prstGeom>
+          <a:noFill/>
+        </p:spPr>
+        <p:txBody>
+          <a:bodyPr wrap="square" rtlCol="0">
+            <a:spAutoFit/>
+          </a:bodyPr>
+          <a:lstStyle/>
+          <a:p>
+            <a:pPr algn="ctr"/>
+            <a:r>
+              <a:rPr lang="en-US" sz="3200" b="1" dirty="0" smtClean="0">
+                <a:effectLst>
+                  <a:outerShdw blurRad="38100" dist="38100" dir="2700000" algn="tl">
+                    <a:srgbClr val="000000">
+                      <a:alpha val="43137"/>
+                    </a:srgbClr>
+                  </a:outerShdw>
+                </a:effectLst>
+                <a:latin typeface="Segoe Script" panose="030B0504020000000003" pitchFamily="66" charset="0"/>
+              </a:rPr>
+              <a:t>What’s in</a:t>
+            </a:r>
+          </a:p>
+          <a:p>
+            <a:pPr algn="ctr"/>
+            <a:r>
+              <a:rPr lang="en-US" sz="3200" b="1" dirty="0">
+                <a:effectLst>
+                  <a:outerShdw blurRad="38100" dist="38100" dir="2700000" algn="tl">
+                    <a:srgbClr val="000000">
+                      <a:alpha val="43137"/>
+                    </a:srgbClr>
+                  </a:outerShdw>
+                </a:effectLst>
+                <a:latin typeface="Segoe Script" panose="030B0504020000000003" pitchFamily="66" charset="0"/>
+              </a:rPr>
+              <a:t>t</a:t>
+            </a:r>
+            <a:r>
+              <a:rPr lang="en-US" sz="3200" b="1" dirty="0" smtClean="0">
+                <a:effectLst>
+                  <a:outerShdw blurRad="38100" dist="38100" dir="2700000" algn="tl">
+                    <a:srgbClr val="000000">
+                      <a:alpha val="43137"/>
+                    </a:srgbClr>
+                  </a:outerShdw>
+                </a:effectLst>
+                <a:latin typeface="Segoe Script" panose="030B0504020000000003" pitchFamily="66" charset="0"/>
+              </a:rPr>
+              <a:t>he Menu</a:t>
+            </a:r>
+            <a:r>
+              <a:rPr lang="en-US" sz="3200" b="1" dirty="0" smtClean="0">
+                <a:effectLst>
+                  <a:outerShdw blurRad="38100" dist="38100" dir="2700000" algn="tl">
+                    <a:srgbClr val="000000">
+                      <a:alpha val="43137"/>
+                    </a:srgbClr>
+                  </a:outerShdw>
+                </a:effectLst>
+                <a:latin typeface="Segoe Script" panose="030B0504020000000003" pitchFamily="66" charset="0"/>
+              </a:rPr>
+              <a:t> </a:t>
+            </a:r>
+          </a:p>
+        </p:txBody>
+      </p:sp>
+    </p:spTree>
+    <p:extLst>
+      <p:ext uri="{BB962C8B-B14F-4D97-AF65-F5344CB8AC3E}">
+        <p14:creationId xmlns:p14="http://schemas.microsoft.com/office/powerpoint/2010/main" val="232658606"/>
+      </p:ext>
+    </p:extLst>
+  </p:cSld>
+  <p:clrMapOvr>
+    <a:masterClrMapping/>
+  </p:clrMapOvr>
+  <p:timing>
+    <p:tnLst>
+      <p:par>
+        <p:cTn id="1" dur="indefinite" restart="never" nodeType="tmRoot"/>
+      </p:par>
+    </p:tnLst>
+  </p:timing>
+</p:sld>
+</file>
+
+<file path=ppt/slides/slide8.xml><?xml version="1.0" encoding="utf-8"?>
+<p:sld xmlns:a="http://schemas.openxmlformats.org/drawingml/2006/main" xmlns:r="http://schemas.openxmlformats.org/officeDocument/2006/relationships" xmlns:p="http://schemas.openxmlformats.org/presentationml/2006/main">
+  <p:cSld>
+    <p:spTree>
+      <p:nvGrpSpPr>
+        <p:cNvPr id="1" name=""/>
+        <p:cNvGrpSpPr/>
+        <p:nvPr/>
+      </p:nvGrpSpPr>
+      <p:grpSpPr>
+        <a:xfrm>
+          <a:off x="0" y="0"/>
+          <a:ext cx="0" cy="0"/>
+          <a:chOff x="0" y="0"/>
+          <a:chExt cx="0" cy="0"/>
+        </a:xfrm>
+      </p:grpSpPr>
+      <p:pic>
+        <p:nvPicPr>
+          <p:cNvPr id="13" name="Content Placeholder 12"/>
+          <p:cNvPicPr>
+            <a:picLocks noGrp="1" noChangeAspect="1"/>
+          </p:cNvPicPr>
+          <p:nvPr>
+            <p:ph idx="1"/>
+          </p:nvPr>
+        </p:nvPicPr>
+        <p:blipFill rotWithShape="1">
+          <a:blip r:embed="rId2">
+            <a:extLst>
+              <a:ext uri="{28A0092B-C50C-407E-A947-70E740481C1C}">
+                <a14:useLocalDpi xmlns:a14="http://schemas.microsoft.com/office/drawing/2010/main" val="0"/>
+              </a:ext>
+            </a:extLst>
+          </a:blip>
+          <a:srcRect t="25585" b="15612"/>
+          <a:stretch/>
+        </p:blipFill>
+        <p:spPr>
+          <a:xfrm>
+            <a:off x="4139952" y="1340768"/>
+            <a:ext cx="2880320" cy="3112292"/>
+          </a:xfrm>
+        </p:spPr>
+      </p:pic>
+      <p:sp>
+        <p:nvSpPr>
+          <p:cNvPr id="2" name="Title 1"/>
+          <p:cNvSpPr>
+            <a:spLocks noGrp="1"/>
+          </p:cNvSpPr>
+          <p:nvPr>
+            <p:ph type="title"/>
+          </p:nvPr>
+        </p:nvSpPr>
+        <p:spPr/>
+        <p:txBody>
+          <a:bodyPr/>
+          <a:lstStyle/>
+          <a:p>
+            <a:pPr algn="r"/>
+            <a:r>
+              <a:rPr lang="en-GB" sz="2400" b="1" dirty="0">
+                <a:solidFill>
+                  <a:schemeClr val="accent1">
+                    <a:lumMod val="50000"/>
+                  </a:schemeClr>
+                </a:solidFill>
+              </a:rPr>
+              <a:t>MAKE a NOTE  in REMIND.ME </a:t>
+            </a:r>
+            <a:r>
+              <a:rPr lang="en-GB" sz="2400" b="1" dirty="0" smtClean="0">
+                <a:solidFill>
+                  <a:schemeClr val="accent1">
+                    <a:lumMod val="50000"/>
+                  </a:schemeClr>
+                </a:solidFill>
+              </a:rPr>
+              <a:t/>
+            </a:r>
+            <a:br>
+              <a:rPr lang="en-GB" sz="2400" b="1" dirty="0" smtClean="0">
+                <a:solidFill>
+                  <a:schemeClr val="accent1">
+                    <a:lumMod val="50000"/>
+                  </a:schemeClr>
+                </a:solidFill>
+              </a:rPr>
+            </a:br>
+            <a:r>
+              <a:rPr lang="en-GB" sz="2400" b="1" dirty="0" smtClean="0">
+                <a:solidFill>
+                  <a:schemeClr val="accent1">
+                    <a:lumMod val="50000"/>
+                  </a:schemeClr>
+                </a:solidFill>
+              </a:rPr>
+              <a:t>to MAKE </a:t>
+            </a:r>
+            <a:r>
+              <a:rPr lang="en-GB" sz="2400" b="1" dirty="0">
+                <a:solidFill>
+                  <a:schemeClr val="accent1">
+                    <a:lumMod val="50000"/>
+                  </a:schemeClr>
+                </a:solidFill>
+              </a:rPr>
+              <a:t>THE  MOST of your </a:t>
+            </a:r>
+            <a:r>
+              <a:rPr lang="en-GB" sz="2400" b="1" dirty="0" smtClean="0">
+                <a:solidFill>
+                  <a:schemeClr val="accent1">
+                    <a:lumMod val="50000"/>
+                  </a:schemeClr>
+                </a:solidFill>
+              </a:rPr>
+              <a:t>day</a:t>
+            </a:r>
+            <a:r>
+              <a:rPr lang="en-GB" sz="2400" b="1" dirty="0">
+                <a:solidFill>
+                  <a:schemeClr val="accent1">
+                    <a:lumMod val="50000"/>
+                  </a:schemeClr>
+                </a:solidFill>
+              </a:rPr>
+              <a:t/>
+            </a:r>
+            <a:br>
+              <a:rPr lang="en-GB" sz="2400" b="1" dirty="0">
+                <a:solidFill>
+                  <a:schemeClr val="accent1">
+                    <a:lumMod val="50000"/>
+                  </a:schemeClr>
+                </a:solidFill>
+              </a:rPr>
+            </a:br>
+            <a:endParaRPr lang="en-US" sz="2400" b="1" dirty="0">
+              <a:solidFill>
+                <a:schemeClr val="accent1">
+                  <a:lumMod val="50000"/>
+                </a:schemeClr>
+              </a:solidFill>
+              <a:effectLst>
+                <a:outerShdw blurRad="38100" dist="38100" dir="2700000" algn="tl">
+                  <a:srgbClr val="000000">
+                    <a:alpha val="43137"/>
+                  </a:srgbClr>
+                </a:outerShdw>
+              </a:effectLst>
+            </a:endParaRPr>
+          </a:p>
+        </p:txBody>
+      </p:sp>
+      <p:pic>
+        <p:nvPicPr>
+          <p:cNvPr id="3074" name="Picture 2"/>
+          <p:cNvPicPr>
+            <a:picLocks noChangeAspect="1" noChangeArrowheads="1"/>
+          </p:cNvPicPr>
+          <p:nvPr/>
+        </p:nvPicPr>
+        <p:blipFill>
+          <a:blip r:embed="rId3">
+            <a:extLst>
+              <a:ext uri="{28A0092B-C50C-407E-A947-70E740481C1C}">
+                <a14:useLocalDpi xmlns:a14="http://schemas.microsoft.com/office/drawing/2010/main" val="0"/>
+              </a:ext>
+            </a:extLst>
+          </a:blip>
+          <a:srcRect/>
+          <a:stretch>
+            <a:fillRect/>
+          </a:stretch>
+        </p:blipFill>
+        <p:spPr bwMode="auto">
+          <a:xfrm>
+            <a:off x="1" y="5087404"/>
+            <a:ext cx="6381328" cy="1770596"/>
+          </a:xfrm>
+          <a:prstGeom prst="rect">
+            <a:avLst/>
+          </a:prstGeom>
+          <a:noFill/>
+          <a:ln>
+            <a:noFill/>
+          </a:ln>
+          <a:effectLst/>
+          <a:extLst>
+            <a:ext uri="{909E8E84-426E-40DD-AFC4-6F175D3DCCD1}">
+              <a14:hiddenFill xmlns:a14="http://schemas.microsoft.com/office/drawing/2010/main">
+                <a:solidFill>
+                  <a:schemeClr val="accent1"/>
+                </a:solidFill>
+              </a14:hiddenFill>
+            </a:ext>
+            <a:ext uri="{91240B29-F687-4F45-9708-019B960494DF}">
+              <a14:hiddenLine xmlns:a14="http://schemas.microsoft.com/office/drawing/2010/main" w="9525">
+                <a:solidFill>
+                  <a:schemeClr val="tx1"/>
+                </a:solidFill>
+                <a:miter lim="800000"/>
+                <a:headEnd/>
+                <a:tailEnd/>
+              </a14:hiddenLine>
+            </a:ext>
+            <a:ext uri="{AF507438-7753-43E0-B8FC-AC1667EBCBE1}">
+              <a14:hiddenEffects xmlns:a14="http://schemas.microsoft.com/office/drawing/2010/main">
+                <a:effectLst>
+                  <a:outerShdw dist="35921" dir="2700000" algn="ctr" rotWithShape="0">
+                    <a:schemeClr val="bg2"/>
+                  </a:outerShdw>
+                </a:effectLst>
+              </a14:hiddenEffects>
+            </a:ext>
+          </a:extLst>
+        </p:spPr>
+      </p:pic>
+      <p:grpSp>
+        <p:nvGrpSpPr>
+          <p:cNvPr id="10" name="Group 9"/>
+          <p:cNvGrpSpPr/>
+          <p:nvPr/>
+        </p:nvGrpSpPr>
+        <p:grpSpPr>
+          <a:xfrm>
+            <a:off x="5973102" y="3701771"/>
+            <a:ext cx="3049213" cy="2771268"/>
+            <a:chOff x="5973102" y="3701771"/>
+            <a:chExt cx="3049213" cy="2771268"/>
+          </a:xfrm>
+        </p:grpSpPr>
+        <p:pic>
+          <p:nvPicPr>
+            <p:cNvPr id="11" name="Picture 2" descr="Post It, Memos, Notes, Info, Sticky Note, List, Embassy"/>
+            <p:cNvPicPr>
+              <a:picLocks noChangeAspect="1" noChangeArrowheads="1"/>
+            </p:cNvPicPr>
+            <p:nvPr/>
+          </p:nvPicPr>
+          <p:blipFill rotWithShape="1">
+            <a:blip r:embed="rId4">
+              <a:extLst>
+                <a:ext uri="{28A0092B-C50C-407E-A947-70E740481C1C}">
+                  <a14:useLocalDpi xmlns:a14="http://schemas.microsoft.com/office/drawing/2010/main" val="0"/>
+                </a:ext>
+              </a:extLst>
+            </a:blip>
+            <a:srcRect l="35786" t="50572" r="35383" b="9709"/>
+            <a:stretch/>
+          </p:blipFill>
+          <p:spPr bwMode="auto">
+            <a:xfrm rot="21348762">
+              <a:off x="6181830" y="3701771"/>
+              <a:ext cx="2631759" cy="2771268"/>
+            </a:xfrm>
+            <a:prstGeom prst="rect">
+              <a:avLst/>
+            </a:prstGeom>
+            <a:noFill/>
+            <a:extLst>
+              <a:ext uri="{909E8E84-426E-40DD-AFC4-6F175D3DCCD1}">
+                <a14:hiddenFill xmlns:a14="http://schemas.microsoft.com/office/drawing/2010/main">
+                  <a:solidFill>
+                    <a:srgbClr val="FFFFFF"/>
+                  </a:solidFill>
+                </a14:hiddenFill>
+              </a:ext>
+            </a:extLst>
+          </p:spPr>
+        </p:pic>
+        <p:sp>
+          <p:nvSpPr>
+            <p:cNvPr id="12" name="TextBox 11"/>
+            <p:cNvSpPr txBox="1"/>
+            <p:nvPr/>
+          </p:nvSpPr>
+          <p:spPr>
+            <a:xfrm>
+              <a:off x="5973102" y="4298320"/>
+              <a:ext cx="3049213" cy="954107"/>
+            </a:xfrm>
+            <a:prstGeom prst="rect">
+              <a:avLst/>
+            </a:prstGeom>
+            <a:noFill/>
+          </p:spPr>
+          <p:txBody>
+            <a:bodyPr wrap="square" rtlCol="0">
+              <a:spAutoFit/>
+            </a:bodyPr>
+            <a:lstStyle/>
+            <a:p>
+              <a:r>
+                <a:rPr lang="en-US" sz="2800" b="1" spc="-150" dirty="0">
+                  <a:effectLst>
+                    <a:outerShdw blurRad="38100" dist="38100" dir="2700000" algn="tl">
+                      <a:srgbClr val="000000">
+                        <a:alpha val="43137"/>
+                      </a:srgbClr>
+                    </a:outerShdw>
+                  </a:effectLst>
+                  <a:latin typeface="Segoe Script" panose="030B0504020000000003" pitchFamily="66" charset="0"/>
+                </a:rPr>
+                <a:t> </a:t>
+              </a:r>
+              <a:r>
+                <a:rPr lang="en-US" sz="2800" b="1" spc="-150" dirty="0" smtClean="0">
+                  <a:effectLst>
+                    <a:outerShdw blurRad="38100" dist="38100" dir="2700000" algn="tl">
+                      <a:srgbClr val="000000">
+                        <a:alpha val="43137"/>
+                      </a:srgbClr>
+                    </a:outerShdw>
+                  </a:effectLst>
+                  <a:latin typeface="Segoe Script" panose="030B0504020000000003" pitchFamily="66" charset="0"/>
+                </a:rPr>
+                <a:t>  </a:t>
+              </a:r>
+            </a:p>
+            <a:p>
+              <a:r>
+                <a:rPr lang="en-US" sz="2800" b="1" spc="-150" dirty="0">
+                  <a:effectLst>
+                    <a:outerShdw blurRad="38100" dist="38100" dir="2700000" algn="tl">
+                      <a:srgbClr val="000000">
+                        <a:alpha val="43137"/>
+                      </a:srgbClr>
+                    </a:outerShdw>
+                  </a:effectLst>
+                  <a:latin typeface="Segoe Script" panose="030B0504020000000003" pitchFamily="66" charset="0"/>
+                </a:rPr>
+                <a:t>	</a:t>
+              </a:r>
+              <a:endParaRPr lang="en-US" sz="3600" dirty="0" smtClean="0">
+                <a:effectLst>
+                  <a:outerShdw blurRad="38100" dist="38100" dir="2700000" algn="tl">
+                    <a:srgbClr val="000000">
+                      <a:alpha val="43137"/>
+                    </a:srgbClr>
+                  </a:outerShdw>
+                </a:effectLst>
+                <a:latin typeface="Segoe Script" panose="030B0504020000000003" pitchFamily="66" charset="0"/>
+              </a:endParaRPr>
+            </a:p>
+          </p:txBody>
+        </p:sp>
+      </p:grpSp>
+      <p:sp>
+        <p:nvSpPr>
+          <p:cNvPr id="4" name="Rectangle 3"/>
+          <p:cNvSpPr/>
+          <p:nvPr/>
+        </p:nvSpPr>
+        <p:spPr>
+          <a:xfrm>
+            <a:off x="6444206" y="4758062"/>
+            <a:ext cx="2107004" cy="954107"/>
+          </a:xfrm>
+          <a:prstGeom prst="rect">
+            <a:avLst/>
+          </a:prstGeom>
+        </p:spPr>
+        <p:txBody>
+          <a:bodyPr wrap="square">
+            <a:spAutoFit/>
+          </a:bodyPr>
+          <a:lstStyle/>
+          <a:p>
+            <a:pPr algn="ctr"/>
+            <a:r>
+              <a:rPr lang="en-US" sz="2800" b="1" dirty="0">
+                <a:effectLst>
+                  <a:outerShdw blurRad="38100" dist="38100" dir="2700000" algn="tl">
+                    <a:srgbClr val="000000">
+                      <a:alpha val="43137"/>
+                    </a:srgbClr>
+                  </a:outerShdw>
+                </a:effectLst>
+                <a:latin typeface="Segoe Script" panose="030B0504020000000003" pitchFamily="66" charset="0"/>
+              </a:rPr>
+              <a:t>What’s in</a:t>
+            </a:r>
+          </a:p>
+          <a:p>
+            <a:pPr algn="ctr"/>
+            <a:r>
+              <a:rPr lang="en-US" sz="2800" b="1" dirty="0">
+                <a:effectLst>
+                  <a:outerShdw blurRad="38100" dist="38100" dir="2700000" algn="tl">
+                    <a:srgbClr val="000000">
+                      <a:alpha val="43137"/>
+                    </a:srgbClr>
+                  </a:outerShdw>
+                </a:effectLst>
+                <a:latin typeface="Segoe Script" panose="030B0504020000000003" pitchFamily="66" charset="0"/>
+              </a:rPr>
+              <a:t>the Menu </a:t>
+            </a:r>
+          </a:p>
+        </p:txBody>
+      </p:sp>
+      <p:pic>
+        <p:nvPicPr>
+          <p:cNvPr id="15" name="Picture 14"/>
+          <p:cNvPicPr>
+            <a:picLocks noChangeAspect="1"/>
+          </p:cNvPicPr>
+          <p:nvPr/>
+        </p:nvPicPr>
+        <p:blipFill>
+          <a:blip r:embed="rId5">
+            <a:extLst>
+              <a:ext uri="{28A0092B-C50C-407E-A947-70E740481C1C}">
+                <a14:useLocalDpi xmlns:a14="http://schemas.microsoft.com/office/drawing/2010/main" val="0"/>
+              </a:ext>
+            </a:extLst>
+          </a:blip>
+          <a:stretch>
+            <a:fillRect/>
+          </a:stretch>
+        </p:blipFill>
+        <p:spPr>
+          <a:xfrm>
+            <a:off x="372319" y="1412776"/>
+            <a:ext cx="3450718" cy="2592288"/>
+          </a:xfrm>
+          <a:prstGeom prst="rect">
+            <a:avLst/>
+          </a:prstGeom>
+        </p:spPr>
+      </p:pic>
+    </p:spTree>
+    <p:extLst>
+      <p:ext uri="{BB962C8B-B14F-4D97-AF65-F5344CB8AC3E}">
+        <p14:creationId xmlns:p14="http://schemas.microsoft.com/office/powerpoint/2010/main" val="777580007"/>
+      </p:ext>
+    </p:extLst>
+  </p:cSld>
+  <p:clrMapOvr>
+    <a:masterClrMapping/>
+  </p:clrMapOvr>
+  <p:timing>
+    <p:tnLst>
+      <p:par>
+        <p:cTn id="1" dur="indefinite" restart="never" nodeType="tmRoot"/>
+      </p:par>
+    </p:tnLst>
+  </p:timing>
+</p:sld>
+</file>
+
+<file path=ppt/slides/slide9.xml><?xml version="1.0" encoding="utf-8"?>
+<p:sld xmlns:a="http://schemas.openxmlformats.org/drawingml/2006/main" xmlns:r="http://schemas.openxmlformats.org/officeDocument/2006/relationships" xmlns:p="http://schemas.openxmlformats.org/presentationml/2006/main">
+  <p:cSld>
+    <p:spTree>
+      <p:nvGrpSpPr>
+        <p:cNvPr id="1" name=""/>
+        <p:cNvGrpSpPr/>
+        <p:nvPr/>
+      </p:nvGrpSpPr>
+      <p:grpSpPr>
+        <a:xfrm>
+          <a:off x="0" y="0"/>
+          <a:ext cx="0" cy="0"/>
+          <a:chOff x="0" y="0"/>
+          <a:chExt cx="0" cy="0"/>
+        </a:xfrm>
+      </p:grpSpPr>
+      <p:pic>
+        <p:nvPicPr>
+          <p:cNvPr id="9" name="Picture 2"/>
+          <p:cNvPicPr>
+            <a:picLocks noChangeAspect="1" noChangeArrowheads="1"/>
+          </p:cNvPicPr>
+          <p:nvPr/>
+        </p:nvPicPr>
+        <p:blipFill rotWithShape="1">
+          <a:blip r:embed="rId3">
+            <a:extLst>
+              <a:ext uri="{28A0092B-C50C-407E-A947-70E740481C1C}">
+                <a14:useLocalDpi xmlns:a14="http://schemas.microsoft.com/office/drawing/2010/main" val="0"/>
+              </a:ext>
+            </a:extLst>
+          </a:blip>
+          <a:srcRect l="24414" t="7251" r="9399" b="14739"/>
+          <a:stretch/>
+        </p:blipFill>
+        <p:spPr bwMode="auto">
+          <a:xfrm>
+            <a:off x="3347864" y="980728"/>
+            <a:ext cx="4968552" cy="3292443"/>
+          </a:xfrm>
+          <a:prstGeom prst="rect">
+            <a:avLst/>
+          </a:prstGeom>
+          <a:ln>
+            <a:noFill/>
+          </a:ln>
+          <a:effectLst>
+            <a:outerShdw blurRad="292100" dist="139700" dir="2700000" algn="tl" rotWithShape="0">
+              <a:srgbClr val="333333">
+                <a:alpha val="65000"/>
+              </a:srgbClr>
+            </a:outerShdw>
+          </a:effectLst>
+          <a:extLst>
+            <a:ext uri="{909E8E84-426E-40DD-AFC4-6F175D3DCCD1}">
+              <a14:hiddenFill xmlns:a14="http://schemas.microsoft.com/office/drawing/2010/main">
+                <a:solidFill>
+                  <a:schemeClr val="accent1"/>
+                </a:solidFill>
+              </a14:hiddenFill>
+            </a:ext>
+            <a:ext uri="{91240B29-F687-4F45-9708-019B960494DF}">
+              <a14:hiddenLine xmlns:a14="http://schemas.microsoft.com/office/drawing/2010/main" w="9525">
+                <a:solidFill>
+                  <a:schemeClr val="tx1"/>
+                </a:solidFill>
+                <a:miter lim="800000"/>
+                <a:headEnd/>
+                <a:tailEnd/>
+              </a14:hiddenLine>
+            </a:ext>
+          </a:extLst>
+        </p:spPr>
+      </p:pic>
+      <p:sp>
+        <p:nvSpPr>
+          <p:cNvPr id="2" name="Title 1"/>
+          <p:cNvSpPr>
+            <a:spLocks noGrp="1"/>
+          </p:cNvSpPr>
+          <p:nvPr>
+            <p:ph type="title"/>
+          </p:nvPr>
+        </p:nvSpPr>
+        <p:spPr/>
+        <p:txBody>
+          <a:bodyPr/>
+          <a:lstStyle/>
+          <a:p>
+            <a:pPr algn="r"/>
+            <a:r>
+              <a:rPr lang="en-GB" sz="2400" b="1" dirty="0">
+                <a:solidFill>
+                  <a:srgbClr val="0070C0"/>
+                </a:solidFill>
+              </a:rPr>
+              <a:t>MAKE a NOTE  in REMIND.ME </a:t>
+            </a:r>
+            <a:r>
+              <a:rPr lang="en-GB" sz="2400" b="1" dirty="0" smtClean="0">
+                <a:solidFill>
+                  <a:srgbClr val="0070C0"/>
+                </a:solidFill>
+              </a:rPr>
+              <a:t/>
+            </a:r>
+            <a:br>
+              <a:rPr lang="en-GB" sz="2400" b="1" dirty="0" smtClean="0">
+                <a:solidFill>
+                  <a:srgbClr val="0070C0"/>
+                </a:solidFill>
+              </a:rPr>
+            </a:br>
+            <a:r>
+              <a:rPr lang="en-GB" sz="2400" b="1" dirty="0" smtClean="0">
+                <a:solidFill>
+                  <a:srgbClr val="0070C0"/>
+                </a:solidFill>
+              </a:rPr>
+              <a:t>to MAKE </a:t>
+            </a:r>
+            <a:r>
+              <a:rPr lang="en-GB" sz="2400" b="1" dirty="0">
+                <a:solidFill>
+                  <a:srgbClr val="0070C0"/>
+                </a:solidFill>
+              </a:rPr>
+              <a:t>THE  MOST of your </a:t>
+            </a:r>
+            <a:r>
+              <a:rPr lang="en-GB" sz="2400" b="1" dirty="0" smtClean="0">
+                <a:solidFill>
+                  <a:srgbClr val="0070C0"/>
+                </a:solidFill>
+              </a:rPr>
+              <a:t>day</a:t>
+            </a:r>
+            <a:r>
+              <a:rPr lang="en-GB" sz="2400" b="1" dirty="0">
+                <a:solidFill>
+                  <a:srgbClr val="0070C0"/>
+                </a:solidFill>
+              </a:rPr>
+              <a:t/>
+            </a:r>
+            <a:br>
+              <a:rPr lang="en-GB" sz="2400" b="1" dirty="0">
+                <a:solidFill>
+                  <a:srgbClr val="0070C0"/>
+                </a:solidFill>
+              </a:rPr>
+            </a:br>
+            <a:endParaRPr lang="en-US" sz="2400" b="1" dirty="0">
+              <a:solidFill>
+                <a:srgbClr val="0070C0"/>
+              </a:solidFill>
+              <a:effectLst>
+                <a:outerShdw blurRad="38100" dist="38100" dir="2700000" algn="tl">
+                  <a:srgbClr val="000000">
+                    <a:alpha val="43137"/>
+                  </a:srgbClr>
+                </a:outerShdw>
+              </a:effectLst>
+            </a:endParaRPr>
+          </a:p>
+        </p:txBody>
+      </p:sp>
+      <p:pic>
+        <p:nvPicPr>
+          <p:cNvPr id="3074" name="Picture 2"/>
+          <p:cNvPicPr>
+            <a:picLocks noChangeAspect="1" noChangeArrowheads="1"/>
+          </p:cNvPicPr>
+          <p:nvPr/>
+        </p:nvPicPr>
+        <p:blipFill>
+          <a:blip r:embed="rId4">
+            <a:extLst>
+              <a:ext uri="{28A0092B-C50C-407E-A947-70E740481C1C}">
+                <a14:useLocalDpi xmlns:a14="http://schemas.microsoft.com/office/drawing/2010/main" val="0"/>
+              </a:ext>
+            </a:extLst>
+          </a:blip>
+          <a:srcRect/>
+          <a:stretch>
+            <a:fillRect/>
+          </a:stretch>
+        </p:blipFill>
+        <p:spPr bwMode="auto">
+          <a:xfrm>
+            <a:off x="2" y="5087405"/>
+            <a:ext cx="6119695" cy="1698493"/>
+          </a:xfrm>
+          <a:prstGeom prst="rect">
+            <a:avLst/>
+          </a:prstGeom>
+          <a:noFill/>
+          <a:ln>
+            <a:noFill/>
+          </a:ln>
+          <a:effectLst/>
+          <a:extLst>
+            <a:ext uri="{909E8E84-426E-40DD-AFC4-6F175D3DCCD1}">
+              <a14:hiddenFill xmlns:a14="http://schemas.microsoft.com/office/drawing/2010/main">
+                <a:solidFill>
+                  <a:schemeClr val="accent1"/>
+                </a:solidFill>
+              </a14:hiddenFill>
+            </a:ext>
+            <a:ext uri="{91240B29-F687-4F45-9708-019B960494DF}">
+              <a14:hiddenLine xmlns:a14="http://schemas.microsoft.com/office/drawing/2010/main" w="9525">
+                <a:solidFill>
+                  <a:schemeClr val="tx1"/>
+                </a:solidFill>
+                <a:miter lim="800000"/>
+                <a:headEnd/>
+                <a:tailEnd/>
+              </a14:hiddenLine>
+            </a:ext>
+            <a:ext uri="{AF507438-7753-43E0-B8FC-AC1667EBCBE1}">
+              <a14:hiddenEffects xmlns:a14="http://schemas.microsoft.com/office/drawing/2010/main">
+                <a:effectLst>
+                  <a:outerShdw dist="35921" dir="2700000" algn="ctr" rotWithShape="0">
+                    <a:schemeClr val="bg2"/>
+                  </a:outerShdw>
+                </a:effectLst>
+              </a14:hiddenEffects>
+            </a:ext>
+          </a:extLst>
+        </p:spPr>
+      </p:pic>
+      <p:pic>
+        <p:nvPicPr>
           <p:cNvPr id="6" name="Picture 2" descr="Post It, Memos, Notes, Info, Sticky Note, List, Embassy"/>
           <p:cNvPicPr>
             <a:picLocks noChangeAspect="1" noChangeArrowheads="1"/>
@@ -8801,7 +10497,7 @@
           <p:nvPr/>
         </p:nvPicPr>
         <p:blipFill rotWithShape="1">
-          <a:blip r:embed="rId3">
+          <a:blip r:embed="rId5">
             <a:extLst>
               <a:ext uri="{28A0092B-C50C-407E-A947-70E740481C1C}">
                 <a14:useLocalDpi xmlns:a14="http://schemas.microsoft.com/office/drawing/2010/main" val="0"/>
@@ -8910,6 +10606,108 @@
           </a:p>
         </p:txBody>
       </p:sp>
+      <p:pic>
+        <p:nvPicPr>
+          <p:cNvPr id="1026" name="Picture 2" descr="Slide 3 of 16: $649 BUY NOWThe waterproof HTC U11 adds a whole new level of interactivity to the smartphone game thanks to its squeezable metal frame, which allows you to quickly and seamlessly launch apps and perform tasks of your choosing. A powerful chipset, a sharp display, eye-grabbing looks, and a fantastic camera make the phone one of the best high-end options worth your attention.More: Read Our In-Depth HTC U11 Review"/>
+          <p:cNvPicPr>
+            <a:picLocks noChangeAspect="1" noChangeArrowheads="1"/>
+          </p:cNvPicPr>
+          <p:nvPr/>
+        </p:nvPicPr>
+        <p:blipFill rotWithShape="1">
+          <a:blip r:embed="rId6">
+            <a:extLst>
+              <a:ext uri="{28A0092B-C50C-407E-A947-70E740481C1C}">
+                <a14:useLocalDpi xmlns:a14="http://schemas.microsoft.com/office/drawing/2010/main" val="0"/>
+              </a:ext>
+            </a:extLst>
+          </a:blip>
+          <a:srcRect l="7607" t="9453" r="47140" b="7184"/>
+          <a:stretch/>
+        </p:blipFill>
+        <p:spPr bwMode="auto">
+          <a:xfrm>
+            <a:off x="448609" y="188640"/>
+            <a:ext cx="2611240" cy="4810179"/>
+          </a:xfrm>
+          <a:prstGeom prst="rect">
+            <a:avLst/>
+          </a:prstGeom>
+          <a:ln>
+            <a:noFill/>
+          </a:ln>
+          <a:effectLst>
+            <a:softEdge rad="112500"/>
+          </a:effectLst>
+          <a:extLst>
+            <a:ext uri="{909E8E84-426E-40DD-AFC4-6F175D3DCCD1}">
+              <a14:hiddenFill xmlns:a14="http://schemas.microsoft.com/office/drawing/2010/main">
+                <a:solidFill>
+                  <a:srgbClr val="FFFFFF"/>
+                </a:solidFill>
+              </a14:hiddenFill>
+            </a:ext>
+          </a:extLst>
+        </p:spPr>
+      </p:pic>
+      <p:pic>
+        <p:nvPicPr>
+          <p:cNvPr id="1027" name="Picture 3"/>
+          <p:cNvPicPr>
+            <a:picLocks noChangeAspect="1" noChangeArrowheads="1"/>
+          </p:cNvPicPr>
+          <p:nvPr/>
+        </p:nvPicPr>
+        <p:blipFill rotWithShape="1">
+          <a:blip r:embed="rId7">
+            <a:extLst>
+              <a:ext uri="{28A0092B-C50C-407E-A947-70E740481C1C}">
+                <a14:useLocalDpi xmlns:a14="http://schemas.microsoft.com/office/drawing/2010/main" val="0"/>
+              </a:ext>
+            </a:extLst>
+          </a:blip>
+          <a:srcRect l="26675" t="12873" r="49742" b="12559"/>
+          <a:stretch/>
+        </p:blipFill>
+        <p:spPr bwMode="auto">
+          <a:xfrm>
+            <a:off x="740782" y="683601"/>
+            <a:ext cx="2026893" cy="3603259"/>
+          </a:xfrm>
+          <a:prstGeom prst="rect">
+            <a:avLst/>
+          </a:prstGeom>
+          <a:ln>
+            <a:noFill/>
+          </a:ln>
+          <a:effectLst>
+            <a:outerShdw blurRad="292100" dist="139700" dir="2700000" algn="tl" rotWithShape="0">
+              <a:srgbClr val="333333">
+                <a:alpha val="65000"/>
+              </a:srgbClr>
+            </a:outerShdw>
+          </a:effectLst>
+          <a:extLst>
+            <a:ext uri="{909E8E84-426E-40DD-AFC4-6F175D3DCCD1}">
+              <a14:hiddenFill xmlns:a14="http://schemas.microsoft.com/office/drawing/2010/main">
+                <a:solidFill>
+                  <a:schemeClr val="accent1"/>
+                </a:solidFill>
+              </a14:hiddenFill>
+            </a:ext>
+            <a:ext uri="{91240B29-F687-4F45-9708-019B960494DF}">
+              <a14:hiddenLine xmlns:a14="http://schemas.microsoft.com/office/drawing/2010/main" w="9525">
+                <a:solidFill>
+                  <a:schemeClr val="tx1"/>
+                </a:solidFill>
+                <a:miter lim="800000"/>
+                <a:headEnd/>
+                <a:tailEnd/>
+              </a14:hiddenLine>
+            </a:ext>
+          </a:extLst>
+        </p:spPr>
+      </p:pic>
     </p:spTree>
     <p:extLst>
       <p:ext uri="{BB962C8B-B14F-4D97-AF65-F5344CB8AC3E}">
@@ -9204,4 +11002,289 @@
   <a:objectDefaults/>
   <a:extraClrSchemeLst/>
 </a:theme>
+</file>
+
+<file path=ppt/theme/theme2.xml><?xml version="1.0" encoding="utf-8"?>
+<a:theme xmlns:a="http://schemas.openxmlformats.org/drawingml/2006/main" name="Office Theme">
+  <a:themeElements>
+    <a:clrScheme name="Office">
+      <a:dk1>
+        <a:sysClr val="windowText" lastClr="000000"/>
+      </a:dk1>
+      <a:lt1>
+        <a:sysClr val="window" lastClr="FFFFFF"/>
+      </a:lt1>
+      <a:dk2>
+        <a:srgbClr val="1F497D"/>
+      </a:dk2>
+      <a:lt2>
+        <a:srgbClr val="EEECE1"/>
+      </a:lt2>
+      <a:accent1>
+        <a:srgbClr val="4F81BD"/>
+      </a:accent1>
+      <a:accent2>
+        <a:srgbClr val="C0504D"/>
+      </a:accent2>
+      <a:accent3>
+        <a:srgbClr val="9BBB59"/>
+      </a:accent3>
+      <a:accent4>
+        <a:srgbClr val="8064A2"/>
+      </a:accent4>
+      <a:accent5>
+        <a:srgbClr val="4BACC6"/>
+      </a:accent5>
+      <a:accent6>
+        <a:srgbClr val="F79646"/>
+      </a:accent6>
+      <a:hlink>
+        <a:srgbClr val="0000FF"/>
+      </a:hlink>
+      <a:folHlink>
+        <a:srgbClr val="800080"/>
+      </a:folHlink>
+    </a:clrScheme>
+    <a:fontScheme name="Office">
+      <a:majorFont>
+        <a:latin typeface="Calibri"/>
+        <a:ea typeface=""/>
+        <a:cs typeface=""/>
+        <a:font script="Jpan" typeface="ＭＳ Ｐゴシック"/>
+        <a:font script="Hang" typeface="맑은 고딕"/>
+        <a:font script="Hans" typeface="宋体"/>
+        <a:font script="Hant" typeface="新細明體"/>
+        <a:font script="Arab" typeface="Times New Roman"/>
+        <a:font script="Hebr" typeface="Times New Roman"/>
+        <a:font script="Thai" typeface="Angsana New"/>
+        <a:font script="Ethi" typeface="Nyala"/>
+        <a:font script="Beng" typeface="Vrinda"/>
+        <a:font script="Gujr" typeface="Shruti"/>
+        <a:font script="Khmr" typeface="MoolBoran"/>
+        <a:font script="Knda" typeface="Tunga"/>
+        <a:font script="Guru" typeface="Raavi"/>
+        <a:font script="Cans" typeface="Euphemia"/>
+        <a:font script="Cher" typeface="Plantagenet Cherokee"/>
+        <a:font script="Yiii" typeface="Microsoft Yi Baiti"/>
+        <a:font script="Tibt" typeface="Microsoft Himalaya"/>
+        <a:font script="Thaa" typeface="MV Boli"/>
+        <a:font script="Deva" typeface="Mangal"/>
+        <a:font script="Telu" typeface="Gautami"/>
+        <a:font script="Taml" typeface="Latha"/>
+        <a:font script="Syrc" typeface="Estrangelo Edessa"/>
+        <a:font script="Orya" typeface="Kalinga"/>
+        <a:font script="Mlym" typeface="Kartika"/>
+        <a:font script="Laoo" typeface="DokChampa"/>
+        <a:font script="Sinh" typeface="Iskoola Pota"/>
+        <a:font script="Mong" typeface="Mongolian Baiti"/>
+        <a:font script="Viet" typeface="Times New Roman"/>
+        <a:font script="Uigh" typeface="Microsoft Uighur"/>
+        <a:font script="Geor" typeface="Sylfaen"/>
+      </a:majorFont>
+      <a:minorFont>
+        <a:latin typeface="Calibri"/>
+        <a:ea typeface=""/>
+        <a:cs typeface=""/>
+        <a:font script="Jpan" typeface="ＭＳ Ｐゴシック"/>
+        <a:font script="Hang" typeface="맑은 고딕"/>
+        <a:font script="Hans" typeface="宋体"/>
+        <a:font script="Hant" typeface="新細明體"/>
+        <a:font script="Arab" typeface="Arial"/>
+        <a:font script="Hebr" typeface="Arial"/>
+        <a:font script="Thai" typeface="Cordia New"/>
+        <a:font script="Ethi" typeface="Nyala"/>
+        <a:font script="Beng" typeface="Vrinda"/>
+        <a:font script="Gujr" typeface="Shruti"/>
+        <a:font script="Khmr" typeface="DaunPenh"/>
+        <a:font script="Knda" typeface="Tunga"/>
+        <a:font script="Guru" typeface="Raavi"/>
+        <a:font script="Cans" typeface="Euphemia"/>
+        <a:font script="Cher" typeface="Plantagenet Cherokee"/>
+        <a:font script="Yiii" typeface="Microsoft Yi Baiti"/>
+        <a:font script="Tibt" typeface="Microsoft Himalaya"/>
+        <a:font script="Thaa" typeface="MV Boli"/>
+        <a:font script="Deva" typeface="Mangal"/>
+        <a:font script="Telu" typeface="Gautami"/>
+        <a:font script="Taml" typeface="Latha"/>
+        <a:font script="Syrc" typeface="Estrangelo Edessa"/>
+        <a:font script="Orya" typeface="Kalinga"/>
+        <a:font script="Mlym" typeface="Kartika"/>
+        <a:font script="Laoo" typeface="DokChampa"/>
+        <a:font script="Sinh" typeface="Iskoola Pota"/>
+        <a:font script="Mong" typeface="Mongolian Baiti"/>
+        <a:font script="Viet" typeface="Arial"/>
+        <a:font script="Uigh" typeface="Microsoft Uighur"/>
+        <a:font script="Geor" typeface="Sylfaen"/>
+      </a:minorFont>
+    </a:fontScheme>
+    <a:fmtScheme name="Office">
+      <a:fillStyleLst>
+        <a:solidFill>
+          <a:schemeClr val="phClr"/>
+        </a:solidFill>
+        <a:gradFill rotWithShape="1">
+          <a:gsLst>
+            <a:gs pos="0">
+              <a:schemeClr val="phClr">
+                <a:tint val="50000"/>
+                <a:satMod val="300000"/>
+              </a:schemeClr>
+            </a:gs>
+            <a:gs pos="35000">
+              <a:schemeClr val="phClr">
+                <a:tint val="37000"/>
+                <a:satMod val="300000"/>
+              </a:schemeClr>
+            </a:gs>
+            <a:gs pos="100000">
+              <a:schemeClr val="phClr">
+                <a:tint val="15000"/>
+                <a:satMod val="350000"/>
+              </a:schemeClr>
+            </a:gs>
+          </a:gsLst>
+          <a:lin ang="16200000" scaled="1"/>
+        </a:gradFill>
+        <a:gradFill rotWithShape="1">
+          <a:gsLst>
+            <a:gs pos="0">
+              <a:schemeClr val="phClr">
+                <a:shade val="51000"/>
+                <a:satMod val="130000"/>
+              </a:schemeClr>
+            </a:gs>
+            <a:gs pos="80000">
+              <a:schemeClr val="phClr">
+                <a:shade val="93000"/>
+                <a:satMod val="130000"/>
+              </a:schemeClr>
+            </a:gs>
+            <a:gs pos="100000">
+              <a:schemeClr val="phClr">
+                <a:shade val="94000"/>
+                <a:satMod val="135000"/>
+              </a:schemeClr>
+            </a:gs>
+          </a:gsLst>
+          <a:lin ang="16200000" scaled="0"/>
+        </a:gradFill>
+      </a:fillStyleLst>
+      <a:lnStyleLst>
+        <a:ln w="9525" cap="flat" cmpd="sng" algn="ctr">
+          <a:solidFill>
+            <a:schemeClr val="phClr">
+              <a:shade val="95000"/>
+              <a:satMod val="105000"/>
+            </a:schemeClr>
+          </a:solidFill>
+          <a:prstDash val="solid"/>
+        </a:ln>
+        <a:ln w="25400" cap="flat" cmpd="sng" algn="ctr">
+          <a:solidFill>
+            <a:schemeClr val="phClr"/>
+          </a:solidFill>
+          <a:prstDash val="solid"/>
+        </a:ln>
+        <a:ln w="38100" cap="flat" cmpd="sng" algn="ctr">
+          <a:solidFill>
+            <a:schemeClr val="phClr"/>
+          </a:solidFill>
+          <a:prstDash val="solid"/>
+        </a:ln>
+      </a:lnStyleLst>
+      <a:effectStyleLst>
+        <a:effectStyle>
+          <a:effectLst>
+            <a:outerShdw blurRad="40000" dist="20000" dir="5400000" rotWithShape="0">
+              <a:srgbClr val="000000">
+                <a:alpha val="38000"/>
+              </a:srgbClr>
+            </a:outerShdw>
+          </a:effectLst>
+        </a:effectStyle>
+        <a:effectStyle>
+          <a:effectLst>
+            <a:outerShdw blurRad="40000" dist="23000" dir="5400000" rotWithShape="0">
+              <a:srgbClr val="000000">
+                <a:alpha val="35000"/>
+              </a:srgbClr>
+            </a:outerShdw>
+          </a:effectLst>
+        </a:effectStyle>
+        <a:effectStyle>
+          <a:effectLst>
+            <a:outerShdw blurRad="40000" dist="23000" dir="5400000" rotWithShape="0">
+              <a:srgbClr val="000000">
+                <a:alpha val="35000"/>
+              </a:srgbClr>
+            </a:outerShdw>
+          </a:effectLst>
+          <a:scene3d>
+            <a:camera prst="orthographicFront">
+              <a:rot lat="0" lon="0" rev="0"/>
+            </a:camera>
+            <a:lightRig rig="threePt" dir="t">
+              <a:rot lat="0" lon="0" rev="1200000"/>
+            </a:lightRig>
+          </a:scene3d>
+          <a:sp3d>
+            <a:bevelT w="63500" h="25400"/>
+          </a:sp3d>
+        </a:effectStyle>
+      </a:effectStyleLst>
+      <a:bgFillStyleLst>
+        <a:solidFill>
+          <a:schemeClr val="phClr"/>
+        </a:solidFill>
+        <a:gradFill rotWithShape="1">
+          <a:gsLst>
+            <a:gs pos="0">
+              <a:schemeClr val="phClr">
+                <a:tint val="40000"/>
+                <a:satMod val="350000"/>
+              </a:schemeClr>
+            </a:gs>
+            <a:gs pos="40000">
+              <a:schemeClr val="phClr">
+                <a:tint val="45000"/>
+                <a:shade val="99000"/>
+                <a:satMod val="350000"/>
+              </a:schemeClr>
+            </a:gs>
+            <a:gs pos="100000">
+              <a:schemeClr val="phClr">
+                <a:shade val="20000"/>
+                <a:satMod val="255000"/>
+              </a:schemeClr>
+            </a:gs>
+          </a:gsLst>
+          <a:path path="circle">
+            <a:fillToRect l="50000" t="-80000" r="50000" b="180000"/>
+          </a:path>
+        </a:gradFill>
+        <a:gradFill rotWithShape="1">
+          <a:gsLst>
+            <a:gs pos="0">
+              <a:schemeClr val="phClr">
+                <a:tint val="80000"/>
+                <a:satMod val="300000"/>
+              </a:schemeClr>
+            </a:gs>
+            <a:gs pos="100000">
+              <a:schemeClr val="phClr">
+                <a:shade val="30000"/>
+                <a:satMod val="200000"/>
+              </a:schemeClr>
+            </a:gs>
+          </a:gsLst>
+          <a:path path="circle">
+            <a:fillToRect l="50000" t="50000" r="50000" b="50000"/>
+          </a:path>
+        </a:gradFill>
+      </a:bgFillStyleLst>
+    </a:fmtScheme>
+  </a:themeElements>
+  <a:objectDefaults/>
+  <a:extraClrSchemeLst/>
+</a:theme>
 </file>